--- a/docs/diagrams/InitialiseMapSequenceDiagram.pptx
+++ b/docs/diagrams/InitialiseMapSequenceDiagram.pptx
@@ -5957,8 +5957,8 @@
         </p:nvSpPr>
         <p:spPr>
           <a:xfrm>
-            <a:off x="11441863" y="4308927"/>
-            <a:ext cx="1157705" cy="184666"/>
+            <a:off x="11584582" y="4298341"/>
+            <a:ext cx="1608066" cy="184666"/>
           </a:xfrm>
           <a:prstGeom prst="rect">
             <a:avLst/>
@@ -5991,7 +5991,15 @@
             </a:r>
             <a:r>
               <a:rPr lang="en-US" sz="1200" dirty="0"/>
-              <a:t>()</a:t>
+              <a:t>(Cell[][] </a:t>
+            </a:r>
+            <a:r>
+              <a:rPr lang="en-US" sz="1200" dirty="0" err="1"/>
+              <a:t>cellGrid</a:t>
+            </a:r>
+            <a:r>
+              <a:rPr lang="en-US" sz="1200" dirty="0"/>
+              <a:t>)</a:t>
             </a:r>
           </a:p>
         </p:txBody>

--- a/docs/diagrams/InitialiseMapSequenceDiagram.pptx
+++ b/docs/diagrams/InitialiseMapSequenceDiagram.pptx
@@ -3450,7 +3450,7 @@
         </p:nvSpPr>
         <p:spPr>
           <a:xfrm>
-            <a:off x="9281737" y="314565"/>
+            <a:off x="9262176" y="279246"/>
             <a:ext cx="5023893" cy="5965241"/>
           </a:xfrm>
           <a:prstGeom prst="roundRect">
@@ -4404,7 +4404,7 @@
         </p:nvSpPr>
         <p:spPr>
           <a:xfrm>
-            <a:off x="11536996" y="3627760"/>
+            <a:off x="11542068" y="4032874"/>
             <a:ext cx="129933" cy="228598"/>
           </a:xfrm>
           <a:prstGeom prst="rect">
@@ -4884,7 +4884,7 @@
         </p:nvSpPr>
         <p:spPr>
           <a:xfrm>
-            <a:off x="10174754" y="3195081"/>
+            <a:off x="10192710" y="3273408"/>
             <a:ext cx="1157705" cy="184666"/>
           </a:xfrm>
           <a:prstGeom prst="rect">
@@ -4984,14 +4984,13 @@
           </p:cNvPr>
           <p:cNvCxnSpPr>
             <a:cxnSpLocks/>
-            <a:endCxn id="86" idx="2"/>
           </p:cNvCxnSpPr>
           <p:nvPr/>
         </p:nvCxnSpPr>
         <p:spPr>
-          <a:xfrm flipV="1">
-            <a:off x="10154408" y="3856355"/>
-            <a:ext cx="1447555" cy="2"/>
+          <a:xfrm>
+            <a:off x="10098326" y="4253712"/>
+            <a:ext cx="1450927" cy="0"/>
           </a:xfrm>
           <a:prstGeom prst="straightConnector1">
             <a:avLst/>
@@ -5578,7 +5577,7 @@
         </p:nvSpPr>
         <p:spPr>
           <a:xfrm>
-            <a:off x="10359793" y="3436502"/>
+            <a:off x="10379338" y="3860068"/>
             <a:ext cx="886398" cy="184666"/>
           </a:xfrm>
           <a:prstGeom prst="rect">
@@ -5642,7 +5641,7 @@
         <p:spPr>
           <a:xfrm>
             <a:off x="10026764" y="3544174"/>
-            <a:ext cx="129933" cy="398564"/>
+            <a:ext cx="129933" cy="233713"/>
           </a:xfrm>
           <a:prstGeom prst="rect">
             <a:avLst/>
@@ -5696,8 +5695,8 @@
         </p:nvCxnSpPr>
         <p:spPr>
           <a:xfrm>
-            <a:off x="10128918" y="3627757"/>
-            <a:ext cx="1400835" cy="0"/>
+            <a:off x="10086989" y="4038600"/>
+            <a:ext cx="1455079" cy="0"/>
           </a:xfrm>
           <a:prstGeom prst="straightConnector1">
             <a:avLst/>
@@ -5740,12 +5739,12 @@
         </p:nvCxnSpPr>
         <p:spPr>
           <a:xfrm flipH="1">
-            <a:off x="10082362" y="3938887"/>
-            <a:ext cx="64569" cy="174258"/>
+            <a:off x="10077359" y="3774708"/>
+            <a:ext cx="72953" cy="132809"/>
           </a:xfrm>
           <a:prstGeom prst="curvedConnector3">
             <a:avLst>
-              <a:gd name="adj1" fmla="val -354040"/>
+              <a:gd name="adj1" fmla="val -313352"/>
             </a:avLst>
           </a:prstGeom>
           <a:ln>

--- a/docs/diagrams/InitialiseMapSequenceDiagram.pptx
+++ b/docs/diagrams/InitialiseMapSequenceDiagram.pptx
@@ -208,7 +208,7 @@
           <a:p>
             <a:fld id="{F5CC4B3F-88C1-4FFA-B1B6-F41C21DC6924}" type="datetimeFigureOut">
               <a:rPr lang="en-US" smtClean="0"/>
-              <a:t>4/3/2019</a:t>
+              <a:t>4/4/2019</a:t>
             </a:fld>
             <a:endParaRPr lang="en-US"/>
           </a:p>
@@ -654,7 +654,7 @@
           <a:p>
             <a:fld id="{78C97017-6FC3-485B-9764-EAC9E56C1D49}" type="datetimeFigureOut">
               <a:rPr lang="en-US" smtClean="0"/>
-              <a:t>4/3/2019</a:t>
+              <a:t>4/4/2019</a:t>
             </a:fld>
             <a:endParaRPr lang="en-US"/>
           </a:p>
@@ -822,7 +822,7 @@
           <a:p>
             <a:fld id="{78C97017-6FC3-485B-9764-EAC9E56C1D49}" type="datetimeFigureOut">
               <a:rPr lang="en-US" smtClean="0"/>
-              <a:t>4/3/2019</a:t>
+              <a:t>4/4/2019</a:t>
             </a:fld>
             <a:endParaRPr lang="en-US"/>
           </a:p>
@@ -1000,7 +1000,7 @@
           <a:p>
             <a:fld id="{78C97017-6FC3-485B-9764-EAC9E56C1D49}" type="datetimeFigureOut">
               <a:rPr lang="en-US" smtClean="0"/>
-              <a:t>4/3/2019</a:t>
+              <a:t>4/4/2019</a:t>
             </a:fld>
             <a:endParaRPr lang="en-US"/>
           </a:p>
@@ -1168,7 +1168,7 @@
           <a:p>
             <a:fld id="{78C97017-6FC3-485B-9764-EAC9E56C1D49}" type="datetimeFigureOut">
               <a:rPr lang="en-US" smtClean="0"/>
-              <a:t>4/3/2019</a:t>
+              <a:t>4/4/2019</a:t>
             </a:fld>
             <a:endParaRPr lang="en-US"/>
           </a:p>
@@ -1413,7 +1413,7 @@
           <a:p>
             <a:fld id="{78C97017-6FC3-485B-9764-EAC9E56C1D49}" type="datetimeFigureOut">
               <a:rPr lang="en-US" smtClean="0"/>
-              <a:t>4/3/2019</a:t>
+              <a:t>4/4/2019</a:t>
             </a:fld>
             <a:endParaRPr lang="en-US"/>
           </a:p>
@@ -1698,7 +1698,7 @@
           <a:p>
             <a:fld id="{78C97017-6FC3-485B-9764-EAC9E56C1D49}" type="datetimeFigureOut">
               <a:rPr lang="en-US" smtClean="0"/>
-              <a:t>4/3/2019</a:t>
+              <a:t>4/4/2019</a:t>
             </a:fld>
             <a:endParaRPr lang="en-US"/>
           </a:p>
@@ -2117,7 +2117,7 @@
           <a:p>
             <a:fld id="{78C97017-6FC3-485B-9764-EAC9E56C1D49}" type="datetimeFigureOut">
               <a:rPr lang="en-US" smtClean="0"/>
-              <a:t>4/3/2019</a:t>
+              <a:t>4/4/2019</a:t>
             </a:fld>
             <a:endParaRPr lang="en-US"/>
           </a:p>
@@ -2234,7 +2234,7 @@
           <a:p>
             <a:fld id="{78C97017-6FC3-485B-9764-EAC9E56C1D49}" type="datetimeFigureOut">
               <a:rPr lang="en-US" smtClean="0"/>
-              <a:t>4/3/2019</a:t>
+              <a:t>4/4/2019</a:t>
             </a:fld>
             <a:endParaRPr lang="en-US"/>
           </a:p>
@@ -2329,7 +2329,7 @@
           <a:p>
             <a:fld id="{78C97017-6FC3-485B-9764-EAC9E56C1D49}" type="datetimeFigureOut">
               <a:rPr lang="en-US" smtClean="0"/>
-              <a:t>4/3/2019</a:t>
+              <a:t>4/4/2019</a:t>
             </a:fld>
             <a:endParaRPr lang="en-US"/>
           </a:p>
@@ -2604,7 +2604,7 @@
           <a:p>
             <a:fld id="{78C97017-6FC3-485B-9764-EAC9E56C1D49}" type="datetimeFigureOut">
               <a:rPr lang="en-US" smtClean="0"/>
-              <a:t>4/3/2019</a:t>
+              <a:t>4/4/2019</a:t>
             </a:fld>
             <a:endParaRPr lang="en-US"/>
           </a:p>
@@ -2856,7 +2856,7 @@
           <a:p>
             <a:fld id="{78C97017-6FC3-485B-9764-EAC9E56C1D49}" type="datetimeFigureOut">
               <a:rPr lang="en-US" smtClean="0"/>
-              <a:t>4/3/2019</a:t>
+              <a:t>4/4/2019</a:t>
             </a:fld>
             <a:endParaRPr lang="en-US"/>
           </a:p>
@@ -3067,7 +3067,7 @@
           <a:p>
             <a:fld id="{78C97017-6FC3-485B-9764-EAC9E56C1D49}" type="datetimeFigureOut">
               <a:rPr lang="en-US" smtClean="0"/>
-              <a:t>4/3/2019</a:t>
+              <a:t>4/4/2019</a:t>
             </a:fld>
             <a:endParaRPr lang="en-US"/>
           </a:p>
@@ -3503,6 +3503,53 @@
           </a:p>
         </p:txBody>
       </p:sp>
+      <p:cxnSp>
+        <p:nvCxnSpPr>
+          <p:cNvPr id="163" name="Straight Arrow Connector 162">
+            <a:extLst>
+              <a:ext uri="{FF2B5EF4-FFF2-40B4-BE49-F238E27FC236}">
+                <a16:creationId xmlns:a16="http://schemas.microsoft.com/office/drawing/2014/main" id="{FB33F909-E299-4144-BAC3-565C309A22F4}"/>
+              </a:ext>
+            </a:extLst>
+          </p:cNvPr>
+          <p:cNvCxnSpPr>
+            <a:cxnSpLocks/>
+          </p:cNvCxnSpPr>
+          <p:nvPr/>
+        </p:nvCxnSpPr>
+        <p:spPr>
+          <a:xfrm>
+            <a:off x="10079719" y="4043237"/>
+            <a:ext cx="1488227" cy="1"/>
+          </a:xfrm>
+          <a:prstGeom prst="straightConnector1">
+            <a:avLst/>
+          </a:prstGeom>
+          <a:ln w="19050">
+            <a:solidFill>
+              <a:schemeClr val="tx1">
+                <a:lumMod val="65000"/>
+                <a:lumOff val="35000"/>
+              </a:schemeClr>
+            </a:solidFill>
+            <a:tailEnd type="arrow"/>
+          </a:ln>
+        </p:spPr>
+        <p:style>
+          <a:lnRef idx="1">
+            <a:schemeClr val="accent1"/>
+          </a:lnRef>
+          <a:fillRef idx="0">
+            <a:schemeClr val="accent1"/>
+          </a:fillRef>
+          <a:effectRef idx="0">
+            <a:schemeClr val="accent1"/>
+          </a:effectRef>
+          <a:fontRef idx="minor">
+            <a:schemeClr val="tx1"/>
+          </a:fontRef>
+        </p:style>
+      </p:cxnSp>
       <p:sp>
         <p:nvSpPr>
           <p:cNvPr id="81" name="Rectangle 65"/>
@@ -4352,12 +4399,12 @@
             <a:avLst/>
           </a:prstGeom>
           <a:solidFill>
-            <a:srgbClr val="7030A0"/>
+            <a:schemeClr val="bg1">
+              <a:lumMod val="75000"/>
+            </a:schemeClr>
           </a:solidFill>
           <a:ln w="19050">
-            <a:solidFill>
-              <a:srgbClr val="7030A0"/>
-            </a:solidFill>
+            <a:noFill/>
           </a:ln>
           <a:effectLst/>
         </p:spPr>
@@ -4383,14 +4430,14 @@
             <a:r>
               <a:rPr lang="en-US" sz="1600" dirty="0">
                 <a:solidFill>
-                  <a:schemeClr val="bg1"/>
+                  <a:schemeClr val="tx1"/>
                 </a:solidFill>
               </a:rPr>
               <a:t>:Player</a:t>
             </a:r>
             <a:endParaRPr lang="en-SG" sz="1600" dirty="0">
               <a:solidFill>
-                <a:schemeClr val="bg1"/>
+                <a:schemeClr val="tx1"/>
               </a:solidFill>
             </a:endParaRPr>
           </a:p>
@@ -4411,11 +4458,17 @@
             <a:avLst/>
           </a:prstGeom>
           <a:solidFill>
-            <a:srgbClr val="7030A0"/>
+            <a:schemeClr val="tx1">
+              <a:lumMod val="65000"/>
+              <a:lumOff val="35000"/>
+            </a:schemeClr>
           </a:solidFill>
           <a:ln>
             <a:solidFill>
-              <a:srgbClr val="7030A0"/>
+              <a:schemeClr val="tx1">
+                <a:lumMod val="65000"/>
+                <a:lumOff val="35000"/>
+              </a:schemeClr>
             </a:solidFill>
           </a:ln>
           <a:effectLst/>
@@ -4606,7 +4659,7 @@
           </a:prstGeom>
           <a:ln w="19050">
             <a:solidFill>
-              <a:srgbClr val="0070C0"/>
+              <a:srgbClr val="7030A0"/>
             </a:solidFill>
             <a:tailEnd type="arrow"/>
           </a:ln>
@@ -4756,8 +4809,8 @@
         </p:nvCxnSpPr>
         <p:spPr>
           <a:xfrm>
-            <a:off x="1640681" y="1501064"/>
-            <a:ext cx="2357457" cy="0"/>
+            <a:off x="1635938" y="1503390"/>
+            <a:ext cx="2362200" cy="0"/>
           </a:xfrm>
           <a:prstGeom prst="straightConnector1">
             <a:avLst/>
@@ -4855,7 +4908,10 @@
           </a:prstGeom>
           <a:ln w="19050">
             <a:solidFill>
-              <a:srgbClr val="7030A0"/>
+              <a:schemeClr val="tx1">
+                <a:lumMod val="65000"/>
+                <a:lumOff val="35000"/>
+              </a:schemeClr>
             </a:solidFill>
             <a:prstDash val="sysDash"/>
           </a:ln>
@@ -4997,7 +5053,10 @@
           </a:prstGeom>
           <a:ln w="19050">
             <a:solidFill>
-              <a:srgbClr val="7030A0"/>
+              <a:schemeClr val="tx1">
+                <a:lumMod val="65000"/>
+                <a:lumOff val="35000"/>
+              </a:schemeClr>
             </a:solidFill>
             <a:prstDash val="sysDash"/>
             <a:headEnd type="arrow" w="med" len="med"/>
@@ -5535,6 +5594,9 @@
             <a:avLst/>
           </a:prstGeom>
           <a:noFill/>
+          <a:ln>
+            <a:noFill/>
+          </a:ln>
         </p:spPr>
         <p:txBody>
           <a:bodyPr wrap="square" lIns="0" tIns="0" rIns="0" bIns="0" rtlCol="0">
@@ -5554,11 +5616,19 @@
           </a:lstStyle>
           <a:p>
             <a:r>
-              <a:rPr lang="en-US" dirty="0" err="1"/>
+              <a:rPr lang="en-US" dirty="0" err="1">
+                <a:solidFill>
+                  <a:srgbClr val="7030A0"/>
+                </a:solidFill>
+              </a:rPr>
               <a:t>getHumanMapGrid</a:t>
             </a:r>
             <a:r>
-              <a:rPr lang="en-US" dirty="0"/>
+              <a:rPr lang="en-US" dirty="0">
+                <a:solidFill>
+                  <a:srgbClr val="7030A0"/>
+                </a:solidFill>
+              </a:rPr>
               <a:t>()</a:t>
             </a:r>
           </a:p>
@@ -5609,7 +5679,10 @@
             <a:r>
               <a:rPr lang="en-US" sz="1200" dirty="0" err="1">
                 <a:solidFill>
-                  <a:srgbClr val="7030A0"/>
+                  <a:schemeClr val="tx1">
+                    <a:lumMod val="65000"/>
+                    <a:lumOff val="35000"/>
+                  </a:schemeClr>
                 </a:solidFill>
               </a:rPr>
               <a:t>getMapGrid</a:t>
@@ -5617,8 +5690,9 @@
             <a:r>
               <a:rPr lang="en-US" sz="1200" dirty="0">
                 <a:solidFill>
-                  <a:schemeClr val="accent4">
-                    <a:lumMod val="75000"/>
+                  <a:schemeClr val="tx1">
+                    <a:lumMod val="65000"/>
+                    <a:lumOff val="35000"/>
                   </a:schemeClr>
                 </a:solidFill>
               </a:rPr>
@@ -5682,50 +5756,6 @@
       </p:sp>
       <p:cxnSp>
         <p:nvCxnSpPr>
-          <p:cNvPr id="163" name="Straight Arrow Connector 162">
-            <a:extLst>
-              <a:ext uri="{FF2B5EF4-FFF2-40B4-BE49-F238E27FC236}">
-                <a16:creationId xmlns:a16="http://schemas.microsoft.com/office/drawing/2014/main" id="{FB33F909-E299-4144-BAC3-565C309A22F4}"/>
-              </a:ext>
-            </a:extLst>
-          </p:cNvPr>
-          <p:cNvCxnSpPr>
-            <a:cxnSpLocks/>
-          </p:cNvCxnSpPr>
-          <p:nvPr/>
-        </p:nvCxnSpPr>
-        <p:spPr>
-          <a:xfrm>
-            <a:off x="10086989" y="4038600"/>
-            <a:ext cx="1455079" cy="0"/>
-          </a:xfrm>
-          <a:prstGeom prst="straightConnector1">
-            <a:avLst/>
-          </a:prstGeom>
-          <a:ln w="19050">
-            <a:solidFill>
-              <a:srgbClr val="7030A0"/>
-            </a:solidFill>
-            <a:tailEnd type="arrow"/>
-          </a:ln>
-        </p:spPr>
-        <p:style>
-          <a:lnRef idx="1">
-            <a:schemeClr val="accent1"/>
-          </a:lnRef>
-          <a:fillRef idx="0">
-            <a:schemeClr val="accent1"/>
-          </a:fillRef>
-          <a:effectRef idx="0">
-            <a:schemeClr val="accent1"/>
-          </a:effectRef>
-          <a:fontRef idx="minor">
-            <a:schemeClr val="tx1"/>
-          </a:fontRef>
-        </p:style>
-      </p:cxnSp>
-      <p:cxnSp>
-        <p:nvCxnSpPr>
           <p:cNvPr id="166" name="Curved Connector 12">
             <a:extLst>
               <a:ext uri="{FF2B5EF4-FFF2-40B4-BE49-F238E27FC236}">
@@ -5792,11 +5822,11 @@
             <a:avLst/>
           </a:prstGeom>
           <a:solidFill>
-            <a:srgbClr val="7030A0"/>
+            <a:srgbClr val="FF6699"/>
           </a:solidFill>
           <a:ln w="19050">
             <a:solidFill>
-              <a:srgbClr val="7030A0"/>
+              <a:srgbClr val="FF6699"/>
             </a:solidFill>
           </a:ln>
           <a:effectLst/>
@@ -5823,7 +5853,7 @@
             <a:r>
               <a:rPr lang="en-US" sz="1600" dirty="0">
                 <a:solidFill>
-                  <a:schemeClr val="bg1"/>
+                  <a:schemeClr val="tx1"/>
                 </a:solidFill>
               </a:rPr>
               <a:t>:</a:t>
@@ -5831,14 +5861,14 @@
             <a:r>
               <a:rPr lang="en-US" sz="1600" dirty="0" err="1">
                 <a:solidFill>
-                  <a:schemeClr val="bg1"/>
+                  <a:schemeClr val="tx1"/>
                 </a:solidFill>
               </a:rPr>
               <a:t>MapGrid</a:t>
             </a:r>
             <a:endParaRPr lang="en-SG" sz="1600" dirty="0">
               <a:solidFill>
-                <a:schemeClr val="bg1"/>
+                <a:schemeClr val="tx1"/>
               </a:solidFill>
             </a:endParaRPr>
           </a:p>
@@ -5865,11 +5895,11 @@
             <a:avLst/>
           </a:prstGeom>
           <a:solidFill>
-            <a:srgbClr val="7030A0"/>
+            <a:srgbClr val="FF6699"/>
           </a:solidFill>
           <a:ln>
             <a:solidFill>
-              <a:srgbClr val="7030A0"/>
+              <a:srgbClr val="FF6699"/>
             </a:solidFill>
           </a:ln>
           <a:effectLst/>
@@ -5922,7 +5952,7 @@
           </a:prstGeom>
           <a:ln w="19050">
             <a:solidFill>
-              <a:srgbClr val="7030A0"/>
+              <a:srgbClr val="FF6699"/>
             </a:solidFill>
             <a:prstDash val="sysDash"/>
           </a:ln>
@@ -5986,19 +6016,35 @@
           </a:lstStyle>
           <a:p>
             <a:r>
-              <a:rPr lang="en-US" sz="1200" dirty="0" err="1"/>
+              <a:rPr lang="en-US" sz="1200" dirty="0" err="1">
+                <a:solidFill>
+                  <a:srgbClr val="FF6699"/>
+                </a:solidFill>
+              </a:rPr>
               <a:t>initialise</a:t>
             </a:r>
             <a:r>
-              <a:rPr lang="en-US" sz="1200" dirty="0"/>
+              <a:rPr lang="en-US" sz="1200" dirty="0">
+                <a:solidFill>
+                  <a:srgbClr val="FF6699"/>
+                </a:solidFill>
+              </a:rPr>
               <a:t>(Cell[][] </a:t>
             </a:r>
             <a:r>
-              <a:rPr lang="en-US" sz="1200" dirty="0" err="1"/>
+              <a:rPr lang="en-US" sz="1200" dirty="0" err="1">
+                <a:solidFill>
+                  <a:srgbClr val="FF6699"/>
+                </a:solidFill>
+              </a:rPr>
               <a:t>cellGrid</a:t>
             </a:r>
             <a:r>
-              <a:rPr lang="en-US" sz="1200" dirty="0"/>
+              <a:rPr lang="en-US" sz="1200" dirty="0">
+                <a:solidFill>
+                  <a:srgbClr val="FF6699"/>
+                </a:solidFill>
+              </a:rPr>
               <a:t>)</a:t>
             </a:r>
           </a:p>
@@ -6028,7 +6074,7 @@
           </a:prstGeom>
           <a:ln w="19050">
             <a:solidFill>
-              <a:srgbClr val="7030A0"/>
+              <a:srgbClr val="FF6699"/>
             </a:solidFill>
             <a:prstDash val="sysDash"/>
             <a:headEnd type="arrow" w="med" len="med"/>
@@ -6406,7 +6452,7 @@
           </a:prstGeom>
           <a:ln w="19050">
             <a:solidFill>
-              <a:srgbClr val="0070C0"/>
+              <a:srgbClr val="FF6699"/>
             </a:solidFill>
             <a:tailEnd type="arrow"/>
           </a:ln>

--- a/docs/diagrams/InitialiseMapSequenceDiagram.pptx
+++ b/docs/diagrams/InitialiseMapSequenceDiagram.pptx
@@ -3450,7 +3450,7 @@
         </p:nvSpPr>
         <p:spPr>
           <a:xfrm>
-            <a:off x="9262176" y="279246"/>
+            <a:off x="8944420" y="278258"/>
             <a:ext cx="5023893" cy="5965241"/>
           </a:xfrm>
           <a:prstGeom prst="roundRect">
@@ -3503,53 +3503,6 @@
           </a:p>
         </p:txBody>
       </p:sp>
-      <p:cxnSp>
-        <p:nvCxnSpPr>
-          <p:cNvPr id="163" name="Straight Arrow Connector 162">
-            <a:extLst>
-              <a:ext uri="{FF2B5EF4-FFF2-40B4-BE49-F238E27FC236}">
-                <a16:creationId xmlns:a16="http://schemas.microsoft.com/office/drawing/2014/main" id="{FB33F909-E299-4144-BAC3-565C309A22F4}"/>
-              </a:ext>
-            </a:extLst>
-          </p:cNvPr>
-          <p:cNvCxnSpPr>
-            <a:cxnSpLocks/>
-          </p:cNvCxnSpPr>
-          <p:nvPr/>
-        </p:nvCxnSpPr>
-        <p:spPr>
-          <a:xfrm>
-            <a:off x="10079719" y="4043237"/>
-            <a:ext cx="1488227" cy="1"/>
-          </a:xfrm>
-          <a:prstGeom prst="straightConnector1">
-            <a:avLst/>
-          </a:prstGeom>
-          <a:ln w="19050">
-            <a:solidFill>
-              <a:schemeClr val="tx1">
-                <a:lumMod val="65000"/>
-                <a:lumOff val="35000"/>
-              </a:schemeClr>
-            </a:solidFill>
-            <a:tailEnd type="arrow"/>
-          </a:ln>
-        </p:spPr>
-        <p:style>
-          <a:lnRef idx="1">
-            <a:schemeClr val="accent1"/>
-          </a:lnRef>
-          <a:fillRef idx="0">
-            <a:schemeClr val="accent1"/>
-          </a:fillRef>
-          <a:effectRef idx="0">
-            <a:schemeClr val="accent1"/>
-          </a:effectRef>
-          <a:fontRef idx="minor">
-            <a:schemeClr val="tx1"/>
-          </a:fontRef>
-        </p:style>
-      </p:cxnSp>
       <p:sp>
         <p:nvSpPr>
           <p:cNvPr id="81" name="Rectangle 65"/>
@@ -3559,7 +3512,7 @@
         <p:spPr>
           <a:xfrm>
             <a:off x="497681" y="304800"/>
-            <a:ext cx="8719384" cy="5965241"/>
+            <a:ext cx="8354523" cy="5965241"/>
           </a:xfrm>
           <a:prstGeom prst="roundRect">
             <a:avLst>
@@ -3611,6 +3564,97 @@
           </a:p>
         </p:txBody>
       </p:sp>
+      <p:cxnSp>
+        <p:nvCxnSpPr>
+          <p:cNvPr id="250" name="Straight Arrow Connector 249">
+            <a:extLst>
+              <a:ext uri="{FF2B5EF4-FFF2-40B4-BE49-F238E27FC236}">
+                <a16:creationId xmlns:a16="http://schemas.microsoft.com/office/drawing/2014/main" id="{4905E054-6CE5-4BC2-AEFD-9C5C8BAA5AFA}"/>
+              </a:ext>
+            </a:extLst>
+          </p:cNvPr>
+          <p:cNvCxnSpPr>
+            <a:cxnSpLocks/>
+          </p:cNvCxnSpPr>
+          <p:nvPr/>
+        </p:nvCxnSpPr>
+        <p:spPr>
+          <a:xfrm>
+            <a:off x="7484933" y="4508844"/>
+            <a:ext cx="5493329" cy="0"/>
+          </a:xfrm>
+          <a:prstGeom prst="straightConnector1">
+            <a:avLst/>
+          </a:prstGeom>
+          <a:ln w="19050">
+            <a:solidFill>
+              <a:srgbClr val="FF6699"/>
+            </a:solidFill>
+            <a:tailEnd type="arrow"/>
+          </a:ln>
+        </p:spPr>
+        <p:style>
+          <a:lnRef idx="1">
+            <a:schemeClr val="accent1"/>
+          </a:lnRef>
+          <a:fillRef idx="0">
+            <a:schemeClr val="accent1"/>
+          </a:fillRef>
+          <a:effectRef idx="0">
+            <a:schemeClr val="accent1"/>
+          </a:effectRef>
+          <a:fontRef idx="minor">
+            <a:schemeClr val="tx1"/>
+          </a:fontRef>
+        </p:style>
+      </p:cxnSp>
+      <p:cxnSp>
+        <p:nvCxnSpPr>
+          <p:cNvPr id="163" name="Straight Arrow Connector 162">
+            <a:extLst>
+              <a:ext uri="{FF2B5EF4-FFF2-40B4-BE49-F238E27FC236}">
+                <a16:creationId xmlns:a16="http://schemas.microsoft.com/office/drawing/2014/main" id="{FB33F909-E299-4144-BAC3-565C309A22F4}"/>
+              </a:ext>
+            </a:extLst>
+          </p:cNvPr>
+          <p:cNvCxnSpPr>
+            <a:cxnSpLocks/>
+          </p:cNvCxnSpPr>
+          <p:nvPr/>
+        </p:nvCxnSpPr>
+        <p:spPr>
+          <a:xfrm>
+            <a:off x="9743270" y="3967385"/>
+            <a:ext cx="1488227" cy="1"/>
+          </a:xfrm>
+          <a:prstGeom prst="straightConnector1">
+            <a:avLst/>
+          </a:prstGeom>
+          <a:ln w="19050">
+            <a:solidFill>
+              <a:schemeClr val="tx1">
+                <a:lumMod val="65000"/>
+                <a:lumOff val="35000"/>
+              </a:schemeClr>
+            </a:solidFill>
+            <a:tailEnd type="arrow"/>
+          </a:ln>
+        </p:spPr>
+        <p:style>
+          <a:lnRef idx="1">
+            <a:schemeClr val="accent1"/>
+          </a:lnRef>
+          <a:fillRef idx="0">
+            <a:schemeClr val="accent1"/>
+          </a:fillRef>
+          <a:effectRef idx="0">
+            <a:schemeClr val="accent1"/>
+          </a:effectRef>
+          <a:fontRef idx="minor">
+            <a:schemeClr val="tx1"/>
+          </a:fontRef>
+        </p:style>
+      </p:cxnSp>
       <p:cxnSp>
         <p:nvCxnSpPr>
           <p:cNvPr id="85" name="Straight Connector 84">
@@ -4064,7 +4108,7 @@
           </a:prstGeom>
           <a:ln w="19050">
             <a:solidFill>
-              <a:srgbClr val="00B050"/>
+              <a:srgbClr val="0070C0"/>
             </a:solidFill>
             <a:tailEnd type="arrow"/>
           </a:ln>
@@ -4144,7 +4188,7 @@
         </p:nvCxnSpPr>
         <p:spPr>
           <a:xfrm flipV="1">
-            <a:off x="4155528" y="1622720"/>
+            <a:off x="4162647" y="1620293"/>
             <a:ext cx="668888" cy="1"/>
           </a:xfrm>
           <a:prstGeom prst="straightConnector1">
@@ -4392,7 +4436,7 @@
         </p:nvSpPr>
         <p:spPr>
           <a:xfrm>
-            <a:off x="10864020" y="2685432"/>
+            <a:off x="10546264" y="2684444"/>
             <a:ext cx="1475876" cy="335427"/>
           </a:xfrm>
           <a:prstGeom prst="rect">
@@ -4404,7 +4448,12 @@
             </a:schemeClr>
           </a:solidFill>
           <a:ln w="19050">
-            <a:noFill/>
+            <a:solidFill>
+              <a:schemeClr val="tx1">
+                <a:lumMod val="65000"/>
+                <a:lumOff val="35000"/>
+              </a:schemeClr>
+            </a:solidFill>
           </a:ln>
           <a:effectLst/>
         </p:spPr>
@@ -4451,8 +4500,8 @@
         </p:nvSpPr>
         <p:spPr>
           <a:xfrm>
-            <a:off x="11542068" y="4032874"/>
-            <a:ext cx="129933" cy="228598"/>
+            <a:off x="11224312" y="3961413"/>
+            <a:ext cx="129933" cy="299071"/>
           </a:xfrm>
           <a:prstGeom prst="rect">
             <a:avLst/>
@@ -4504,7 +4553,7 @@
         </p:nvSpPr>
         <p:spPr>
           <a:xfrm>
-            <a:off x="9563678" y="2529938"/>
+            <a:off x="9245922" y="2528950"/>
             <a:ext cx="841636" cy="300181"/>
           </a:xfrm>
           <a:prstGeom prst="rect">
@@ -4565,7 +4614,7 @@
         </p:nvCxnSpPr>
         <p:spPr>
           <a:xfrm flipH="1">
-            <a:off x="10004376" y="2821045"/>
+            <a:off x="9686620" y="2820057"/>
             <a:ext cx="1" cy="3371739"/>
           </a:xfrm>
           <a:prstGeom prst="line">
@@ -4602,7 +4651,7 @@
         </p:nvSpPr>
         <p:spPr>
           <a:xfrm>
-            <a:off x="9918093" y="3402730"/>
+            <a:off x="9600337" y="3401742"/>
             <a:ext cx="168896" cy="934257"/>
           </a:xfrm>
           <a:prstGeom prst="rect">
@@ -4652,7 +4701,7 @@
         <p:spPr>
           <a:xfrm>
             <a:off x="7498795" y="3413501"/>
-            <a:ext cx="2425738" cy="1"/>
+            <a:ext cx="2104644" cy="0"/>
           </a:xfrm>
           <a:prstGeom prst="straightConnector1">
             <a:avLst/>
@@ -4765,7 +4814,7 @@
         </p:nvCxnSpPr>
         <p:spPr>
           <a:xfrm>
-            <a:off x="1727807" y="3338868"/>
+            <a:off x="1736228" y="3327542"/>
             <a:ext cx="5600765" cy="0"/>
           </a:xfrm>
           <a:prstGeom prst="straightConnector1">
@@ -4809,7 +4858,7 @@
         </p:nvCxnSpPr>
         <p:spPr>
           <a:xfrm>
-            <a:off x="1635938" y="1503390"/>
+            <a:off x="1640681" y="1501064"/>
             <a:ext cx="2362200" cy="0"/>
           </a:xfrm>
           <a:prstGeom prst="straightConnector1">
@@ -4900,7 +4949,7 @@
         </p:nvCxnSpPr>
         <p:spPr>
           <a:xfrm>
-            <a:off x="11601957" y="3020850"/>
+            <a:off x="11284201" y="3019862"/>
             <a:ext cx="0" cy="3171928"/>
           </a:xfrm>
           <a:prstGeom prst="line">
@@ -4940,8 +4989,8 @@
         </p:nvSpPr>
         <p:spPr>
           <a:xfrm>
-            <a:off x="10192710" y="3273408"/>
-            <a:ext cx="1157705" cy="184666"/>
+            <a:off x="9829122" y="3289794"/>
+            <a:ext cx="1326064" cy="184666"/>
           </a:xfrm>
           <a:prstGeom prst="rect">
             <a:avLst/>
@@ -4999,7 +5048,7 @@
         </p:nvCxnSpPr>
         <p:spPr>
           <a:xfrm>
-            <a:off x="10076399" y="3439378"/>
+            <a:off x="9758643" y="3438390"/>
             <a:ext cx="72937" cy="109922"/>
           </a:xfrm>
           <a:prstGeom prst="curvedConnector3">
@@ -5045,7 +5094,7 @@
         </p:nvCxnSpPr>
         <p:spPr>
           <a:xfrm>
-            <a:off x="10098326" y="4253712"/>
+            <a:off x="9780570" y="4252724"/>
             <a:ext cx="1450927" cy="0"/>
           </a:xfrm>
           <a:prstGeom prst="straightConnector1">
@@ -5587,7 +5636,7 @@
         </p:nvSpPr>
         <p:spPr>
           <a:xfrm>
-            <a:off x="7950683" y="3154145"/>
+            <a:off x="7765301" y="3145401"/>
             <a:ext cx="1541418" cy="215444"/>
           </a:xfrm>
           <a:prstGeom prst="rect">
@@ -5648,8 +5697,8 @@
         </p:nvSpPr>
         <p:spPr>
           <a:xfrm>
-            <a:off x="10379338" y="3860068"/>
-            <a:ext cx="886398" cy="184666"/>
+            <a:off x="10066100" y="3730806"/>
+            <a:ext cx="1034931" cy="184666"/>
           </a:xfrm>
           <a:prstGeom prst="rect">
             <a:avLst/>
@@ -5715,8 +5764,8 @@
         </p:nvSpPr>
         <p:spPr>
           <a:xfrm>
-            <a:off x="10026764" y="3544174"/>
-            <a:ext cx="129933" cy="233713"/>
+            <a:off x="9709008" y="3543187"/>
+            <a:ext cx="129933" cy="169204"/>
           </a:xfrm>
           <a:prstGeom prst="rect">
             <a:avLst/>
@@ -5770,7 +5819,7 @@
         </p:nvCxnSpPr>
         <p:spPr>
           <a:xfrm flipH="1">
-            <a:off x="10077359" y="3774708"/>
+            <a:off x="9756973" y="3707615"/>
             <a:ext cx="72953" cy="132809"/>
           </a:xfrm>
           <a:prstGeom prst="curvedConnector3">
@@ -5815,7 +5864,7 @@
         </p:nvSpPr>
         <p:spPr>
           <a:xfrm>
-            <a:off x="12626490" y="2859663"/>
+            <a:off x="12308734" y="2858675"/>
             <a:ext cx="1475876" cy="335427"/>
           </a:xfrm>
           <a:prstGeom prst="rect">
@@ -5888,7 +5937,7 @@
         </p:nvSpPr>
         <p:spPr>
           <a:xfrm>
-            <a:off x="13296018" y="4508844"/>
+            <a:off x="12978262" y="4507856"/>
             <a:ext cx="129933" cy="228598"/>
           </a:xfrm>
           <a:prstGeom prst="rect">
@@ -5944,7 +5993,7 @@
         </p:nvCxnSpPr>
         <p:spPr>
           <a:xfrm>
-            <a:off x="13364426" y="3195084"/>
+            <a:off x="13046670" y="3194096"/>
             <a:ext cx="0" cy="2997694"/>
           </a:xfrm>
           <a:prstGeom prst="line">
@@ -5987,7 +6036,7 @@
         </p:nvSpPr>
         <p:spPr>
           <a:xfrm>
-            <a:off x="11584582" y="4298341"/>
+            <a:off x="11266826" y="4297353"/>
             <a:ext cx="1608066" cy="184666"/>
           </a:xfrm>
           <a:prstGeom prst="rect">
@@ -6067,7 +6116,7 @@
         <p:spPr>
           <a:xfrm>
             <a:off x="7492109" y="4737440"/>
-            <a:ext cx="5824721" cy="0"/>
+            <a:ext cx="5486153" cy="0"/>
           </a:xfrm>
           <a:prstGeom prst="straightConnector1">
             <a:avLst/>
@@ -6113,7 +6162,7 @@
         <p:spPr>
           <a:xfrm>
             <a:off x="7484933" y="4339758"/>
-            <a:ext cx="2433162" cy="0"/>
+            <a:ext cx="2115404" cy="0"/>
           </a:xfrm>
           <a:prstGeom prst="straightConnector1">
             <a:avLst/>
@@ -6212,13 +6261,18 @@
             <a:p>
               <a:pPr algn="ctr"/>
               <a:r>
-                <a:rPr lang="en-US" sz="1600" dirty="0">
+                <a:rPr lang="en-US" sz="1600" dirty="0" err="1">
                   <a:solidFill>
                     <a:schemeClr val="bg1"/>
                   </a:solidFill>
                 </a:rPr>
-                <a:t>:Command</a:t>
+                <a:t>res:Command</a:t>
               </a:r>
+              <a:endParaRPr lang="en-US" sz="1600" dirty="0">
+                <a:solidFill>
+                  <a:schemeClr val="bg1"/>
+                </a:solidFill>
+              </a:endParaRPr>
             </a:p>
             <a:p>
               <a:pPr algn="ctr"/>
@@ -6428,50 +6482,228 @@
           </a:fontRef>
         </p:style>
       </p:cxnSp>
-      <p:cxnSp>
-        <p:nvCxnSpPr>
-          <p:cNvPr id="250" name="Straight Arrow Connector 249">
+      <p:sp>
+        <p:nvSpPr>
+          <p:cNvPr id="64" name="TextBox 63">
             <a:extLst>
               <a:ext uri="{FF2B5EF4-FFF2-40B4-BE49-F238E27FC236}">
-                <a16:creationId xmlns:a16="http://schemas.microsoft.com/office/drawing/2014/main" id="{4905E054-6CE5-4BC2-AEFD-9C5C8BAA5AFA}"/>
+                <a16:creationId xmlns:a16="http://schemas.microsoft.com/office/drawing/2014/main" id="{72581E6E-B196-4E61-B3F9-1D80B9018707}"/>
               </a:ext>
             </a:extLst>
           </p:cNvPr>
-          <p:cNvCxnSpPr>
-            <a:cxnSpLocks/>
-          </p:cNvCxnSpPr>
+          <p:cNvSpPr txBox="1"/>
           <p:nvPr/>
-        </p:nvCxnSpPr>
-        <p:spPr>
-          <a:xfrm>
-            <a:off x="7513670" y="4506262"/>
-            <a:ext cx="5783233" cy="0"/>
-          </a:xfrm>
-          <a:prstGeom prst="straightConnector1">
+        </p:nvSpPr>
+        <p:spPr>
+          <a:xfrm>
+            <a:off x="4051398" y="5426983"/>
+            <a:ext cx="855808" cy="215444"/>
+          </a:xfrm>
+          <a:prstGeom prst="rect">
             <a:avLst/>
           </a:prstGeom>
-          <a:ln w="19050">
-            <a:solidFill>
-              <a:srgbClr val="FF6699"/>
-            </a:solidFill>
-            <a:tailEnd type="arrow"/>
+          <a:noFill/>
+        </p:spPr>
+        <p:txBody>
+          <a:bodyPr wrap="square" lIns="0" tIns="0" rIns="0" bIns="0" rtlCol="0">
+            <a:spAutoFit/>
+          </a:bodyPr>
+          <a:lstStyle>
+            <a:defPPr>
+              <a:defRPr lang="en-US"/>
+            </a:defPPr>
+            <a:lvl1pPr algn="r">
+              <a:defRPr sz="1400">
+                <a:solidFill>
+                  <a:srgbClr val="0070C0"/>
+                </a:solidFill>
+              </a:defRPr>
+            </a:lvl1pPr>
+          </a:lstStyle>
+          <a:p>
+            <a:pPr algn="ctr"/>
+            <a:r>
+              <a:rPr lang="en-US" dirty="0"/>
+              <a:t>res</a:t>
+            </a:r>
+          </a:p>
+        </p:txBody>
+      </p:sp>
+      <p:sp>
+        <p:nvSpPr>
+          <p:cNvPr id="68" name="TextBox 67">
+            <a:extLst>
+              <a:ext uri="{FF2B5EF4-FFF2-40B4-BE49-F238E27FC236}">
+                <a16:creationId xmlns:a16="http://schemas.microsoft.com/office/drawing/2014/main" id="{75B411DE-4C2C-402A-8133-D10A8A09881C}"/>
+              </a:ext>
+            </a:extLst>
+          </p:cNvPr>
+          <p:cNvSpPr txBox="1"/>
+          <p:nvPr/>
+        </p:nvSpPr>
+        <p:spPr>
+          <a:xfrm>
+            <a:off x="576409" y="5561983"/>
+            <a:ext cx="855808" cy="215444"/>
+          </a:xfrm>
+          <a:prstGeom prst="rect">
+            <a:avLst/>
+          </a:prstGeom>
+          <a:noFill/>
+        </p:spPr>
+        <p:txBody>
+          <a:bodyPr wrap="square" lIns="0" tIns="0" rIns="0" bIns="0" rtlCol="0">
+            <a:spAutoFit/>
+          </a:bodyPr>
+          <a:lstStyle>
+            <a:defPPr>
+              <a:defRPr lang="en-US"/>
+            </a:defPPr>
+            <a:lvl1pPr algn="r">
+              <a:defRPr sz="1400">
+                <a:solidFill>
+                  <a:srgbClr val="0070C0"/>
+                </a:solidFill>
+              </a:defRPr>
+            </a:lvl1pPr>
+          </a:lstStyle>
+          <a:p>
+            <a:pPr algn="ctr"/>
+            <a:r>
+              <a:rPr lang="en-US" dirty="0"/>
+              <a:t>res</a:t>
+            </a:r>
+          </a:p>
+        </p:txBody>
+      </p:sp>
+      <p:sp>
+        <p:nvSpPr>
+          <p:cNvPr id="74" name="TextBox 73">
+            <a:extLst>
+              <a:ext uri="{FF2B5EF4-FFF2-40B4-BE49-F238E27FC236}">
+                <a16:creationId xmlns:a16="http://schemas.microsoft.com/office/drawing/2014/main" id="{EBE9EF11-75E1-468F-B4A2-BBDAAADEE274}"/>
+              </a:ext>
+            </a:extLst>
+          </p:cNvPr>
+          <p:cNvSpPr txBox="1"/>
+          <p:nvPr/>
+        </p:nvSpPr>
+        <p:spPr>
+          <a:xfrm>
+            <a:off x="9908161" y="4051707"/>
+            <a:ext cx="1175496" cy="184666"/>
+          </a:xfrm>
+          <a:prstGeom prst="rect">
+            <a:avLst/>
+          </a:prstGeom>
+          <a:noFill/>
+          <a:ln>
+            <a:noFill/>
           </a:ln>
         </p:spPr>
-        <p:style>
-          <a:lnRef idx="1">
-            <a:schemeClr val="accent1"/>
-          </a:lnRef>
-          <a:fillRef idx="0">
-            <a:schemeClr val="accent1"/>
-          </a:fillRef>
-          <a:effectRef idx="0">
-            <a:schemeClr val="accent1"/>
-          </a:effectRef>
-          <a:fontRef idx="minor">
-            <a:schemeClr val="tx1"/>
-          </a:fontRef>
-        </p:style>
-      </p:cxnSp>
+        <p:txBody>
+          <a:bodyPr wrap="square" lIns="0" tIns="0" rIns="0" bIns="0" rtlCol="0">
+            <a:spAutoFit/>
+          </a:bodyPr>
+          <a:lstStyle>
+            <a:defPPr>
+              <a:defRPr lang="en-US"/>
+            </a:defPPr>
+            <a:lvl1pPr algn="r">
+              <a:defRPr sz="1400">
+                <a:solidFill>
+                  <a:srgbClr val="0070C0"/>
+                </a:solidFill>
+              </a:defRPr>
+            </a:lvl1pPr>
+          </a:lstStyle>
+          <a:p>
+            <a:r>
+              <a:rPr lang="en-US" sz="1200" dirty="0" err="1">
+                <a:solidFill>
+                  <a:schemeClr val="tx1">
+                    <a:lumMod val="65000"/>
+                    <a:lumOff val="35000"/>
+                  </a:schemeClr>
+                </a:solidFill>
+              </a:rPr>
+              <a:t>playerMapGrid</a:t>
+            </a:r>
+            <a:endParaRPr lang="en-US" sz="1100" dirty="0">
+              <a:solidFill>
+                <a:schemeClr val="tx1">
+                  <a:lumMod val="65000"/>
+                  <a:lumOff val="35000"/>
+                </a:schemeClr>
+              </a:solidFill>
+            </a:endParaRPr>
+          </a:p>
+        </p:txBody>
+      </p:sp>
+      <p:sp>
+        <p:nvSpPr>
+          <p:cNvPr id="75" name="TextBox 74">
+            <a:extLst>
+              <a:ext uri="{FF2B5EF4-FFF2-40B4-BE49-F238E27FC236}">
+                <a16:creationId xmlns:a16="http://schemas.microsoft.com/office/drawing/2014/main" id="{BFB93399-D68C-488F-8B97-789304D31CBC}"/>
+              </a:ext>
+            </a:extLst>
+          </p:cNvPr>
+          <p:cNvSpPr txBox="1"/>
+          <p:nvPr/>
+        </p:nvSpPr>
+        <p:spPr>
+          <a:xfrm>
+            <a:off x="7981478" y="4119963"/>
+            <a:ext cx="1022666" cy="184666"/>
+          </a:xfrm>
+          <a:prstGeom prst="rect">
+            <a:avLst/>
+          </a:prstGeom>
+          <a:noFill/>
+          <a:ln>
+            <a:noFill/>
+          </a:ln>
+        </p:spPr>
+        <p:txBody>
+          <a:bodyPr wrap="square" lIns="0" tIns="0" rIns="0" bIns="0" rtlCol="0">
+            <a:spAutoFit/>
+          </a:bodyPr>
+          <a:lstStyle>
+            <a:defPPr>
+              <a:defRPr lang="en-US"/>
+            </a:defPPr>
+            <a:lvl1pPr algn="r">
+              <a:defRPr sz="1400">
+                <a:solidFill>
+                  <a:srgbClr val="0070C0"/>
+                </a:solidFill>
+              </a:defRPr>
+            </a:lvl1pPr>
+          </a:lstStyle>
+          <a:p>
+            <a:r>
+              <a:rPr lang="en-US" sz="1200" dirty="0" err="1">
+                <a:solidFill>
+                  <a:schemeClr val="tx1">
+                    <a:lumMod val="65000"/>
+                    <a:lumOff val="35000"/>
+                  </a:schemeClr>
+                </a:solidFill>
+              </a:rPr>
+              <a:t>playerMapGrid</a:t>
+            </a:r>
+            <a:endParaRPr lang="en-US" sz="1100" dirty="0">
+              <a:solidFill>
+                <a:schemeClr val="tx1">
+                  <a:lumMod val="65000"/>
+                  <a:lumOff val="35000"/>
+                </a:schemeClr>
+              </a:solidFill>
+            </a:endParaRPr>
+          </a:p>
+        </p:txBody>
+      </p:sp>
     </p:spTree>
     <p:extLst>
       <p:ext uri="{BB962C8B-B14F-4D97-AF65-F5344CB8AC3E}">

--- a/docs/diagrams/InitialiseMapSequenceDiagram.pptx
+++ b/docs/diagrams/InitialiseMapSequenceDiagram.pptx
@@ -208,7 +208,7 @@
           <a:p>
             <a:fld id="{F5CC4B3F-88C1-4FFA-B1B6-F41C21DC6924}" type="datetimeFigureOut">
               <a:rPr lang="en-US" smtClean="0"/>
-              <a:t>4/4/2019</a:t>
+              <a:t>13-Apr-19</a:t>
             </a:fld>
             <a:endParaRPr lang="en-US"/>
           </a:p>
@@ -654,7 +654,7 @@
           <a:p>
             <a:fld id="{78C97017-6FC3-485B-9764-EAC9E56C1D49}" type="datetimeFigureOut">
               <a:rPr lang="en-US" smtClean="0"/>
-              <a:t>4/4/2019</a:t>
+              <a:t>13-Apr-19</a:t>
             </a:fld>
             <a:endParaRPr lang="en-US"/>
           </a:p>
@@ -822,7 +822,7 @@
           <a:p>
             <a:fld id="{78C97017-6FC3-485B-9764-EAC9E56C1D49}" type="datetimeFigureOut">
               <a:rPr lang="en-US" smtClean="0"/>
-              <a:t>4/4/2019</a:t>
+              <a:t>13-Apr-19</a:t>
             </a:fld>
             <a:endParaRPr lang="en-US"/>
           </a:p>
@@ -1000,7 +1000,7 @@
           <a:p>
             <a:fld id="{78C97017-6FC3-485B-9764-EAC9E56C1D49}" type="datetimeFigureOut">
               <a:rPr lang="en-US" smtClean="0"/>
-              <a:t>4/4/2019</a:t>
+              <a:t>13-Apr-19</a:t>
             </a:fld>
             <a:endParaRPr lang="en-US"/>
           </a:p>
@@ -1168,7 +1168,7 @@
           <a:p>
             <a:fld id="{78C97017-6FC3-485B-9764-EAC9E56C1D49}" type="datetimeFigureOut">
               <a:rPr lang="en-US" smtClean="0"/>
-              <a:t>4/4/2019</a:t>
+              <a:t>13-Apr-19</a:t>
             </a:fld>
             <a:endParaRPr lang="en-US"/>
           </a:p>
@@ -1413,7 +1413,7 @@
           <a:p>
             <a:fld id="{78C97017-6FC3-485B-9764-EAC9E56C1D49}" type="datetimeFigureOut">
               <a:rPr lang="en-US" smtClean="0"/>
-              <a:t>4/4/2019</a:t>
+              <a:t>13-Apr-19</a:t>
             </a:fld>
             <a:endParaRPr lang="en-US"/>
           </a:p>
@@ -1698,7 +1698,7 @@
           <a:p>
             <a:fld id="{78C97017-6FC3-485B-9764-EAC9E56C1D49}" type="datetimeFigureOut">
               <a:rPr lang="en-US" smtClean="0"/>
-              <a:t>4/4/2019</a:t>
+              <a:t>13-Apr-19</a:t>
             </a:fld>
             <a:endParaRPr lang="en-US"/>
           </a:p>
@@ -2117,7 +2117,7 @@
           <a:p>
             <a:fld id="{78C97017-6FC3-485B-9764-EAC9E56C1D49}" type="datetimeFigureOut">
               <a:rPr lang="en-US" smtClean="0"/>
-              <a:t>4/4/2019</a:t>
+              <a:t>13-Apr-19</a:t>
             </a:fld>
             <a:endParaRPr lang="en-US"/>
           </a:p>
@@ -2234,7 +2234,7 @@
           <a:p>
             <a:fld id="{78C97017-6FC3-485B-9764-EAC9E56C1D49}" type="datetimeFigureOut">
               <a:rPr lang="en-US" smtClean="0"/>
-              <a:t>4/4/2019</a:t>
+              <a:t>13-Apr-19</a:t>
             </a:fld>
             <a:endParaRPr lang="en-US"/>
           </a:p>
@@ -2329,7 +2329,7 @@
           <a:p>
             <a:fld id="{78C97017-6FC3-485B-9764-EAC9E56C1D49}" type="datetimeFigureOut">
               <a:rPr lang="en-US" smtClean="0"/>
-              <a:t>4/4/2019</a:t>
+              <a:t>13-Apr-19</a:t>
             </a:fld>
             <a:endParaRPr lang="en-US"/>
           </a:p>
@@ -2604,7 +2604,7 @@
           <a:p>
             <a:fld id="{78C97017-6FC3-485B-9764-EAC9E56C1D49}" type="datetimeFigureOut">
               <a:rPr lang="en-US" smtClean="0"/>
-              <a:t>4/4/2019</a:t>
+              <a:t>13-Apr-19</a:t>
             </a:fld>
             <a:endParaRPr lang="en-US"/>
           </a:p>
@@ -2856,7 +2856,7 @@
           <a:p>
             <a:fld id="{78C97017-6FC3-485B-9764-EAC9E56C1D49}" type="datetimeFigureOut">
               <a:rPr lang="en-US" smtClean="0"/>
-              <a:t>4/4/2019</a:t>
+              <a:t>13-Apr-19</a:t>
             </a:fld>
             <a:endParaRPr lang="en-US"/>
           </a:p>
@@ -3067,7 +3067,7 @@
           <a:p>
             <a:fld id="{78C97017-6FC3-485B-9764-EAC9E56C1D49}" type="datetimeFigureOut">
               <a:rPr lang="en-US" smtClean="0"/>
-              <a:t>4/4/2019</a:t>
+              <a:t>13-Apr-19</a:t>
             </a:fld>
             <a:endParaRPr lang="en-US"/>
           </a:p>
@@ -3856,7 +3856,7 @@
         <p:spPr>
           <a:xfrm>
             <a:off x="3456747" y="558268"/>
-            <a:ext cx="1219200" cy="467684"/>
+            <a:ext cx="1155721" cy="467684"/>
           </a:xfrm>
           <a:prstGeom prst="rect">
             <a:avLst/>
@@ -3891,23 +3891,12 @@
           <a:p>
             <a:pPr algn="ctr"/>
             <a:r>
-              <a:rPr lang="en-US" sz="1600" dirty="0">
+              <a:rPr lang="en-US" sz="1600">
                 <a:solidFill>
                   <a:schemeClr val="bg1"/>
                 </a:solidFill>
               </a:rPr>
-              <a:t>:Address</a:t>
-            </a:r>
-          </a:p>
-          <a:p>
-            <a:pPr algn="ctr"/>
-            <a:r>
-              <a:rPr lang="en-US" sz="1600" dirty="0">
-                <a:solidFill>
-                  <a:schemeClr val="bg1"/>
-                </a:solidFill>
-              </a:rPr>
-              <a:t>BookParser</a:t>
+              <a:t>:BattleshipParser</a:t>
             </a:r>
             <a:endParaRPr lang="en-SG" sz="1600" dirty="0">
               <a:solidFill>
@@ -4449,9 +4438,8 @@
           </a:solidFill>
           <a:ln w="19050">
             <a:solidFill>
-              <a:schemeClr val="tx1">
-                <a:lumMod val="65000"/>
-                <a:lumOff val="35000"/>
+              <a:schemeClr val="bg1">
+                <a:lumMod val="75000"/>
               </a:schemeClr>
             </a:solidFill>
           </a:ln>

--- a/docs/diagrams/InitialiseMapSequenceDiagram.pptx
+++ b/docs/diagrams/InitialiseMapSequenceDiagram.pptx
@@ -10,7 +10,7 @@
   <p:sldIdLst>
     <p:sldId id="267" r:id="rId2"/>
   </p:sldIdLst>
-  <p:sldSz cx="14711363" cy="6858000"/>
+  <p:sldSz cx="14711363" cy="10799763"/>
   <p:notesSz cx="6858000" cy="9144000"/>
   <p:defaultTextStyle>
     <a:defPPr>
@@ -110,7 +110,7 @@
   <p:extLst>
     <p:ext uri="{EFAFB233-063F-42B5-8137-9DF3F51BA10A}">
       <p15:sldGuideLst xmlns:p15="http://schemas.microsoft.com/office/powerpoint/2012/main">
-        <p15:guide id="1" orient="horz" pos="1488" userDrawn="1">
+        <p15:guide id="1" orient="horz" pos="2343" userDrawn="1">
           <p15:clr>
             <a:srgbClr val="A4A3A4"/>
           </p15:clr>
@@ -208,7 +208,7 @@
           <a:p>
             <a:fld id="{F5CC4B3F-88C1-4FFA-B1B6-F41C21DC6924}" type="datetimeFigureOut">
               <a:rPr lang="en-US" smtClean="0"/>
-              <a:t>13-Apr-19</a:t>
+              <a:t>4/15/2019</a:t>
             </a:fld>
             <a:endParaRPr lang="en-US"/>
           </a:p>
@@ -226,8 +226,8 @@
         </p:nvSpPr>
         <p:spPr>
           <a:xfrm>
-            <a:off x="-249238" y="685800"/>
-            <a:ext cx="7356476" cy="3429000"/>
+            <a:off x="1093788" y="685800"/>
+            <a:ext cx="4670425" cy="3429000"/>
           </a:xfrm>
           <a:prstGeom prst="rect">
             <a:avLst/>
@@ -475,6 +475,95 @@
 </p:notesMaster>
 </file>
 
+<file path=ppt/notesSlides/notesSlide1.xml><?xml version="1.0" encoding="utf-8"?>
+<p:notes xmlns:a="http://schemas.openxmlformats.org/drawingml/2006/main" xmlns:r="http://schemas.openxmlformats.org/officeDocument/2006/relationships" xmlns:p="http://schemas.openxmlformats.org/presentationml/2006/main">
+  <p:cSld>
+    <p:spTree>
+      <p:nvGrpSpPr>
+        <p:cNvPr id="1" name=""/>
+        <p:cNvGrpSpPr/>
+        <p:nvPr/>
+      </p:nvGrpSpPr>
+      <p:grpSpPr>
+        <a:xfrm>
+          <a:off x="0" y="0"/>
+          <a:ext cx="0" cy="0"/>
+          <a:chOff x="0" y="0"/>
+          <a:chExt cx="0" cy="0"/>
+        </a:xfrm>
+      </p:grpSpPr>
+      <p:sp>
+        <p:nvSpPr>
+          <p:cNvPr id="2" name="Slide Image Placeholder 1"/>
+          <p:cNvSpPr>
+            <a:spLocks noGrp="1" noRot="1" noChangeAspect="1"/>
+          </p:cNvSpPr>
+          <p:nvPr>
+            <p:ph type="sldImg"/>
+          </p:nvPr>
+        </p:nvSpPr>
+        <p:spPr>
+          <a:xfrm>
+            <a:off x="1093788" y="685800"/>
+            <a:ext cx="4670425" cy="3429000"/>
+          </a:xfrm>
+        </p:spPr>
+      </p:sp>
+      <p:sp>
+        <p:nvSpPr>
+          <p:cNvPr id="3" name="Notes Placeholder 2"/>
+          <p:cNvSpPr>
+            <a:spLocks noGrp="1"/>
+          </p:cNvSpPr>
+          <p:nvPr>
+            <p:ph type="body" idx="1"/>
+          </p:nvPr>
+        </p:nvSpPr>
+        <p:spPr/>
+        <p:txBody>
+          <a:bodyPr/>
+          <a:lstStyle/>
+          <a:p>
+            <a:endParaRPr lang="en-SG" dirty="0"/>
+          </a:p>
+        </p:txBody>
+      </p:sp>
+      <p:sp>
+        <p:nvSpPr>
+          <p:cNvPr id="4" name="Slide Number Placeholder 3"/>
+          <p:cNvSpPr>
+            <a:spLocks noGrp="1"/>
+          </p:cNvSpPr>
+          <p:nvPr>
+            <p:ph type="sldNum" sz="quarter" idx="5"/>
+          </p:nvPr>
+        </p:nvSpPr>
+        <p:spPr/>
+        <p:txBody>
+          <a:bodyPr/>
+          <a:lstStyle/>
+          <a:p>
+            <a:fld id="{5A7AB025-77E3-4BD1-A2FD-B3183DBA47A3}" type="slidenum">
+              <a:rPr lang="en-US" smtClean="0"/>
+              <a:t>1</a:t>
+            </a:fld>
+            <a:endParaRPr lang="en-US"/>
+          </a:p>
+        </p:txBody>
+      </p:sp>
+    </p:spTree>
+    <p:extLst>
+      <p:ext uri="{BB962C8B-B14F-4D97-AF65-F5344CB8AC3E}">
+        <p14:creationId xmlns:p14="http://schemas.microsoft.com/office/powerpoint/2010/main" val="777566766"/>
+      </p:ext>
+    </p:extLst>
+  </p:cSld>
+  <p:clrMapOvr>
+    <a:masterClrMapping/>
+  </p:clrMapOvr>
+</p:notes>
+</file>
+
 <file path=ppt/slideLayouts/slideLayout1.xml><?xml version="1.0" encoding="utf-8"?>
 <p:sldLayout xmlns:a="http://schemas.openxmlformats.org/drawingml/2006/main" xmlns:r="http://schemas.openxmlformats.org/officeDocument/2006/relationships" xmlns:p="http://schemas.openxmlformats.org/presentationml/2006/main" type="title" preserve="1">
   <p:cSld name="Title Slide">
@@ -504,8 +593,8 @@
         </p:nvSpPr>
         <p:spPr>
           <a:xfrm>
-            <a:off x="1103355" y="2130445"/>
-            <a:ext cx="12504659" cy="1470025"/>
+            <a:off x="1103358" y="3354960"/>
+            <a:ext cx="12504659" cy="2314949"/>
           </a:xfrm>
         </p:spPr>
         <p:txBody>
@@ -531,8 +620,8 @@
         </p:nvSpPr>
         <p:spPr>
           <a:xfrm>
-            <a:off x="2206706" y="3886200"/>
-            <a:ext cx="10297954" cy="1752600"/>
+            <a:off x="2206706" y="6119866"/>
+            <a:ext cx="10297954" cy="2759939"/>
           </a:xfrm>
         </p:spPr>
         <p:txBody>
@@ -548,7 +637,7 @@
                 </a:solidFill>
               </a:defRPr>
             </a:lvl1pPr>
-            <a:lvl2pPr marL="457242" indent="0" algn="ctr">
+            <a:lvl2pPr marL="457230" indent="0" algn="ctr">
               <a:buNone/>
               <a:defRPr>
                 <a:solidFill>
@@ -558,7 +647,7 @@
                 </a:solidFill>
               </a:defRPr>
             </a:lvl2pPr>
-            <a:lvl3pPr marL="914483" indent="0" algn="ctr">
+            <a:lvl3pPr marL="914458" indent="0" algn="ctr">
               <a:buNone/>
               <a:defRPr>
                 <a:solidFill>
@@ -568,7 +657,7 @@
                 </a:solidFill>
               </a:defRPr>
             </a:lvl3pPr>
-            <a:lvl4pPr marL="1371724" indent="0" algn="ctr">
+            <a:lvl4pPr marL="1371686" indent="0" algn="ctr">
               <a:buNone/>
               <a:defRPr>
                 <a:solidFill>
@@ -578,7 +667,7 @@
                 </a:solidFill>
               </a:defRPr>
             </a:lvl4pPr>
-            <a:lvl5pPr marL="1828965" indent="0" algn="ctr">
+            <a:lvl5pPr marL="1828915" indent="0" algn="ctr">
               <a:buNone/>
               <a:defRPr>
                 <a:solidFill>
@@ -588,7 +677,7 @@
                 </a:solidFill>
               </a:defRPr>
             </a:lvl5pPr>
-            <a:lvl6pPr marL="2286207" indent="0" algn="ctr">
+            <a:lvl6pPr marL="2286144" indent="0" algn="ctr">
               <a:buNone/>
               <a:defRPr>
                 <a:solidFill>
@@ -598,7 +687,7 @@
                 </a:solidFill>
               </a:defRPr>
             </a:lvl6pPr>
-            <a:lvl7pPr marL="2743451" indent="0" algn="ctr">
+            <a:lvl7pPr marL="2743376" indent="0" algn="ctr">
               <a:buNone/>
               <a:defRPr>
                 <a:solidFill>
@@ -608,7 +697,7 @@
                 </a:solidFill>
               </a:defRPr>
             </a:lvl7pPr>
-            <a:lvl8pPr marL="3200690" indent="0" algn="ctr">
+            <a:lvl8pPr marL="3200602" indent="0" algn="ctr">
               <a:buNone/>
               <a:defRPr>
                 <a:solidFill>
@@ -618,7 +707,7 @@
                 </a:solidFill>
               </a:defRPr>
             </a:lvl8pPr>
-            <a:lvl9pPr marL="3657934" indent="0" algn="ctr">
+            <a:lvl9pPr marL="3657834" indent="0" algn="ctr">
               <a:buNone/>
               <a:defRPr>
                 <a:solidFill>
@@ -654,7 +743,7 @@
           <a:p>
             <a:fld id="{78C97017-6FC3-485B-9764-EAC9E56C1D49}" type="datetimeFigureOut">
               <a:rPr lang="en-US" smtClean="0"/>
-              <a:t>13-Apr-19</a:t>
+              <a:t>4/15/2019</a:t>
             </a:fld>
             <a:endParaRPr lang="en-US"/>
           </a:p>
@@ -822,7 +911,7 @@
           <a:p>
             <a:fld id="{78C97017-6FC3-485B-9764-EAC9E56C1D49}" type="datetimeFigureOut">
               <a:rPr lang="en-US" smtClean="0"/>
-              <a:t>13-Apr-19</a:t>
+              <a:t>4/15/2019</a:t>
             </a:fld>
             <a:endParaRPr lang="en-US"/>
           </a:p>
@@ -912,8 +1001,8 @@
         </p:nvSpPr>
         <p:spPr>
           <a:xfrm>
-            <a:off x="10665740" y="274658"/>
-            <a:ext cx="3310056" cy="5851525"/>
+            <a:off x="10665740" y="432525"/>
+            <a:ext cx="3310056" cy="9214798"/>
           </a:xfrm>
         </p:spPr>
         <p:txBody>
@@ -939,8 +1028,8 @@
         </p:nvSpPr>
         <p:spPr>
           <a:xfrm>
-            <a:off x="735574" y="274658"/>
-            <a:ext cx="9684981" cy="5851525"/>
+            <a:off x="735577" y="432525"/>
+            <a:ext cx="9684981" cy="9214798"/>
           </a:xfrm>
         </p:spPr>
         <p:txBody>
@@ -1000,7 +1089,7 @@
           <a:p>
             <a:fld id="{78C97017-6FC3-485B-9764-EAC9E56C1D49}" type="datetimeFigureOut">
               <a:rPr lang="en-US" smtClean="0"/>
-              <a:t>13-Apr-19</a:t>
+              <a:t>4/15/2019</a:t>
             </a:fld>
             <a:endParaRPr lang="en-US"/>
           </a:p>
@@ -1168,7 +1257,7 @@
           <a:p>
             <a:fld id="{78C97017-6FC3-485B-9764-EAC9E56C1D49}" type="datetimeFigureOut">
               <a:rPr lang="en-US" smtClean="0"/>
-              <a:t>13-Apr-19</a:t>
+              <a:t>4/15/2019</a:t>
             </a:fld>
             <a:endParaRPr lang="en-US"/>
           </a:p>
@@ -1258,8 +1347,8 @@
         </p:nvSpPr>
         <p:spPr>
           <a:xfrm>
-            <a:off x="1162099" y="4406920"/>
-            <a:ext cx="12504659" cy="1362075"/>
+            <a:off x="1162101" y="6939880"/>
+            <a:ext cx="12504659" cy="2144953"/>
           </a:xfrm>
         </p:spPr>
         <p:txBody>
@@ -1289,8 +1378,8 @@
         </p:nvSpPr>
         <p:spPr>
           <a:xfrm>
-            <a:off x="1162099" y="2906713"/>
-            <a:ext cx="12504659" cy="1500187"/>
+            <a:off x="1162101" y="4577403"/>
+            <a:ext cx="12504659" cy="2362447"/>
           </a:xfrm>
         </p:spPr>
         <p:txBody>
@@ -1306,7 +1395,7 @@
                 </a:solidFill>
               </a:defRPr>
             </a:lvl1pPr>
-            <a:lvl2pPr marL="457242" indent="0">
+            <a:lvl2pPr marL="457230" indent="0">
               <a:buNone/>
               <a:defRPr sz="1799">
                 <a:solidFill>
@@ -1316,7 +1405,7 @@
                 </a:solidFill>
               </a:defRPr>
             </a:lvl2pPr>
-            <a:lvl3pPr marL="914483" indent="0">
+            <a:lvl3pPr marL="914458" indent="0">
               <a:buNone/>
               <a:defRPr sz="1600">
                 <a:solidFill>
@@ -1326,7 +1415,7 @@
                 </a:solidFill>
               </a:defRPr>
             </a:lvl3pPr>
-            <a:lvl4pPr marL="1371724" indent="0">
+            <a:lvl4pPr marL="1371686" indent="0">
               <a:buNone/>
               <a:defRPr sz="1400">
                 <a:solidFill>
@@ -1336,7 +1425,7 @@
                 </a:solidFill>
               </a:defRPr>
             </a:lvl4pPr>
-            <a:lvl5pPr marL="1828965" indent="0">
+            <a:lvl5pPr marL="1828915" indent="0">
               <a:buNone/>
               <a:defRPr sz="1400">
                 <a:solidFill>
@@ -1346,7 +1435,7 @@
                 </a:solidFill>
               </a:defRPr>
             </a:lvl5pPr>
-            <a:lvl6pPr marL="2286207" indent="0">
+            <a:lvl6pPr marL="2286144" indent="0">
               <a:buNone/>
               <a:defRPr sz="1400">
                 <a:solidFill>
@@ -1356,7 +1445,7 @@
                 </a:solidFill>
               </a:defRPr>
             </a:lvl6pPr>
-            <a:lvl7pPr marL="2743451" indent="0">
+            <a:lvl7pPr marL="2743376" indent="0">
               <a:buNone/>
               <a:defRPr sz="1400">
                 <a:solidFill>
@@ -1366,7 +1455,7 @@
                 </a:solidFill>
               </a:defRPr>
             </a:lvl7pPr>
-            <a:lvl8pPr marL="3200690" indent="0">
+            <a:lvl8pPr marL="3200602" indent="0">
               <a:buNone/>
               <a:defRPr sz="1400">
                 <a:solidFill>
@@ -1376,7 +1465,7 @@
                 </a:solidFill>
               </a:defRPr>
             </a:lvl8pPr>
-            <a:lvl9pPr marL="3657934" indent="0">
+            <a:lvl9pPr marL="3657834" indent="0">
               <a:buNone/>
               <a:defRPr sz="1400">
                 <a:solidFill>
@@ -1413,7 +1502,7 @@
           <a:p>
             <a:fld id="{78C97017-6FC3-485B-9764-EAC9E56C1D49}" type="datetimeFigureOut">
               <a:rPr lang="en-US" smtClean="0"/>
-              <a:t>13-Apr-19</a:t>
+              <a:t>4/15/2019</a:t>
             </a:fld>
             <a:endParaRPr lang="en-US"/>
           </a:p>
@@ -1525,8 +1614,8 @@
         </p:nvSpPr>
         <p:spPr>
           <a:xfrm>
-            <a:off x="735571" y="1600206"/>
-            <a:ext cx="6497518" cy="4525963"/>
+            <a:off x="735571" y="2519957"/>
+            <a:ext cx="6497518" cy="7127344"/>
           </a:xfrm>
         </p:spPr>
         <p:txBody>
@@ -1609,8 +1698,8 @@
         </p:nvSpPr>
         <p:spPr>
           <a:xfrm>
-            <a:off x="7478280" y="1600206"/>
-            <a:ext cx="6497518" cy="4525963"/>
+            <a:off x="7478280" y="2519957"/>
+            <a:ext cx="6497518" cy="7127344"/>
           </a:xfrm>
         </p:spPr>
         <p:txBody>
@@ -1698,7 +1787,7 @@
           <a:p>
             <a:fld id="{78C97017-6FC3-485B-9764-EAC9E56C1D49}" type="datetimeFigureOut">
               <a:rPr lang="en-US" smtClean="0"/>
-              <a:t>13-Apr-19</a:t>
+              <a:t>4/15/2019</a:t>
             </a:fld>
             <a:endParaRPr lang="en-US"/>
           </a:p>
@@ -1814,8 +1903,8 @@
         </p:nvSpPr>
         <p:spPr>
           <a:xfrm>
-            <a:off x="735573" y="1535113"/>
-            <a:ext cx="6500075" cy="639762"/>
+            <a:off x="735574" y="2417448"/>
+            <a:ext cx="6500075" cy="1007477"/>
           </a:xfrm>
         </p:spPr>
         <p:txBody>
@@ -1825,35 +1914,35 @@
               <a:buNone/>
               <a:defRPr sz="2400" b="1"/>
             </a:lvl1pPr>
-            <a:lvl2pPr marL="457242" indent="0">
+            <a:lvl2pPr marL="457230" indent="0">
               <a:buNone/>
               <a:defRPr sz="2000" b="1"/>
             </a:lvl2pPr>
-            <a:lvl3pPr marL="914483" indent="0">
+            <a:lvl3pPr marL="914458" indent="0">
               <a:buNone/>
               <a:defRPr sz="1799" b="1"/>
             </a:lvl3pPr>
-            <a:lvl4pPr marL="1371724" indent="0">
+            <a:lvl4pPr marL="1371686" indent="0">
               <a:buNone/>
               <a:defRPr sz="1600" b="1"/>
             </a:lvl4pPr>
-            <a:lvl5pPr marL="1828965" indent="0">
+            <a:lvl5pPr marL="1828915" indent="0">
               <a:buNone/>
               <a:defRPr sz="1600" b="1"/>
             </a:lvl5pPr>
-            <a:lvl6pPr marL="2286207" indent="0">
+            <a:lvl6pPr marL="2286144" indent="0">
               <a:buNone/>
               <a:defRPr sz="1600" b="1"/>
             </a:lvl6pPr>
-            <a:lvl7pPr marL="2743451" indent="0">
+            <a:lvl7pPr marL="2743376" indent="0">
               <a:buNone/>
               <a:defRPr sz="1600" b="1"/>
             </a:lvl7pPr>
-            <a:lvl8pPr marL="3200690" indent="0">
+            <a:lvl8pPr marL="3200602" indent="0">
               <a:buNone/>
               <a:defRPr sz="1600" b="1"/>
             </a:lvl8pPr>
-            <a:lvl9pPr marL="3657934" indent="0">
+            <a:lvl9pPr marL="3657834" indent="0">
               <a:buNone/>
               <a:defRPr sz="1600" b="1"/>
             </a:lvl9pPr>
@@ -1879,8 +1968,8 @@
         </p:nvSpPr>
         <p:spPr>
           <a:xfrm>
-            <a:off x="735573" y="2174875"/>
-            <a:ext cx="6500075" cy="3951288"/>
+            <a:off x="735574" y="3424925"/>
+            <a:ext cx="6500075" cy="6222364"/>
           </a:xfrm>
         </p:spPr>
         <p:txBody>
@@ -1963,8 +2052,8 @@
         </p:nvSpPr>
         <p:spPr>
           <a:xfrm>
-            <a:off x="7473177" y="1535113"/>
-            <a:ext cx="6502628" cy="639762"/>
+            <a:off x="7473177" y="2417448"/>
+            <a:ext cx="6502628" cy="1007477"/>
           </a:xfrm>
         </p:spPr>
         <p:txBody>
@@ -1974,35 +2063,35 @@
               <a:buNone/>
               <a:defRPr sz="2400" b="1"/>
             </a:lvl1pPr>
-            <a:lvl2pPr marL="457242" indent="0">
+            <a:lvl2pPr marL="457230" indent="0">
               <a:buNone/>
               <a:defRPr sz="2000" b="1"/>
             </a:lvl2pPr>
-            <a:lvl3pPr marL="914483" indent="0">
+            <a:lvl3pPr marL="914458" indent="0">
               <a:buNone/>
               <a:defRPr sz="1799" b="1"/>
             </a:lvl3pPr>
-            <a:lvl4pPr marL="1371724" indent="0">
+            <a:lvl4pPr marL="1371686" indent="0">
               <a:buNone/>
               <a:defRPr sz="1600" b="1"/>
             </a:lvl4pPr>
-            <a:lvl5pPr marL="1828965" indent="0">
+            <a:lvl5pPr marL="1828915" indent="0">
               <a:buNone/>
               <a:defRPr sz="1600" b="1"/>
             </a:lvl5pPr>
-            <a:lvl6pPr marL="2286207" indent="0">
+            <a:lvl6pPr marL="2286144" indent="0">
               <a:buNone/>
               <a:defRPr sz="1600" b="1"/>
             </a:lvl6pPr>
-            <a:lvl7pPr marL="2743451" indent="0">
+            <a:lvl7pPr marL="2743376" indent="0">
               <a:buNone/>
               <a:defRPr sz="1600" b="1"/>
             </a:lvl7pPr>
-            <a:lvl8pPr marL="3200690" indent="0">
+            <a:lvl8pPr marL="3200602" indent="0">
               <a:buNone/>
               <a:defRPr sz="1600" b="1"/>
             </a:lvl8pPr>
-            <a:lvl9pPr marL="3657934" indent="0">
+            <a:lvl9pPr marL="3657834" indent="0">
               <a:buNone/>
               <a:defRPr sz="1600" b="1"/>
             </a:lvl9pPr>
@@ -2028,8 +2117,8 @@
         </p:nvSpPr>
         <p:spPr>
           <a:xfrm>
-            <a:off x="7473177" y="2174875"/>
-            <a:ext cx="6502628" cy="3951288"/>
+            <a:off x="7473177" y="3424925"/>
+            <a:ext cx="6502628" cy="6222364"/>
           </a:xfrm>
         </p:spPr>
         <p:txBody>
@@ -2117,7 +2206,7 @@
           <a:p>
             <a:fld id="{78C97017-6FC3-485B-9764-EAC9E56C1D49}" type="datetimeFigureOut">
               <a:rPr lang="en-US" smtClean="0"/>
-              <a:t>13-Apr-19</a:t>
+              <a:t>4/15/2019</a:t>
             </a:fld>
             <a:endParaRPr lang="en-US"/>
           </a:p>
@@ -2234,7 +2323,7 @@
           <a:p>
             <a:fld id="{78C97017-6FC3-485B-9764-EAC9E56C1D49}" type="datetimeFigureOut">
               <a:rPr lang="en-US" smtClean="0"/>
-              <a:t>13-Apr-19</a:t>
+              <a:t>4/15/2019</a:t>
             </a:fld>
             <a:endParaRPr lang="en-US"/>
           </a:p>
@@ -2329,7 +2418,7 @@
           <a:p>
             <a:fld id="{78C97017-6FC3-485B-9764-EAC9E56C1D49}" type="datetimeFigureOut">
               <a:rPr lang="en-US" smtClean="0"/>
-              <a:t>13-Apr-19</a:t>
+              <a:t>4/15/2019</a:t>
             </a:fld>
             <a:endParaRPr lang="en-US"/>
           </a:p>
@@ -2419,8 +2508,8 @@
         </p:nvSpPr>
         <p:spPr>
           <a:xfrm>
-            <a:off x="735573" y="273050"/>
-            <a:ext cx="4839935" cy="1162050"/>
+            <a:off x="735576" y="429990"/>
+            <a:ext cx="4839935" cy="1829960"/>
           </a:xfrm>
         </p:spPr>
         <p:txBody>
@@ -2450,8 +2539,8 @@
         </p:nvSpPr>
         <p:spPr>
           <a:xfrm>
-            <a:off x="5751741" y="273070"/>
-            <a:ext cx="8224062" cy="5853113"/>
+            <a:off x="5751741" y="430023"/>
+            <a:ext cx="8224062" cy="9217299"/>
           </a:xfrm>
         </p:spPr>
         <p:txBody>
@@ -2534,8 +2623,8 @@
         </p:nvSpPr>
         <p:spPr>
           <a:xfrm>
-            <a:off x="735573" y="1435103"/>
-            <a:ext cx="4839935" cy="4691063"/>
+            <a:off x="735576" y="2259957"/>
+            <a:ext cx="4839935" cy="7387339"/>
           </a:xfrm>
         </p:spPr>
         <p:txBody>
@@ -2545,35 +2634,35 @@
               <a:buNone/>
               <a:defRPr sz="1400"/>
             </a:lvl1pPr>
-            <a:lvl2pPr marL="457242" indent="0">
+            <a:lvl2pPr marL="457230" indent="0">
               <a:buNone/>
               <a:defRPr sz="1200"/>
             </a:lvl2pPr>
-            <a:lvl3pPr marL="914483" indent="0">
+            <a:lvl3pPr marL="914458" indent="0">
               <a:buNone/>
               <a:defRPr sz="1000"/>
             </a:lvl3pPr>
-            <a:lvl4pPr marL="1371724" indent="0">
+            <a:lvl4pPr marL="1371686" indent="0">
               <a:buNone/>
               <a:defRPr sz="899"/>
             </a:lvl4pPr>
-            <a:lvl5pPr marL="1828965" indent="0">
+            <a:lvl5pPr marL="1828915" indent="0">
               <a:buNone/>
               <a:defRPr sz="899"/>
             </a:lvl5pPr>
-            <a:lvl6pPr marL="2286207" indent="0">
+            <a:lvl6pPr marL="2286144" indent="0">
               <a:buNone/>
               <a:defRPr sz="899"/>
             </a:lvl6pPr>
-            <a:lvl7pPr marL="2743451" indent="0">
+            <a:lvl7pPr marL="2743376" indent="0">
               <a:buNone/>
               <a:defRPr sz="899"/>
             </a:lvl7pPr>
-            <a:lvl8pPr marL="3200690" indent="0">
+            <a:lvl8pPr marL="3200602" indent="0">
               <a:buNone/>
               <a:defRPr sz="899"/>
             </a:lvl8pPr>
-            <a:lvl9pPr marL="3657934" indent="0">
+            <a:lvl9pPr marL="3657834" indent="0">
               <a:buNone/>
               <a:defRPr sz="899"/>
             </a:lvl9pPr>
@@ -2604,7 +2693,7 @@
           <a:p>
             <a:fld id="{78C97017-6FC3-485B-9764-EAC9E56C1D49}" type="datetimeFigureOut">
               <a:rPr lang="en-US" smtClean="0"/>
-              <a:t>13-Apr-19</a:t>
+              <a:t>4/15/2019</a:t>
             </a:fld>
             <a:endParaRPr lang="en-US"/>
           </a:p>
@@ -2694,8 +2783,8 @@
         </p:nvSpPr>
         <p:spPr>
           <a:xfrm>
-            <a:off x="2883531" y="4800600"/>
-            <a:ext cx="8826818" cy="566738"/>
+            <a:off x="2883531" y="7559834"/>
+            <a:ext cx="8826818" cy="892481"/>
           </a:xfrm>
         </p:spPr>
         <p:txBody>
@@ -2725,8 +2814,8 @@
         </p:nvSpPr>
         <p:spPr>
           <a:xfrm>
-            <a:off x="2883531" y="612775"/>
-            <a:ext cx="8826818" cy="4114800"/>
+            <a:off x="2883531" y="964979"/>
+            <a:ext cx="8826818" cy="6479858"/>
           </a:xfrm>
         </p:spPr>
         <p:txBody>
@@ -2736,35 +2825,35 @@
               <a:buNone/>
               <a:defRPr sz="3201"/>
             </a:lvl1pPr>
-            <a:lvl2pPr marL="457242" indent="0">
+            <a:lvl2pPr marL="457230" indent="0">
               <a:buNone/>
               <a:defRPr sz="2800"/>
             </a:lvl2pPr>
-            <a:lvl3pPr marL="914483" indent="0">
+            <a:lvl3pPr marL="914458" indent="0">
               <a:buNone/>
               <a:defRPr sz="2400"/>
             </a:lvl3pPr>
-            <a:lvl4pPr marL="1371724" indent="0">
+            <a:lvl4pPr marL="1371686" indent="0">
               <a:buNone/>
               <a:defRPr sz="2000"/>
             </a:lvl4pPr>
-            <a:lvl5pPr marL="1828965" indent="0">
+            <a:lvl5pPr marL="1828915" indent="0">
               <a:buNone/>
               <a:defRPr sz="2000"/>
             </a:lvl5pPr>
-            <a:lvl6pPr marL="2286207" indent="0">
+            <a:lvl6pPr marL="2286144" indent="0">
               <a:buNone/>
               <a:defRPr sz="2000"/>
             </a:lvl6pPr>
-            <a:lvl7pPr marL="2743451" indent="0">
+            <a:lvl7pPr marL="2743376" indent="0">
               <a:buNone/>
               <a:defRPr sz="2000"/>
             </a:lvl7pPr>
-            <a:lvl8pPr marL="3200690" indent="0">
+            <a:lvl8pPr marL="3200602" indent="0">
               <a:buNone/>
               <a:defRPr sz="2000"/>
             </a:lvl8pPr>
-            <a:lvl9pPr marL="3657934" indent="0">
+            <a:lvl9pPr marL="3657834" indent="0">
               <a:buNone/>
               <a:defRPr sz="2000"/>
             </a:lvl9pPr>
@@ -2786,8 +2875,8 @@
         </p:nvSpPr>
         <p:spPr>
           <a:xfrm>
-            <a:off x="2883531" y="5367338"/>
-            <a:ext cx="8826818" cy="804862"/>
+            <a:off x="2883531" y="8452316"/>
+            <a:ext cx="8826818" cy="1267471"/>
           </a:xfrm>
         </p:spPr>
         <p:txBody>
@@ -2797,35 +2886,35 @@
               <a:buNone/>
               <a:defRPr sz="1400"/>
             </a:lvl1pPr>
-            <a:lvl2pPr marL="457242" indent="0">
+            <a:lvl2pPr marL="457230" indent="0">
               <a:buNone/>
               <a:defRPr sz="1200"/>
             </a:lvl2pPr>
-            <a:lvl3pPr marL="914483" indent="0">
+            <a:lvl3pPr marL="914458" indent="0">
               <a:buNone/>
               <a:defRPr sz="1000"/>
             </a:lvl3pPr>
-            <a:lvl4pPr marL="1371724" indent="0">
+            <a:lvl4pPr marL="1371686" indent="0">
               <a:buNone/>
               <a:defRPr sz="899"/>
             </a:lvl4pPr>
-            <a:lvl5pPr marL="1828965" indent="0">
+            <a:lvl5pPr marL="1828915" indent="0">
               <a:buNone/>
               <a:defRPr sz="899"/>
             </a:lvl5pPr>
-            <a:lvl6pPr marL="2286207" indent="0">
+            <a:lvl6pPr marL="2286144" indent="0">
               <a:buNone/>
               <a:defRPr sz="899"/>
             </a:lvl6pPr>
-            <a:lvl7pPr marL="2743451" indent="0">
+            <a:lvl7pPr marL="2743376" indent="0">
               <a:buNone/>
               <a:defRPr sz="899"/>
             </a:lvl7pPr>
-            <a:lvl8pPr marL="3200690" indent="0">
+            <a:lvl8pPr marL="3200602" indent="0">
               <a:buNone/>
               <a:defRPr sz="899"/>
             </a:lvl8pPr>
-            <a:lvl9pPr marL="3657934" indent="0">
+            <a:lvl9pPr marL="3657834" indent="0">
               <a:buNone/>
               <a:defRPr sz="899"/>
             </a:lvl9pPr>
@@ -2856,7 +2945,7 @@
           <a:p>
             <a:fld id="{78C97017-6FC3-485B-9764-EAC9E56C1D49}" type="datetimeFigureOut">
               <a:rPr lang="en-US" smtClean="0"/>
-              <a:t>13-Apr-19</a:t>
+              <a:t>4/15/2019</a:t>
             </a:fld>
             <a:endParaRPr lang="en-US"/>
           </a:p>
@@ -2951,8 +3040,8 @@
         </p:nvSpPr>
         <p:spPr>
           <a:xfrm>
-            <a:off x="735572" y="274638"/>
-            <a:ext cx="13240227" cy="1143000"/>
+            <a:off x="735574" y="432493"/>
+            <a:ext cx="13240227" cy="1799961"/>
           </a:xfrm>
           <a:prstGeom prst="rect">
             <a:avLst/>
@@ -2983,8 +3072,8 @@
         </p:nvSpPr>
         <p:spPr>
           <a:xfrm>
-            <a:off x="735572" y="1600206"/>
-            <a:ext cx="13240227" cy="4525963"/>
+            <a:off x="735574" y="2519957"/>
+            <a:ext cx="13240227" cy="7127344"/>
           </a:xfrm>
           <a:prstGeom prst="rect">
             <a:avLst/>
@@ -3044,8 +3133,8 @@
         </p:nvSpPr>
         <p:spPr>
           <a:xfrm>
-            <a:off x="735572" y="6356370"/>
-            <a:ext cx="3432651" cy="365125"/>
+            <a:off x="735575" y="10009813"/>
+            <a:ext cx="3432651" cy="574987"/>
           </a:xfrm>
           <a:prstGeom prst="rect">
             <a:avLst/>
@@ -3067,7 +3156,7 @@
           <a:p>
             <a:fld id="{78C97017-6FC3-485B-9764-EAC9E56C1D49}" type="datetimeFigureOut">
               <a:rPr lang="en-US" smtClean="0"/>
-              <a:t>13-Apr-19</a:t>
+              <a:t>4/15/2019</a:t>
             </a:fld>
             <a:endParaRPr lang="en-US"/>
           </a:p>
@@ -3085,8 +3174,8 @@
         </p:nvSpPr>
         <p:spPr>
           <a:xfrm>
-            <a:off x="5026385" y="6356370"/>
-            <a:ext cx="4658599" cy="365125"/>
+            <a:off x="5026388" y="10009813"/>
+            <a:ext cx="4658599" cy="574987"/>
           </a:xfrm>
           <a:prstGeom prst="rect">
             <a:avLst/>
@@ -3122,8 +3211,8 @@
         </p:nvSpPr>
         <p:spPr>
           <a:xfrm>
-            <a:off x="10543148" y="6356370"/>
-            <a:ext cx="3432651" cy="365125"/>
+            <a:off x="10543151" y="10009813"/>
+            <a:ext cx="3432651" cy="574987"/>
           </a:xfrm>
           <a:prstGeom prst="rect">
             <a:avLst/>
@@ -3174,7 +3263,7 @@
   </p:sldLayoutIdLst>
   <p:txStyles>
     <p:titleStyle>
-      <a:lvl1pPr algn="ctr" defTabSz="914483" rtl="0" eaLnBrk="1" latinLnBrk="0" hangingPunct="1">
+      <a:lvl1pPr algn="ctr" defTabSz="914458" rtl="0" eaLnBrk="1" latinLnBrk="0" hangingPunct="1">
         <a:spcBef>
           <a:spcPct val="0"/>
         </a:spcBef>
@@ -3190,7 +3279,7 @@
       </a:lvl1pPr>
     </p:titleStyle>
     <p:bodyStyle>
-      <a:lvl1pPr marL="342932" indent="-342932" algn="l" defTabSz="914483" rtl="0" eaLnBrk="1" latinLnBrk="0" hangingPunct="1">
+      <a:lvl1pPr marL="342923" indent="-342923" algn="l" defTabSz="914458" rtl="0" eaLnBrk="1" latinLnBrk="0" hangingPunct="1">
         <a:spcBef>
           <a:spcPct val="20000"/>
         </a:spcBef>
@@ -3205,7 +3294,7 @@
           <a:cs typeface="+mn-cs"/>
         </a:defRPr>
       </a:lvl1pPr>
-      <a:lvl2pPr marL="743019" indent="-285775" algn="l" defTabSz="914483" rtl="0" eaLnBrk="1" latinLnBrk="0" hangingPunct="1">
+      <a:lvl2pPr marL="742999" indent="-285768" algn="l" defTabSz="914458" rtl="0" eaLnBrk="1" latinLnBrk="0" hangingPunct="1">
         <a:spcBef>
           <a:spcPct val="20000"/>
         </a:spcBef>
@@ -3220,7 +3309,7 @@
           <a:cs typeface="+mn-cs"/>
         </a:defRPr>
       </a:lvl2pPr>
-      <a:lvl3pPr marL="1143105" indent="-228619" algn="l" defTabSz="914483" rtl="0" eaLnBrk="1" latinLnBrk="0" hangingPunct="1">
+      <a:lvl3pPr marL="1143074" indent="-228613" algn="l" defTabSz="914458" rtl="0" eaLnBrk="1" latinLnBrk="0" hangingPunct="1">
         <a:spcBef>
           <a:spcPct val="20000"/>
         </a:spcBef>
@@ -3235,7 +3324,7 @@
           <a:cs typeface="+mn-cs"/>
         </a:defRPr>
       </a:lvl3pPr>
-      <a:lvl4pPr marL="1600347" indent="-228619" algn="l" defTabSz="914483" rtl="0" eaLnBrk="1" latinLnBrk="0" hangingPunct="1">
+      <a:lvl4pPr marL="1600303" indent="-228613" algn="l" defTabSz="914458" rtl="0" eaLnBrk="1" latinLnBrk="0" hangingPunct="1">
         <a:spcBef>
           <a:spcPct val="20000"/>
         </a:spcBef>
@@ -3250,7 +3339,7 @@
           <a:cs typeface="+mn-cs"/>
         </a:defRPr>
       </a:lvl4pPr>
-      <a:lvl5pPr marL="2057586" indent="-228619" algn="l" defTabSz="914483" rtl="0" eaLnBrk="1" latinLnBrk="0" hangingPunct="1">
+      <a:lvl5pPr marL="2057530" indent="-228613" algn="l" defTabSz="914458" rtl="0" eaLnBrk="1" latinLnBrk="0" hangingPunct="1">
         <a:spcBef>
           <a:spcPct val="20000"/>
         </a:spcBef>
@@ -3265,7 +3354,7 @@
           <a:cs typeface="+mn-cs"/>
         </a:defRPr>
       </a:lvl5pPr>
-      <a:lvl6pPr marL="2514828" indent="-228619" algn="l" defTabSz="914483" rtl="0" eaLnBrk="1" latinLnBrk="0" hangingPunct="1">
+      <a:lvl6pPr marL="2514759" indent="-228613" algn="l" defTabSz="914458" rtl="0" eaLnBrk="1" latinLnBrk="0" hangingPunct="1">
         <a:spcBef>
           <a:spcPct val="20000"/>
         </a:spcBef>
@@ -3280,7 +3369,7 @@
           <a:cs typeface="+mn-cs"/>
         </a:defRPr>
       </a:lvl6pPr>
-      <a:lvl7pPr marL="2972069" indent="-228619" algn="l" defTabSz="914483" rtl="0" eaLnBrk="1" latinLnBrk="0" hangingPunct="1">
+      <a:lvl7pPr marL="2971987" indent="-228613" algn="l" defTabSz="914458" rtl="0" eaLnBrk="1" latinLnBrk="0" hangingPunct="1">
         <a:spcBef>
           <a:spcPct val="20000"/>
         </a:spcBef>
@@ -3295,7 +3384,7 @@
           <a:cs typeface="+mn-cs"/>
         </a:defRPr>
       </a:lvl7pPr>
-      <a:lvl8pPr marL="3429313" indent="-228619" algn="l" defTabSz="914483" rtl="0" eaLnBrk="1" latinLnBrk="0" hangingPunct="1">
+      <a:lvl8pPr marL="3429219" indent="-228613" algn="l" defTabSz="914458" rtl="0" eaLnBrk="1" latinLnBrk="0" hangingPunct="1">
         <a:spcBef>
           <a:spcPct val="20000"/>
         </a:spcBef>
@@ -3310,7 +3399,7 @@
           <a:cs typeface="+mn-cs"/>
         </a:defRPr>
       </a:lvl8pPr>
-      <a:lvl9pPr marL="3886553" indent="-228619" algn="l" defTabSz="914483" rtl="0" eaLnBrk="1" latinLnBrk="0" hangingPunct="1">
+      <a:lvl9pPr marL="3886447" indent="-228613" algn="l" defTabSz="914458" rtl="0" eaLnBrk="1" latinLnBrk="0" hangingPunct="1">
         <a:spcBef>
           <a:spcPct val="20000"/>
         </a:spcBef>
@@ -3330,7 +3419,7 @@
       <a:defPPr>
         <a:defRPr lang="en-US"/>
       </a:defPPr>
-      <a:lvl1pPr marL="0" algn="l" defTabSz="914483" rtl="0" eaLnBrk="1" latinLnBrk="0" hangingPunct="1">
+      <a:lvl1pPr marL="0" algn="l" defTabSz="914458" rtl="0" eaLnBrk="1" latinLnBrk="0" hangingPunct="1">
         <a:defRPr sz="1799" kern="1200">
           <a:solidFill>
             <a:schemeClr val="tx1"/>
@@ -3340,7 +3429,7 @@
           <a:cs typeface="+mn-cs"/>
         </a:defRPr>
       </a:lvl1pPr>
-      <a:lvl2pPr marL="457242" algn="l" defTabSz="914483" rtl="0" eaLnBrk="1" latinLnBrk="0" hangingPunct="1">
+      <a:lvl2pPr marL="457230" algn="l" defTabSz="914458" rtl="0" eaLnBrk="1" latinLnBrk="0" hangingPunct="1">
         <a:defRPr sz="1799" kern="1200">
           <a:solidFill>
             <a:schemeClr val="tx1"/>
@@ -3350,7 +3439,7 @@
           <a:cs typeface="+mn-cs"/>
         </a:defRPr>
       </a:lvl2pPr>
-      <a:lvl3pPr marL="914483" algn="l" defTabSz="914483" rtl="0" eaLnBrk="1" latinLnBrk="0" hangingPunct="1">
+      <a:lvl3pPr marL="914458" algn="l" defTabSz="914458" rtl="0" eaLnBrk="1" latinLnBrk="0" hangingPunct="1">
         <a:defRPr sz="1799" kern="1200">
           <a:solidFill>
             <a:schemeClr val="tx1"/>
@@ -3360,7 +3449,7 @@
           <a:cs typeface="+mn-cs"/>
         </a:defRPr>
       </a:lvl3pPr>
-      <a:lvl4pPr marL="1371724" algn="l" defTabSz="914483" rtl="0" eaLnBrk="1" latinLnBrk="0" hangingPunct="1">
+      <a:lvl4pPr marL="1371686" algn="l" defTabSz="914458" rtl="0" eaLnBrk="1" latinLnBrk="0" hangingPunct="1">
         <a:defRPr sz="1799" kern="1200">
           <a:solidFill>
             <a:schemeClr val="tx1"/>
@@ -3370,7 +3459,7 @@
           <a:cs typeface="+mn-cs"/>
         </a:defRPr>
       </a:lvl4pPr>
-      <a:lvl5pPr marL="1828965" algn="l" defTabSz="914483" rtl="0" eaLnBrk="1" latinLnBrk="0" hangingPunct="1">
+      <a:lvl5pPr marL="1828915" algn="l" defTabSz="914458" rtl="0" eaLnBrk="1" latinLnBrk="0" hangingPunct="1">
         <a:defRPr sz="1799" kern="1200">
           <a:solidFill>
             <a:schemeClr val="tx1"/>
@@ -3380,7 +3469,7 @@
           <a:cs typeface="+mn-cs"/>
         </a:defRPr>
       </a:lvl5pPr>
-      <a:lvl6pPr marL="2286207" algn="l" defTabSz="914483" rtl="0" eaLnBrk="1" latinLnBrk="0" hangingPunct="1">
+      <a:lvl6pPr marL="2286144" algn="l" defTabSz="914458" rtl="0" eaLnBrk="1" latinLnBrk="0" hangingPunct="1">
         <a:defRPr sz="1799" kern="1200">
           <a:solidFill>
             <a:schemeClr val="tx1"/>
@@ -3390,7 +3479,7 @@
           <a:cs typeface="+mn-cs"/>
         </a:defRPr>
       </a:lvl6pPr>
-      <a:lvl7pPr marL="2743451" algn="l" defTabSz="914483" rtl="0" eaLnBrk="1" latinLnBrk="0" hangingPunct="1">
+      <a:lvl7pPr marL="2743376" algn="l" defTabSz="914458" rtl="0" eaLnBrk="1" latinLnBrk="0" hangingPunct="1">
         <a:defRPr sz="1799" kern="1200">
           <a:solidFill>
             <a:schemeClr val="tx1"/>
@@ -3400,7 +3489,7 @@
           <a:cs typeface="+mn-cs"/>
         </a:defRPr>
       </a:lvl7pPr>
-      <a:lvl8pPr marL="3200690" algn="l" defTabSz="914483" rtl="0" eaLnBrk="1" latinLnBrk="0" hangingPunct="1">
+      <a:lvl8pPr marL="3200602" algn="l" defTabSz="914458" rtl="0" eaLnBrk="1" latinLnBrk="0" hangingPunct="1">
         <a:defRPr sz="1799" kern="1200">
           <a:solidFill>
             <a:schemeClr val="tx1"/>
@@ -3410,7 +3499,7 @@
           <a:cs typeface="+mn-cs"/>
         </a:defRPr>
       </a:lvl8pPr>
-      <a:lvl9pPr marL="3657934" algn="l" defTabSz="914483" rtl="0" eaLnBrk="1" latinLnBrk="0" hangingPunct="1">
+      <a:lvl9pPr marL="3657834" algn="l" defTabSz="914458" rtl="0" eaLnBrk="1" latinLnBrk="0" hangingPunct="1">
         <a:defRPr sz="1799" kern="1200">
           <a:solidFill>
             <a:schemeClr val="tx1"/>
@@ -3450,8 +3539,8 @@
         </p:nvSpPr>
         <p:spPr>
           <a:xfrm>
-            <a:off x="8944420" y="278258"/>
-            <a:ext cx="5023893" cy="5965241"/>
+            <a:off x="8473739" y="2275682"/>
+            <a:ext cx="5022429" cy="7543796"/>
           </a:xfrm>
           <a:prstGeom prst="roundRect">
             <a:avLst>
@@ -3503,6 +3592,52 @@
           </a:p>
         </p:txBody>
       </p:sp>
+      <p:cxnSp>
+        <p:nvCxnSpPr>
+          <p:cNvPr id="82" name="Straight Connector 81">
+            <a:extLst>
+              <a:ext uri="{FF2B5EF4-FFF2-40B4-BE49-F238E27FC236}">
+                <a16:creationId xmlns:a16="http://schemas.microsoft.com/office/drawing/2014/main" id="{3047AB0E-9EF3-41C8-90C3-EB764D2A0FC7}"/>
+              </a:ext>
+            </a:extLst>
+          </p:cNvPr>
+          <p:cNvCxnSpPr>
+            <a:cxnSpLocks/>
+            <a:stCxn id="77" idx="2"/>
+          </p:cNvCxnSpPr>
+          <p:nvPr/>
+        </p:nvCxnSpPr>
+        <p:spPr>
+          <a:xfrm>
+            <a:off x="8829414" y="5946339"/>
+            <a:ext cx="0" cy="3691463"/>
+          </a:xfrm>
+          <a:prstGeom prst="line">
+            <a:avLst/>
+          </a:prstGeom>
+          <a:ln w="19050">
+            <a:solidFill>
+              <a:srgbClr val="FF6699"/>
+            </a:solidFill>
+            <a:prstDash val="sysDash"/>
+          </a:ln>
+          <a:effectLst/>
+        </p:spPr>
+        <p:style>
+          <a:lnRef idx="1">
+            <a:schemeClr val="accent1"/>
+          </a:lnRef>
+          <a:fillRef idx="2">
+            <a:schemeClr val="accent1"/>
+          </a:fillRef>
+          <a:effectRef idx="1">
+            <a:schemeClr val="accent1"/>
+          </a:effectRef>
+          <a:fontRef idx="minor">
+            <a:schemeClr val="dk1"/>
+          </a:fontRef>
+        </p:style>
+      </p:cxnSp>
       <p:sp>
         <p:nvSpPr>
           <p:cNvPr id="81" name="Rectangle 65"/>
@@ -3511,8 +3646,8 @@
         </p:nvSpPr>
         <p:spPr>
           <a:xfrm>
-            <a:off x="497681" y="304800"/>
-            <a:ext cx="8354523" cy="5965241"/>
+            <a:off x="497682" y="2275682"/>
+            <a:ext cx="7868496" cy="7543796"/>
           </a:xfrm>
           <a:prstGeom prst="roundRect">
             <a:avLst>
@@ -3566,6 +3701,1558 @@
       </p:sp>
       <p:cxnSp>
         <p:nvCxnSpPr>
+          <p:cNvPr id="85" name="Straight Connector 84">
+            <a:extLst>
+              <a:ext uri="{FF2B5EF4-FFF2-40B4-BE49-F238E27FC236}">
+                <a16:creationId xmlns:a16="http://schemas.microsoft.com/office/drawing/2014/main" id="{F5D40B4E-6F99-47B3-8A21-87ADCD716B5B}"/>
+              </a:ext>
+            </a:extLst>
+          </p:cNvPr>
+          <p:cNvCxnSpPr>
+            <a:cxnSpLocks/>
+            <a:stCxn id="73" idx="2"/>
+            <a:endCxn id="94" idx="0"/>
+          </p:cNvCxnSpPr>
+          <p:nvPr/>
+        </p:nvCxnSpPr>
+        <p:spPr>
+          <a:xfrm flipH="1">
+            <a:off x="7411448" y="4605262"/>
+            <a:ext cx="1072" cy="4771058"/>
+          </a:xfrm>
+          <a:prstGeom prst="line">
+            <a:avLst/>
+          </a:prstGeom>
+          <a:ln w="19050">
+            <a:solidFill>
+              <a:srgbClr val="0070C0"/>
+            </a:solidFill>
+            <a:prstDash val="sysDash"/>
+          </a:ln>
+          <a:effectLst/>
+        </p:spPr>
+        <p:style>
+          <a:lnRef idx="1">
+            <a:schemeClr val="accent1"/>
+          </a:lnRef>
+          <a:fillRef idx="2">
+            <a:schemeClr val="accent1"/>
+          </a:fillRef>
+          <a:effectRef idx="1">
+            <a:schemeClr val="accent1"/>
+          </a:effectRef>
+          <a:fontRef idx="minor">
+            <a:schemeClr val="dk1"/>
+          </a:fontRef>
+        </p:style>
+      </p:cxnSp>
+      <p:sp>
+        <p:nvSpPr>
+          <p:cNvPr id="2" name="Rectangle 62"/>
+          <p:cNvSpPr/>
+          <p:nvPr/>
+        </p:nvSpPr>
+        <p:spPr>
+          <a:xfrm>
+            <a:off x="902709" y="2650074"/>
+            <a:ext cx="1455628" cy="346760"/>
+          </a:xfrm>
+          <a:prstGeom prst="rect">
+            <a:avLst/>
+          </a:prstGeom>
+          <a:solidFill>
+            <a:srgbClr val="0070C0"/>
+          </a:solidFill>
+          <a:ln w="19050">
+            <a:solidFill>
+              <a:srgbClr val="0070C0"/>
+            </a:solidFill>
+          </a:ln>
+          <a:effectLst/>
+        </p:spPr>
+        <p:style>
+          <a:lnRef idx="1">
+            <a:schemeClr val="accent2"/>
+          </a:lnRef>
+          <a:fillRef idx="2">
+            <a:schemeClr val="accent2"/>
+          </a:fillRef>
+          <a:effectRef idx="1">
+            <a:schemeClr val="accent2"/>
+          </a:effectRef>
+          <a:fontRef idx="minor">
+            <a:schemeClr val="dk1"/>
+          </a:fontRef>
+        </p:style>
+        <p:txBody>
+          <a:bodyPr rtlCol="0" anchor="ctr"/>
+          <a:lstStyle/>
+          <a:p>
+            <a:pPr algn="ctr"/>
+            <a:r>
+              <a:rPr lang="en-US" sz="1600" dirty="0">
+                <a:solidFill>
+                  <a:schemeClr val="bg1"/>
+                </a:solidFill>
+              </a:rPr>
+              <a:t>:LogicManager</a:t>
+            </a:r>
+            <a:endParaRPr lang="en-SG" sz="1600" dirty="0">
+              <a:solidFill>
+                <a:schemeClr val="bg1"/>
+              </a:solidFill>
+            </a:endParaRPr>
+          </a:p>
+        </p:txBody>
+      </p:sp>
+      <p:cxnSp>
+        <p:nvCxnSpPr>
+          <p:cNvPr id="5" name="Straight Connector 4"/>
+          <p:cNvCxnSpPr>
+            <a:cxnSpLocks/>
+          </p:cNvCxnSpPr>
+          <p:nvPr/>
+        </p:nvCxnSpPr>
+        <p:spPr>
+          <a:xfrm>
+            <a:off x="1630515" y="3013750"/>
+            <a:ext cx="0" cy="6493311"/>
+          </a:xfrm>
+          <a:prstGeom prst="line">
+            <a:avLst/>
+          </a:prstGeom>
+          <a:ln w="19050">
+            <a:solidFill>
+              <a:srgbClr val="0070C0"/>
+            </a:solidFill>
+            <a:prstDash val="sysDash"/>
+          </a:ln>
+          <a:effectLst/>
+        </p:spPr>
+        <p:style>
+          <a:lnRef idx="1">
+            <a:schemeClr val="accent1"/>
+          </a:lnRef>
+          <a:fillRef idx="2">
+            <a:schemeClr val="accent1"/>
+          </a:fillRef>
+          <a:effectRef idx="1">
+            <a:schemeClr val="accent1"/>
+          </a:effectRef>
+          <a:fontRef idx="minor">
+            <a:schemeClr val="dk1"/>
+          </a:fontRef>
+        </p:style>
+      </p:cxnSp>
+      <p:sp>
+        <p:nvSpPr>
+          <p:cNvPr id="6" name="Rectangle 5"/>
+          <p:cNvSpPr/>
+          <p:nvPr/>
+        </p:nvSpPr>
+        <p:spPr>
+          <a:xfrm>
+            <a:off x="1558507" y="3364444"/>
+            <a:ext cx="152400" cy="5769233"/>
+          </a:xfrm>
+          <a:prstGeom prst="rect">
+            <a:avLst/>
+          </a:prstGeom>
+          <a:solidFill>
+            <a:srgbClr val="0070C0"/>
+          </a:solidFill>
+          <a:ln>
+            <a:solidFill>
+              <a:srgbClr val="0070C0"/>
+            </a:solidFill>
+          </a:ln>
+          <a:effectLst/>
+        </p:spPr>
+        <p:style>
+          <a:lnRef idx="1">
+            <a:schemeClr val="accent3"/>
+          </a:lnRef>
+          <a:fillRef idx="2">
+            <a:schemeClr val="accent3"/>
+          </a:fillRef>
+          <a:effectRef idx="1">
+            <a:schemeClr val="accent3"/>
+          </a:effectRef>
+          <a:fontRef idx="minor">
+            <a:schemeClr val="dk1"/>
+          </a:fontRef>
+        </p:style>
+        <p:txBody>
+          <a:bodyPr rtlCol="0" anchor="ctr"/>
+          <a:lstStyle/>
+          <a:p>
+            <a:pPr algn="ctr"/>
+            <a:endParaRPr lang="en-SG" sz="1400"/>
+          </a:p>
+        </p:txBody>
+      </p:sp>
+      <p:sp>
+        <p:nvSpPr>
+          <p:cNvPr id="16" name="Rectangle 62"/>
+          <p:cNvSpPr/>
+          <p:nvPr/>
+        </p:nvSpPr>
+        <p:spPr>
+          <a:xfrm>
+            <a:off x="3456748" y="2529150"/>
+            <a:ext cx="1155721" cy="467684"/>
+          </a:xfrm>
+          <a:prstGeom prst="rect">
+            <a:avLst/>
+          </a:prstGeom>
+          <a:solidFill>
+            <a:srgbClr val="0070C0"/>
+          </a:solidFill>
+          <a:ln w="19050">
+            <a:solidFill>
+              <a:srgbClr val="0070C0"/>
+            </a:solidFill>
+          </a:ln>
+          <a:effectLst/>
+        </p:spPr>
+        <p:style>
+          <a:lnRef idx="1">
+            <a:schemeClr val="accent2"/>
+          </a:lnRef>
+          <a:fillRef idx="2">
+            <a:schemeClr val="accent2"/>
+          </a:fillRef>
+          <a:effectRef idx="1">
+            <a:schemeClr val="accent2"/>
+          </a:effectRef>
+          <a:fontRef idx="minor">
+            <a:schemeClr val="dk1"/>
+          </a:fontRef>
+        </p:style>
+        <p:txBody>
+          <a:bodyPr rtlCol="0" anchor="ctr"/>
+          <a:lstStyle/>
+          <a:p>
+            <a:pPr algn="ctr"/>
+            <a:r>
+              <a:rPr lang="en-US" sz="1600">
+                <a:solidFill>
+                  <a:schemeClr val="bg1"/>
+                </a:solidFill>
+              </a:rPr>
+              <a:t>:BattleshipParser</a:t>
+            </a:r>
+            <a:endParaRPr lang="en-SG" sz="1600" dirty="0">
+              <a:solidFill>
+                <a:schemeClr val="bg1"/>
+              </a:solidFill>
+            </a:endParaRPr>
+          </a:p>
+        </p:txBody>
+      </p:sp>
+      <p:cxnSp>
+        <p:nvCxnSpPr>
+          <p:cNvPr id="17" name="Straight Connector 16"/>
+          <p:cNvCxnSpPr>
+            <a:cxnSpLocks/>
+          </p:cNvCxnSpPr>
+          <p:nvPr/>
+        </p:nvCxnSpPr>
+        <p:spPr>
+          <a:xfrm>
+            <a:off x="4070143" y="3013748"/>
+            <a:ext cx="0" cy="2160660"/>
+          </a:xfrm>
+          <a:prstGeom prst="line">
+            <a:avLst/>
+          </a:prstGeom>
+          <a:ln w="19050">
+            <a:solidFill>
+              <a:srgbClr val="0070C0"/>
+            </a:solidFill>
+            <a:prstDash val="sysDash"/>
+          </a:ln>
+          <a:effectLst/>
+        </p:spPr>
+        <p:style>
+          <a:lnRef idx="1">
+            <a:schemeClr val="accent1"/>
+          </a:lnRef>
+          <a:fillRef idx="2">
+            <a:schemeClr val="accent1"/>
+          </a:fillRef>
+          <a:effectRef idx="1">
+            <a:schemeClr val="accent1"/>
+          </a:effectRef>
+          <a:fontRef idx="minor">
+            <a:schemeClr val="dk1"/>
+          </a:fontRef>
+        </p:style>
+      </p:cxnSp>
+      <p:sp>
+        <p:nvSpPr>
+          <p:cNvPr id="18" name="Rectangle 17"/>
+          <p:cNvSpPr/>
+          <p:nvPr/>
+        </p:nvSpPr>
+        <p:spPr>
+          <a:xfrm>
+            <a:off x="3998138" y="3471947"/>
+            <a:ext cx="154408" cy="1434579"/>
+          </a:xfrm>
+          <a:prstGeom prst="rect">
+            <a:avLst/>
+          </a:prstGeom>
+          <a:solidFill>
+            <a:srgbClr val="0070C0"/>
+          </a:solidFill>
+          <a:ln>
+            <a:solidFill>
+              <a:srgbClr val="0070C0"/>
+            </a:solidFill>
+          </a:ln>
+          <a:effectLst/>
+        </p:spPr>
+        <p:style>
+          <a:lnRef idx="1">
+            <a:schemeClr val="accent3"/>
+          </a:lnRef>
+          <a:fillRef idx="2">
+            <a:schemeClr val="accent3"/>
+          </a:fillRef>
+          <a:effectRef idx="1">
+            <a:schemeClr val="accent3"/>
+          </a:effectRef>
+          <a:fontRef idx="minor">
+            <a:schemeClr val="dk1"/>
+          </a:fontRef>
+        </p:style>
+        <p:txBody>
+          <a:bodyPr rtlCol="0" anchor="ctr"/>
+          <a:lstStyle/>
+          <a:p>
+            <a:pPr algn="ctr"/>
+            <a:endParaRPr lang="en-SG" sz="1400"/>
+          </a:p>
+        </p:txBody>
+      </p:sp>
+      <p:cxnSp>
+        <p:nvCxnSpPr>
+          <p:cNvPr id="20" name="Straight Connector 19"/>
+          <p:cNvCxnSpPr>
+            <a:cxnSpLocks/>
+            <a:stCxn id="21" idx="0"/>
+          </p:cNvCxnSpPr>
+          <p:nvPr/>
+        </p:nvCxnSpPr>
+        <p:spPr>
+          <a:xfrm>
+            <a:off x="5621639" y="3719774"/>
+            <a:ext cx="0" cy="1389503"/>
+          </a:xfrm>
+          <a:prstGeom prst="line">
+            <a:avLst/>
+          </a:prstGeom>
+          <a:ln w="19050">
+            <a:solidFill>
+              <a:srgbClr val="0070C0"/>
+            </a:solidFill>
+            <a:prstDash val="sysDash"/>
+          </a:ln>
+          <a:effectLst/>
+        </p:spPr>
+        <p:style>
+          <a:lnRef idx="1">
+            <a:schemeClr val="accent1"/>
+          </a:lnRef>
+          <a:fillRef idx="2">
+            <a:schemeClr val="accent1"/>
+          </a:fillRef>
+          <a:effectRef idx="1">
+            <a:schemeClr val="accent1"/>
+          </a:effectRef>
+          <a:fontRef idx="minor">
+            <a:schemeClr val="dk1"/>
+          </a:fontRef>
+        </p:style>
+      </p:cxnSp>
+      <p:sp>
+        <p:nvSpPr>
+          <p:cNvPr id="21" name="Rectangle 20"/>
+          <p:cNvSpPr/>
+          <p:nvPr/>
+        </p:nvSpPr>
+        <p:spPr>
+          <a:xfrm>
+            <a:off x="5545439" y="3719775"/>
+            <a:ext cx="152400" cy="276003"/>
+          </a:xfrm>
+          <a:prstGeom prst="rect">
+            <a:avLst/>
+          </a:prstGeom>
+          <a:solidFill>
+            <a:srgbClr val="0070C0"/>
+          </a:solidFill>
+          <a:ln>
+            <a:solidFill>
+              <a:srgbClr val="0070C0"/>
+            </a:solidFill>
+          </a:ln>
+          <a:effectLst/>
+        </p:spPr>
+        <p:style>
+          <a:lnRef idx="1">
+            <a:schemeClr val="accent3"/>
+          </a:lnRef>
+          <a:fillRef idx="2">
+            <a:schemeClr val="accent3"/>
+          </a:fillRef>
+          <a:effectRef idx="1">
+            <a:schemeClr val="accent3"/>
+          </a:effectRef>
+          <a:fontRef idx="minor">
+            <a:schemeClr val="dk1"/>
+          </a:fontRef>
+        </p:style>
+        <p:txBody>
+          <a:bodyPr rtlCol="0" anchor="ctr"/>
+          <a:lstStyle/>
+          <a:p>
+            <a:pPr algn="ctr"/>
+            <a:endParaRPr lang="en-SG" sz="1400"/>
+          </a:p>
+        </p:txBody>
+      </p:sp>
+      <p:cxnSp>
+        <p:nvCxnSpPr>
+          <p:cNvPr id="23" name="Straight Arrow Connector 22"/>
+          <p:cNvCxnSpPr>
+            <a:cxnSpLocks/>
+          </p:cNvCxnSpPr>
+          <p:nvPr/>
+        </p:nvCxnSpPr>
+        <p:spPr>
+          <a:xfrm>
+            <a:off x="438670" y="3368126"/>
+            <a:ext cx="1119851" cy="0"/>
+          </a:xfrm>
+          <a:prstGeom prst="straightConnector1">
+            <a:avLst/>
+          </a:prstGeom>
+          <a:ln w="19050">
+            <a:solidFill>
+              <a:srgbClr val="0070C0"/>
+            </a:solidFill>
+            <a:tailEnd type="arrow"/>
+          </a:ln>
+        </p:spPr>
+        <p:style>
+          <a:lnRef idx="1">
+            <a:schemeClr val="accent1"/>
+          </a:lnRef>
+          <a:fillRef idx="0">
+            <a:schemeClr val="accent1"/>
+          </a:fillRef>
+          <a:effectRef idx="0">
+            <a:schemeClr val="accent1"/>
+          </a:effectRef>
+          <a:fontRef idx="minor">
+            <a:schemeClr val="tx1"/>
+          </a:fontRef>
+        </p:style>
+      </p:cxnSp>
+      <p:sp>
+        <p:nvSpPr>
+          <p:cNvPr id="26" name="TextBox 25"/>
+          <p:cNvSpPr txBox="1"/>
+          <p:nvPr/>
+        </p:nvSpPr>
+        <p:spPr>
+          <a:xfrm>
+            <a:off x="159442" y="3096728"/>
+            <a:ext cx="1323065" cy="215444"/>
+          </a:xfrm>
+          <a:prstGeom prst="rect">
+            <a:avLst/>
+          </a:prstGeom>
+          <a:noFill/>
+        </p:spPr>
+        <p:txBody>
+          <a:bodyPr wrap="square" lIns="0" tIns="0" rIns="0" bIns="0" rtlCol="0">
+            <a:spAutoFit/>
+          </a:bodyPr>
+          <a:lstStyle/>
+          <a:p>
+            <a:pPr algn="r"/>
+            <a:r>
+              <a:rPr lang="en-US" sz="1400" dirty="0">
+                <a:solidFill>
+                  <a:srgbClr val="0070C0"/>
+                </a:solidFill>
+              </a:rPr>
+              <a:t>execute(“</a:t>
+            </a:r>
+            <a:r>
+              <a:rPr lang="en-US" sz="1400" dirty="0" err="1">
+                <a:solidFill>
+                  <a:srgbClr val="0070C0"/>
+                </a:solidFill>
+              </a:rPr>
+              <a:t>init</a:t>
+            </a:r>
+            <a:r>
+              <a:rPr lang="en-US" sz="1400" dirty="0">
+                <a:solidFill>
+                  <a:srgbClr val="0070C0"/>
+                </a:solidFill>
+              </a:rPr>
+              <a:t> 10”)</a:t>
+            </a:r>
+          </a:p>
+        </p:txBody>
+      </p:sp>
+      <p:cxnSp>
+        <p:nvCxnSpPr>
+          <p:cNvPr id="28" name="Straight Arrow Connector 27"/>
+          <p:cNvCxnSpPr>
+            <a:cxnSpLocks/>
+          </p:cNvCxnSpPr>
+          <p:nvPr/>
+        </p:nvCxnSpPr>
+        <p:spPr>
+          <a:xfrm flipV="1">
+            <a:off x="4162648" y="3591176"/>
+            <a:ext cx="668888" cy="1"/>
+          </a:xfrm>
+          <a:prstGeom prst="straightConnector1">
+            <a:avLst/>
+          </a:prstGeom>
+          <a:ln w="19050">
+            <a:solidFill>
+              <a:srgbClr val="0070C0"/>
+            </a:solidFill>
+            <a:tailEnd type="arrow"/>
+          </a:ln>
+        </p:spPr>
+        <p:style>
+          <a:lnRef idx="1">
+            <a:schemeClr val="accent1"/>
+          </a:lnRef>
+          <a:fillRef idx="0">
+            <a:schemeClr val="accent1"/>
+          </a:fillRef>
+          <a:effectRef idx="0">
+            <a:schemeClr val="accent1"/>
+          </a:effectRef>
+          <a:fontRef idx="minor">
+            <a:schemeClr val="tx1"/>
+          </a:fontRef>
+        </p:style>
+      </p:cxnSp>
+      <p:sp>
+        <p:nvSpPr>
+          <p:cNvPr id="29" name="TextBox 28"/>
+          <p:cNvSpPr txBox="1"/>
+          <p:nvPr/>
+        </p:nvSpPr>
+        <p:spPr>
+          <a:xfrm>
+            <a:off x="4247254" y="5029636"/>
+            <a:ext cx="855808" cy="215444"/>
+          </a:xfrm>
+          <a:prstGeom prst="rect">
+            <a:avLst/>
+          </a:prstGeom>
+          <a:noFill/>
+        </p:spPr>
+        <p:txBody>
+          <a:bodyPr wrap="square" lIns="0" tIns="0" rIns="0" bIns="0" rtlCol="0">
+            <a:spAutoFit/>
+          </a:bodyPr>
+          <a:lstStyle>
+            <a:defPPr>
+              <a:defRPr lang="en-US"/>
+            </a:defPPr>
+            <a:lvl1pPr algn="r">
+              <a:defRPr sz="1400">
+                <a:solidFill>
+                  <a:srgbClr val="0070C0"/>
+                </a:solidFill>
+              </a:defRPr>
+            </a:lvl1pPr>
+          </a:lstStyle>
+          <a:p>
+            <a:r>
+              <a:rPr lang="en-US" dirty="0"/>
+              <a:t>execute()</a:t>
+            </a:r>
+          </a:p>
+        </p:txBody>
+      </p:sp>
+      <p:cxnSp>
+        <p:nvCxnSpPr>
+          <p:cNvPr id="34" name="Straight Arrow Connector 33"/>
+          <p:cNvCxnSpPr>
+            <a:cxnSpLocks/>
+          </p:cNvCxnSpPr>
+          <p:nvPr/>
+        </p:nvCxnSpPr>
+        <p:spPr>
+          <a:xfrm>
+            <a:off x="4138478" y="3995776"/>
+            <a:ext cx="1414408" cy="0"/>
+          </a:xfrm>
+          <a:prstGeom prst="straightConnector1">
+            <a:avLst/>
+          </a:prstGeom>
+          <a:ln w="19050">
+            <a:solidFill>
+              <a:srgbClr val="0070C0"/>
+            </a:solidFill>
+            <a:prstDash val="sysDash"/>
+            <a:headEnd type="arrow" w="med" len="med"/>
+            <a:tailEnd type="none" w="med" len="med"/>
+          </a:ln>
+        </p:spPr>
+        <p:style>
+          <a:lnRef idx="1">
+            <a:schemeClr val="accent1"/>
+          </a:lnRef>
+          <a:fillRef idx="0">
+            <a:schemeClr val="accent1"/>
+          </a:fillRef>
+          <a:effectRef idx="0">
+            <a:schemeClr val="accent1"/>
+          </a:effectRef>
+          <a:fontRef idx="minor">
+            <a:schemeClr val="tx1"/>
+          </a:fontRef>
+        </p:style>
+      </p:cxnSp>
+      <p:cxnSp>
+        <p:nvCxnSpPr>
+          <p:cNvPr id="35" name="Straight Arrow Connector 34"/>
+          <p:cNvCxnSpPr>
+            <a:cxnSpLocks/>
+          </p:cNvCxnSpPr>
+          <p:nvPr/>
+        </p:nvCxnSpPr>
+        <p:spPr>
+          <a:xfrm>
+            <a:off x="1710908" y="4908894"/>
+            <a:ext cx="2287233" cy="0"/>
+          </a:xfrm>
+          <a:prstGeom prst="straightConnector1">
+            <a:avLst/>
+          </a:prstGeom>
+          <a:ln w="19050">
+            <a:solidFill>
+              <a:srgbClr val="0070C0"/>
+            </a:solidFill>
+            <a:prstDash val="sysDash"/>
+            <a:headEnd type="arrow" w="med" len="med"/>
+            <a:tailEnd type="none" w="med" len="med"/>
+          </a:ln>
+        </p:spPr>
+        <p:style>
+          <a:lnRef idx="1">
+            <a:schemeClr val="accent1"/>
+          </a:lnRef>
+          <a:fillRef idx="0">
+            <a:schemeClr val="accent1"/>
+          </a:fillRef>
+          <a:effectRef idx="0">
+            <a:schemeClr val="accent1"/>
+          </a:effectRef>
+          <a:fontRef idx="minor">
+            <a:schemeClr val="tx1"/>
+          </a:fontRef>
+        </p:style>
+      </p:cxnSp>
+      <p:cxnSp>
+        <p:nvCxnSpPr>
+          <p:cNvPr id="37" name="Straight Arrow Connector 36"/>
+          <p:cNvCxnSpPr>
+            <a:cxnSpLocks/>
+          </p:cNvCxnSpPr>
+          <p:nvPr/>
+        </p:nvCxnSpPr>
+        <p:spPr>
+          <a:xfrm>
+            <a:off x="362456" y="9133677"/>
+            <a:ext cx="1196051" cy="0"/>
+          </a:xfrm>
+          <a:prstGeom prst="straightConnector1">
+            <a:avLst/>
+          </a:prstGeom>
+          <a:ln w="19050">
+            <a:solidFill>
+              <a:schemeClr val="accent1"/>
+            </a:solidFill>
+            <a:prstDash val="sysDash"/>
+            <a:headEnd type="arrow" w="med" len="med"/>
+            <a:tailEnd type="none" w="med" len="med"/>
+          </a:ln>
+        </p:spPr>
+        <p:style>
+          <a:lnRef idx="1">
+            <a:schemeClr val="accent1"/>
+          </a:lnRef>
+          <a:fillRef idx="0">
+            <a:schemeClr val="accent1"/>
+          </a:fillRef>
+          <a:effectRef idx="0">
+            <a:schemeClr val="accent1"/>
+          </a:effectRef>
+          <a:fontRef idx="minor">
+            <a:schemeClr val="tx1"/>
+          </a:fontRef>
+        </p:style>
+      </p:cxnSp>
+      <p:sp>
+        <p:nvSpPr>
+          <p:cNvPr id="80" name="TextBox 79"/>
+          <p:cNvSpPr txBox="1"/>
+          <p:nvPr/>
+        </p:nvSpPr>
+        <p:spPr>
+          <a:xfrm>
+            <a:off x="1904758" y="3212279"/>
+            <a:ext cx="1899551" cy="215444"/>
+          </a:xfrm>
+          <a:prstGeom prst="rect">
+            <a:avLst/>
+          </a:prstGeom>
+          <a:noFill/>
+        </p:spPr>
+        <p:txBody>
+          <a:bodyPr wrap="square" lIns="0" tIns="0" rIns="0" bIns="0" rtlCol="0">
+            <a:spAutoFit/>
+          </a:bodyPr>
+          <a:lstStyle>
+            <a:defPPr>
+              <a:defRPr lang="en-US"/>
+            </a:defPPr>
+            <a:lvl1pPr algn="r">
+              <a:defRPr sz="1400">
+                <a:solidFill>
+                  <a:srgbClr val="0070C0"/>
+                </a:solidFill>
+              </a:defRPr>
+            </a:lvl1pPr>
+          </a:lstStyle>
+          <a:p>
+            <a:r>
+              <a:rPr lang="en-US" dirty="0" err="1"/>
+              <a:t>parseCommand</a:t>
+            </a:r>
+            <a:r>
+              <a:rPr lang="en-US" dirty="0"/>
+              <a:t>(“</a:t>
+            </a:r>
+            <a:r>
+              <a:rPr lang="en-US" dirty="0" err="1"/>
+              <a:t>init</a:t>
+            </a:r>
+            <a:r>
+              <a:rPr lang="en-US" dirty="0"/>
+              <a:t> 10”)</a:t>
+            </a:r>
+          </a:p>
+        </p:txBody>
+      </p:sp>
+      <p:sp>
+        <p:nvSpPr>
+          <p:cNvPr id="19" name="Rectangle 62"/>
+          <p:cNvSpPr/>
+          <p:nvPr/>
+        </p:nvSpPr>
+        <p:spPr>
+          <a:xfrm>
+            <a:off x="4824421" y="3166375"/>
+            <a:ext cx="1609838" cy="578958"/>
+          </a:xfrm>
+          <a:prstGeom prst="rect">
+            <a:avLst/>
+          </a:prstGeom>
+          <a:solidFill>
+            <a:srgbClr val="0070C0"/>
+          </a:solidFill>
+          <a:ln w="19050">
+            <a:solidFill>
+              <a:srgbClr val="0070C0"/>
+            </a:solidFill>
+          </a:ln>
+          <a:effectLst/>
+        </p:spPr>
+        <p:style>
+          <a:lnRef idx="1">
+            <a:schemeClr val="accent2"/>
+          </a:lnRef>
+          <a:fillRef idx="2">
+            <a:schemeClr val="accent2"/>
+          </a:fillRef>
+          <a:effectRef idx="1">
+            <a:schemeClr val="accent2"/>
+          </a:effectRef>
+          <a:fontRef idx="minor">
+            <a:schemeClr val="dk1"/>
+          </a:fontRef>
+        </p:style>
+        <p:txBody>
+          <a:bodyPr rtlCol="0" anchor="ctr"/>
+          <a:lstStyle/>
+          <a:p>
+            <a:pPr algn="ctr"/>
+            <a:r>
+              <a:rPr lang="en-US" sz="1600" dirty="0">
+                <a:solidFill>
+                  <a:schemeClr val="bg1"/>
+                </a:solidFill>
+              </a:rPr>
+              <a:t>:InitialiseMap</a:t>
+            </a:r>
+          </a:p>
+          <a:p>
+            <a:pPr algn="ctr"/>
+            <a:r>
+              <a:rPr lang="en-US" sz="1600" dirty="0" err="1">
+                <a:solidFill>
+                  <a:schemeClr val="bg1"/>
+                </a:solidFill>
+              </a:rPr>
+              <a:t>CommandParser</a:t>
+            </a:r>
+            <a:endParaRPr lang="en-SG" sz="1600" dirty="0">
+              <a:solidFill>
+                <a:schemeClr val="bg1"/>
+              </a:solidFill>
+            </a:endParaRPr>
+          </a:p>
+        </p:txBody>
+      </p:sp>
+      <p:cxnSp>
+        <p:nvCxnSpPr>
+          <p:cNvPr id="66" name="Straight Arrow Connector 65">
+            <a:extLst>
+              <a:ext uri="{FF2B5EF4-FFF2-40B4-BE49-F238E27FC236}">
+                <a16:creationId xmlns:a16="http://schemas.microsoft.com/office/drawing/2014/main" id="{39916E2E-195A-4DC8-B025-B05FA87E6796}"/>
+              </a:ext>
+            </a:extLst>
+          </p:cNvPr>
+          <p:cNvCxnSpPr>
+            <a:cxnSpLocks/>
+          </p:cNvCxnSpPr>
+          <p:nvPr/>
+        </p:nvCxnSpPr>
+        <p:spPr>
+          <a:xfrm>
+            <a:off x="1739957" y="5246420"/>
+            <a:ext cx="5600765" cy="0"/>
+          </a:xfrm>
+          <a:prstGeom prst="straightConnector1">
+            <a:avLst/>
+          </a:prstGeom>
+          <a:ln w="19050">
+            <a:solidFill>
+              <a:srgbClr val="0070C0"/>
+            </a:solidFill>
+            <a:tailEnd type="arrow"/>
+          </a:ln>
+        </p:spPr>
+        <p:style>
+          <a:lnRef idx="1">
+            <a:schemeClr val="accent1"/>
+          </a:lnRef>
+          <a:fillRef idx="0">
+            <a:schemeClr val="accent1"/>
+          </a:fillRef>
+          <a:effectRef idx="0">
+            <a:schemeClr val="accent1"/>
+          </a:effectRef>
+          <a:fontRef idx="minor">
+            <a:schemeClr val="tx1"/>
+          </a:fontRef>
+        </p:style>
+      </p:cxnSp>
+      <p:cxnSp>
+        <p:nvCxnSpPr>
+          <p:cNvPr id="67" name="Straight Arrow Connector 66">
+            <a:extLst>
+              <a:ext uri="{FF2B5EF4-FFF2-40B4-BE49-F238E27FC236}">
+                <a16:creationId xmlns:a16="http://schemas.microsoft.com/office/drawing/2014/main" id="{D881596E-177C-4FDC-8E60-CAB90B3D5FAB}"/>
+              </a:ext>
+            </a:extLst>
+          </p:cNvPr>
+          <p:cNvCxnSpPr>
+            <a:cxnSpLocks/>
+          </p:cNvCxnSpPr>
+          <p:nvPr/>
+        </p:nvCxnSpPr>
+        <p:spPr>
+          <a:xfrm>
+            <a:off x="1640681" y="3471945"/>
+            <a:ext cx="2362200" cy="0"/>
+          </a:xfrm>
+          <a:prstGeom prst="straightConnector1">
+            <a:avLst/>
+          </a:prstGeom>
+          <a:ln w="19050">
+            <a:solidFill>
+              <a:srgbClr val="0070C0"/>
+            </a:solidFill>
+            <a:tailEnd type="arrow"/>
+          </a:ln>
+        </p:spPr>
+        <p:style>
+          <a:lnRef idx="1">
+            <a:schemeClr val="accent1"/>
+          </a:lnRef>
+          <a:fillRef idx="0">
+            <a:schemeClr val="accent1"/>
+          </a:fillRef>
+          <a:effectRef idx="0">
+            <a:schemeClr val="accent1"/>
+          </a:effectRef>
+          <a:fontRef idx="minor">
+            <a:schemeClr val="tx1"/>
+          </a:fontRef>
+        </p:style>
+      </p:cxnSp>
+      <p:cxnSp>
+        <p:nvCxnSpPr>
+          <p:cNvPr id="69" name="Straight Arrow Connector 68">
+            <a:extLst>
+              <a:ext uri="{FF2B5EF4-FFF2-40B4-BE49-F238E27FC236}">
+                <a16:creationId xmlns:a16="http://schemas.microsoft.com/office/drawing/2014/main" id="{7C9F21BC-13A9-471F-825A-2621FD36355F}"/>
+              </a:ext>
+            </a:extLst>
+          </p:cNvPr>
+          <p:cNvCxnSpPr>
+            <a:cxnSpLocks/>
+          </p:cNvCxnSpPr>
+          <p:nvPr/>
+        </p:nvCxnSpPr>
+        <p:spPr>
+          <a:xfrm>
+            <a:off x="1710907" y="9057474"/>
+            <a:ext cx="5644774" cy="0"/>
+          </a:xfrm>
+          <a:prstGeom prst="straightConnector1">
+            <a:avLst/>
+          </a:prstGeom>
+          <a:ln w="19050">
+            <a:solidFill>
+              <a:srgbClr val="0070C0"/>
+            </a:solidFill>
+            <a:prstDash val="sysDash"/>
+            <a:headEnd type="arrow" w="med" len="med"/>
+            <a:tailEnd type="none" w="med" len="med"/>
+          </a:ln>
+        </p:spPr>
+        <p:style>
+          <a:lnRef idx="1">
+            <a:schemeClr val="accent1"/>
+          </a:lnRef>
+          <a:fillRef idx="0">
+            <a:schemeClr val="accent1"/>
+          </a:fillRef>
+          <a:effectRef idx="0">
+            <a:schemeClr val="accent1"/>
+          </a:effectRef>
+          <a:fontRef idx="minor">
+            <a:schemeClr val="tx1"/>
+          </a:fontRef>
+        </p:style>
+      </p:cxnSp>
+      <p:cxnSp>
+        <p:nvCxnSpPr>
+          <p:cNvPr id="70" name="Straight Arrow Connector 69">
+            <a:extLst>
+              <a:ext uri="{FF2B5EF4-FFF2-40B4-BE49-F238E27FC236}">
+                <a16:creationId xmlns:a16="http://schemas.microsoft.com/office/drawing/2014/main" id="{51A78A03-963D-41D5-A96D-D610AC186B7D}"/>
+              </a:ext>
+            </a:extLst>
+          </p:cNvPr>
+          <p:cNvCxnSpPr>
+            <a:cxnSpLocks/>
+          </p:cNvCxnSpPr>
+          <p:nvPr/>
+        </p:nvCxnSpPr>
+        <p:spPr>
+          <a:xfrm flipV="1">
+            <a:off x="4139694" y="4271723"/>
+            <a:ext cx="1413193" cy="1"/>
+          </a:xfrm>
+          <a:prstGeom prst="straightConnector1">
+            <a:avLst/>
+          </a:prstGeom>
+          <a:ln w="19050">
+            <a:solidFill>
+              <a:srgbClr val="0070C0"/>
+            </a:solidFill>
+            <a:tailEnd type="arrow"/>
+          </a:ln>
+        </p:spPr>
+        <p:style>
+          <a:lnRef idx="1">
+            <a:schemeClr val="accent1"/>
+          </a:lnRef>
+          <a:fillRef idx="0">
+            <a:schemeClr val="accent1"/>
+          </a:fillRef>
+          <a:effectRef idx="0">
+            <a:schemeClr val="accent1"/>
+          </a:effectRef>
+          <a:fontRef idx="minor">
+            <a:schemeClr val="tx1"/>
+          </a:fontRef>
+        </p:style>
+      </p:cxnSp>
+      <p:sp>
+        <p:nvSpPr>
+          <p:cNvPr id="71" name="Rectangle 70">
+            <a:extLst>
+              <a:ext uri="{FF2B5EF4-FFF2-40B4-BE49-F238E27FC236}">
+                <a16:creationId xmlns:a16="http://schemas.microsoft.com/office/drawing/2014/main" id="{3A29E65C-0A9E-4AB5-8BF2-6F2BF1DB76DF}"/>
+              </a:ext>
+            </a:extLst>
+          </p:cNvPr>
+          <p:cNvSpPr/>
+          <p:nvPr/>
+        </p:nvSpPr>
+        <p:spPr>
+          <a:xfrm>
+            <a:off x="5541292" y="4263044"/>
+            <a:ext cx="156546" cy="578956"/>
+          </a:xfrm>
+          <a:prstGeom prst="rect">
+            <a:avLst/>
+          </a:prstGeom>
+          <a:solidFill>
+            <a:srgbClr val="0070C0"/>
+          </a:solidFill>
+          <a:ln>
+            <a:solidFill>
+              <a:srgbClr val="0070C0"/>
+            </a:solidFill>
+          </a:ln>
+          <a:effectLst/>
+        </p:spPr>
+        <p:style>
+          <a:lnRef idx="1">
+            <a:schemeClr val="accent3"/>
+          </a:lnRef>
+          <a:fillRef idx="2">
+            <a:schemeClr val="accent3"/>
+          </a:fillRef>
+          <a:effectRef idx="1">
+            <a:schemeClr val="accent3"/>
+          </a:effectRef>
+          <a:fontRef idx="minor">
+            <a:schemeClr val="dk1"/>
+          </a:fontRef>
+        </p:style>
+        <p:txBody>
+          <a:bodyPr rtlCol="0" anchor="ctr"/>
+          <a:lstStyle/>
+          <a:p>
+            <a:pPr algn="ctr"/>
+            <a:endParaRPr lang="en-SG" sz="1400"/>
+          </a:p>
+        </p:txBody>
+      </p:sp>
+      <p:sp>
+        <p:nvSpPr>
+          <p:cNvPr id="72" name="TextBox 71">
+            <a:extLst>
+              <a:ext uri="{FF2B5EF4-FFF2-40B4-BE49-F238E27FC236}">
+                <a16:creationId xmlns:a16="http://schemas.microsoft.com/office/drawing/2014/main" id="{DA9798D2-A662-4296-8252-843468198535}"/>
+              </a:ext>
+            </a:extLst>
+          </p:cNvPr>
+          <p:cNvSpPr txBox="1"/>
+          <p:nvPr/>
+        </p:nvSpPr>
+        <p:spPr>
+          <a:xfrm>
+            <a:off x="4261657" y="4047596"/>
+            <a:ext cx="1150445" cy="215444"/>
+          </a:xfrm>
+          <a:prstGeom prst="rect">
+            <a:avLst/>
+          </a:prstGeom>
+          <a:noFill/>
+        </p:spPr>
+        <p:txBody>
+          <a:bodyPr wrap="square" lIns="0" tIns="0" rIns="0" bIns="0" rtlCol="0">
+            <a:spAutoFit/>
+          </a:bodyPr>
+          <a:lstStyle>
+            <a:defPPr>
+              <a:defRPr lang="en-US"/>
+            </a:defPPr>
+            <a:lvl1pPr algn="r">
+              <a:defRPr sz="1400">
+                <a:solidFill>
+                  <a:srgbClr val="0070C0"/>
+                </a:solidFill>
+              </a:defRPr>
+            </a:lvl1pPr>
+          </a:lstStyle>
+          <a:p>
+            <a:r>
+              <a:rPr lang="en-US" dirty="0"/>
+              <a:t>parse(“10”)</a:t>
+            </a:r>
+          </a:p>
+        </p:txBody>
+      </p:sp>
+      <p:cxnSp>
+        <p:nvCxnSpPr>
+          <p:cNvPr id="76" name="Straight Arrow Connector 75">
+            <a:extLst>
+              <a:ext uri="{FF2B5EF4-FFF2-40B4-BE49-F238E27FC236}">
+                <a16:creationId xmlns:a16="http://schemas.microsoft.com/office/drawing/2014/main" id="{9171ECEE-D4A7-464C-B327-CDF3489B27FC}"/>
+              </a:ext>
+            </a:extLst>
+          </p:cNvPr>
+          <p:cNvCxnSpPr>
+            <a:cxnSpLocks/>
+            <a:endCxn id="73" idx="1"/>
+          </p:cNvCxnSpPr>
+          <p:nvPr/>
+        </p:nvCxnSpPr>
+        <p:spPr>
+          <a:xfrm>
+            <a:off x="5697840" y="4374576"/>
+            <a:ext cx="909763" cy="0"/>
+          </a:xfrm>
+          <a:prstGeom prst="straightConnector1">
+            <a:avLst/>
+          </a:prstGeom>
+          <a:ln w="19050">
+            <a:solidFill>
+              <a:srgbClr val="0070C0"/>
+            </a:solidFill>
+            <a:tailEnd type="arrow"/>
+          </a:ln>
+        </p:spPr>
+        <p:style>
+          <a:lnRef idx="1">
+            <a:schemeClr val="accent1"/>
+          </a:lnRef>
+          <a:fillRef idx="0">
+            <a:schemeClr val="accent1"/>
+          </a:fillRef>
+          <a:effectRef idx="0">
+            <a:schemeClr val="accent1"/>
+          </a:effectRef>
+          <a:fontRef idx="minor">
+            <a:schemeClr val="tx1"/>
+          </a:fontRef>
+        </p:style>
+      </p:cxnSp>
+      <p:cxnSp>
+        <p:nvCxnSpPr>
+          <p:cNvPr id="87" name="Straight Arrow Connector 86">
+            <a:extLst>
+              <a:ext uri="{FF2B5EF4-FFF2-40B4-BE49-F238E27FC236}">
+                <a16:creationId xmlns:a16="http://schemas.microsoft.com/office/drawing/2014/main" id="{25C585B1-9B63-40DC-A033-F1940D483812}"/>
+              </a:ext>
+            </a:extLst>
+          </p:cNvPr>
+          <p:cNvCxnSpPr>
+            <a:cxnSpLocks/>
+          </p:cNvCxnSpPr>
+          <p:nvPr/>
+        </p:nvCxnSpPr>
+        <p:spPr>
+          <a:xfrm>
+            <a:off x="5697838" y="4777826"/>
+            <a:ext cx="1630730" cy="0"/>
+          </a:xfrm>
+          <a:prstGeom prst="straightConnector1">
+            <a:avLst/>
+          </a:prstGeom>
+          <a:ln w="19050">
+            <a:solidFill>
+              <a:srgbClr val="0070C0"/>
+            </a:solidFill>
+            <a:prstDash val="sysDash"/>
+            <a:headEnd type="arrow" w="med" len="med"/>
+            <a:tailEnd type="none" w="med" len="med"/>
+          </a:ln>
+        </p:spPr>
+        <p:style>
+          <a:lnRef idx="1">
+            <a:schemeClr val="accent1"/>
+          </a:lnRef>
+          <a:fillRef idx="0">
+            <a:schemeClr val="accent1"/>
+          </a:fillRef>
+          <a:effectRef idx="0">
+            <a:schemeClr val="accent1"/>
+          </a:effectRef>
+          <a:fontRef idx="minor">
+            <a:schemeClr val="tx1"/>
+          </a:fontRef>
+        </p:style>
+      </p:cxnSp>
+      <p:cxnSp>
+        <p:nvCxnSpPr>
+          <p:cNvPr id="90" name="Straight Arrow Connector 89">
+            <a:extLst>
+              <a:ext uri="{FF2B5EF4-FFF2-40B4-BE49-F238E27FC236}">
+                <a16:creationId xmlns:a16="http://schemas.microsoft.com/office/drawing/2014/main" id="{0B2D6059-0E2F-4405-AA86-2158EDEA20DD}"/>
+              </a:ext>
+            </a:extLst>
+          </p:cNvPr>
+          <p:cNvCxnSpPr>
+            <a:cxnSpLocks/>
+          </p:cNvCxnSpPr>
+          <p:nvPr/>
+        </p:nvCxnSpPr>
+        <p:spPr>
+          <a:xfrm>
+            <a:off x="4152546" y="4842000"/>
+            <a:ext cx="1390528" cy="0"/>
+          </a:xfrm>
+          <a:prstGeom prst="straightConnector1">
+            <a:avLst/>
+          </a:prstGeom>
+          <a:ln w="19050">
+            <a:solidFill>
+              <a:srgbClr val="0070C0"/>
+            </a:solidFill>
+            <a:prstDash val="sysDash"/>
+            <a:headEnd type="arrow" w="med" len="med"/>
+            <a:tailEnd type="none" w="med" len="med"/>
+          </a:ln>
+        </p:spPr>
+        <p:style>
+          <a:lnRef idx="1">
+            <a:schemeClr val="accent1"/>
+          </a:lnRef>
+          <a:fillRef idx="0">
+            <a:schemeClr val="accent1"/>
+          </a:fillRef>
+          <a:effectRef idx="0">
+            <a:schemeClr val="accent1"/>
+          </a:effectRef>
+          <a:fontRef idx="minor">
+            <a:schemeClr val="tx1"/>
+          </a:fontRef>
+        </p:style>
+      </p:cxnSp>
+      <p:sp>
+        <p:nvSpPr>
+          <p:cNvPr id="78" name="Rectangle 77">
+            <a:extLst>
+              <a:ext uri="{FF2B5EF4-FFF2-40B4-BE49-F238E27FC236}">
+                <a16:creationId xmlns:a16="http://schemas.microsoft.com/office/drawing/2014/main" id="{4819499D-51D3-4A4D-80BE-A6C45E053497}"/>
+              </a:ext>
+            </a:extLst>
+          </p:cNvPr>
+          <p:cNvSpPr/>
+          <p:nvPr/>
+        </p:nvSpPr>
+        <p:spPr>
+          <a:xfrm>
+            <a:off x="7336993" y="4608194"/>
+            <a:ext cx="152400" cy="169639"/>
+          </a:xfrm>
+          <a:prstGeom prst="rect">
+            <a:avLst/>
+          </a:prstGeom>
+          <a:solidFill>
+            <a:srgbClr val="0070C0"/>
+          </a:solidFill>
+          <a:ln>
+            <a:solidFill>
+              <a:srgbClr val="0070C0"/>
+            </a:solidFill>
+          </a:ln>
+          <a:effectLst/>
+        </p:spPr>
+        <p:style>
+          <a:lnRef idx="1">
+            <a:schemeClr val="accent3"/>
+          </a:lnRef>
+          <a:fillRef idx="2">
+            <a:schemeClr val="accent3"/>
+          </a:fillRef>
+          <a:effectRef idx="1">
+            <a:schemeClr val="accent3"/>
+          </a:effectRef>
+          <a:fontRef idx="minor">
+            <a:schemeClr val="dk1"/>
+          </a:fontRef>
+        </p:style>
+        <p:txBody>
+          <a:bodyPr rtlCol="0" anchor="ctr"/>
+          <a:lstStyle/>
+          <a:p>
+            <a:pPr algn="ctr"/>
+            <a:endParaRPr lang="en-SG" sz="1400"/>
+          </a:p>
+        </p:txBody>
+      </p:sp>
+      <p:sp>
+        <p:nvSpPr>
+          <p:cNvPr id="73" name="Rectangle 62">
+            <a:extLst>
+              <a:ext uri="{FF2B5EF4-FFF2-40B4-BE49-F238E27FC236}">
+                <a16:creationId xmlns:a16="http://schemas.microsoft.com/office/drawing/2014/main" id="{6BE0EE90-E7A8-43C8-A9B8-904835775906}"/>
+              </a:ext>
+            </a:extLst>
+          </p:cNvPr>
+          <p:cNvSpPr/>
+          <p:nvPr/>
+        </p:nvSpPr>
+        <p:spPr>
+          <a:xfrm>
+            <a:off x="6607601" y="4143890"/>
+            <a:ext cx="1609838" cy="461372"/>
+          </a:xfrm>
+          <a:prstGeom prst="rect">
+            <a:avLst/>
+          </a:prstGeom>
+          <a:solidFill>
+            <a:srgbClr val="0070C0"/>
+          </a:solidFill>
+          <a:ln w="19050">
+            <a:solidFill>
+              <a:srgbClr val="0070C0"/>
+            </a:solidFill>
+          </a:ln>
+          <a:effectLst/>
+        </p:spPr>
+        <p:style>
+          <a:lnRef idx="1">
+            <a:schemeClr val="accent2"/>
+          </a:lnRef>
+          <a:fillRef idx="2">
+            <a:schemeClr val="accent2"/>
+          </a:fillRef>
+          <a:effectRef idx="1">
+            <a:schemeClr val="accent2"/>
+          </a:effectRef>
+          <a:fontRef idx="minor">
+            <a:schemeClr val="dk1"/>
+          </a:fontRef>
+        </p:style>
+        <p:txBody>
+          <a:bodyPr rtlCol="0" anchor="ctr"/>
+          <a:lstStyle/>
+          <a:p>
+            <a:pPr algn="ctr"/>
+            <a:r>
+              <a:rPr lang="en-US" sz="1600" dirty="0">
+                <a:solidFill>
+                  <a:schemeClr val="bg1"/>
+                </a:solidFill>
+              </a:rPr>
+              <a:t>:InitialiseMap</a:t>
+            </a:r>
+          </a:p>
+          <a:p>
+            <a:pPr algn="ctr"/>
+            <a:r>
+              <a:rPr lang="en-US" sz="1600" dirty="0">
+                <a:solidFill>
+                  <a:schemeClr val="bg1"/>
+                </a:solidFill>
+              </a:rPr>
+              <a:t>Command</a:t>
+            </a:r>
+            <a:endParaRPr lang="en-SG" sz="1600" dirty="0">
+              <a:solidFill>
+                <a:schemeClr val="bg1"/>
+              </a:solidFill>
+            </a:endParaRPr>
+          </a:p>
+        </p:txBody>
+      </p:sp>
+      <p:sp>
+        <p:nvSpPr>
+          <p:cNvPr id="94" name="TextBox 93">
+            <a:extLst>
+              <a:ext uri="{FF2B5EF4-FFF2-40B4-BE49-F238E27FC236}">
+                <a16:creationId xmlns:a16="http://schemas.microsoft.com/office/drawing/2014/main" id="{BBF0726A-3E70-488A-9417-D9F80DCD7B1A}"/>
+              </a:ext>
+            </a:extLst>
+          </p:cNvPr>
+          <p:cNvSpPr txBox="1"/>
+          <p:nvPr/>
+        </p:nvSpPr>
+        <p:spPr>
+          <a:xfrm>
+            <a:off x="7282247" y="9376320"/>
+            <a:ext cx="258402" cy="261482"/>
+          </a:xfrm>
+          <a:prstGeom prst="rect">
+            <a:avLst/>
+          </a:prstGeom>
+          <a:noFill/>
+        </p:spPr>
+        <p:txBody>
+          <a:bodyPr wrap="square" rtlCol="0">
+            <a:spAutoFit/>
+          </a:bodyPr>
+          <a:lstStyle/>
+          <a:p>
+            <a:r>
+              <a:rPr lang="en-SG" sz="1099" dirty="0">
+                <a:solidFill>
+                  <a:srgbClr val="002060"/>
+                </a:solidFill>
+              </a:rPr>
+              <a:t>X</a:t>
+            </a:r>
+          </a:p>
+        </p:txBody>
+      </p:sp>
+      <p:sp>
+        <p:nvSpPr>
+          <p:cNvPr id="64" name="TextBox 63">
+            <a:extLst>
+              <a:ext uri="{FF2B5EF4-FFF2-40B4-BE49-F238E27FC236}">
+                <a16:creationId xmlns:a16="http://schemas.microsoft.com/office/drawing/2014/main" id="{72581E6E-B196-4E61-B3F9-1D80B9018707}"/>
+              </a:ext>
+            </a:extLst>
+          </p:cNvPr>
+          <p:cNvSpPr txBox="1"/>
+          <p:nvPr/>
+        </p:nvSpPr>
+        <p:spPr>
+          <a:xfrm>
+            <a:off x="4034608" y="8823615"/>
+            <a:ext cx="855808" cy="215444"/>
+          </a:xfrm>
+          <a:prstGeom prst="rect">
+            <a:avLst/>
+          </a:prstGeom>
+          <a:noFill/>
+        </p:spPr>
+        <p:txBody>
+          <a:bodyPr wrap="square" lIns="0" tIns="0" rIns="0" bIns="0" rtlCol="0">
+            <a:spAutoFit/>
+          </a:bodyPr>
+          <a:lstStyle>
+            <a:defPPr>
+              <a:defRPr lang="en-US"/>
+            </a:defPPr>
+            <a:lvl1pPr algn="r">
+              <a:defRPr sz="1400">
+                <a:solidFill>
+                  <a:srgbClr val="0070C0"/>
+                </a:solidFill>
+              </a:defRPr>
+            </a:lvl1pPr>
+          </a:lstStyle>
+          <a:p>
+            <a:pPr algn="ctr"/>
+            <a:r>
+              <a:rPr lang="en-US" dirty="0"/>
+              <a:t>res</a:t>
+            </a:r>
+          </a:p>
+        </p:txBody>
+      </p:sp>
+      <p:sp>
+        <p:nvSpPr>
+          <p:cNvPr id="68" name="TextBox 67">
+            <a:extLst>
+              <a:ext uri="{FF2B5EF4-FFF2-40B4-BE49-F238E27FC236}">
+                <a16:creationId xmlns:a16="http://schemas.microsoft.com/office/drawing/2014/main" id="{75B411DE-4C2C-402A-8133-D10A8A09881C}"/>
+              </a:ext>
+            </a:extLst>
+          </p:cNvPr>
+          <p:cNvSpPr txBox="1"/>
+          <p:nvPr/>
+        </p:nvSpPr>
+        <p:spPr>
+          <a:xfrm>
+            <a:off x="614934" y="8918233"/>
+            <a:ext cx="855808" cy="215444"/>
+          </a:xfrm>
+          <a:prstGeom prst="rect">
+            <a:avLst/>
+          </a:prstGeom>
+          <a:noFill/>
+        </p:spPr>
+        <p:txBody>
+          <a:bodyPr wrap="square" lIns="0" tIns="0" rIns="0" bIns="0" rtlCol="0">
+            <a:spAutoFit/>
+          </a:bodyPr>
+          <a:lstStyle>
+            <a:defPPr>
+              <a:defRPr lang="en-US"/>
+            </a:defPPr>
+            <a:lvl1pPr algn="r">
+              <a:defRPr sz="1400">
+                <a:solidFill>
+                  <a:srgbClr val="0070C0"/>
+                </a:solidFill>
+              </a:defRPr>
+            </a:lvl1pPr>
+          </a:lstStyle>
+          <a:p>
+            <a:pPr algn="ctr"/>
+            <a:r>
+              <a:rPr lang="en-US" dirty="0"/>
+              <a:t>res</a:t>
+            </a:r>
+          </a:p>
+        </p:txBody>
+      </p:sp>
+      <p:cxnSp>
+        <p:nvCxnSpPr>
+          <p:cNvPr id="229" name="Straight Arrow Connector 228">
+            <a:extLst>
+              <a:ext uri="{FF2B5EF4-FFF2-40B4-BE49-F238E27FC236}">
+                <a16:creationId xmlns:a16="http://schemas.microsoft.com/office/drawing/2014/main" id="{674D795D-BE64-4C23-AB6B-8581B1948790}"/>
+              </a:ext>
+            </a:extLst>
+          </p:cNvPr>
+          <p:cNvCxnSpPr>
+            <a:cxnSpLocks/>
+          </p:cNvCxnSpPr>
+          <p:nvPr/>
+        </p:nvCxnSpPr>
+        <p:spPr>
+          <a:xfrm>
+            <a:off x="7489393" y="8425721"/>
+            <a:ext cx="323488" cy="0"/>
+          </a:xfrm>
+          <a:prstGeom prst="straightConnector1">
+            <a:avLst/>
+          </a:prstGeom>
+          <a:ln w="19050">
+            <a:solidFill>
+              <a:srgbClr val="0070C0"/>
+            </a:solidFill>
+            <a:tailEnd type="arrow"/>
+          </a:ln>
+        </p:spPr>
+        <p:style>
+          <a:lnRef idx="1">
+            <a:schemeClr val="accent1"/>
+          </a:lnRef>
+          <a:fillRef idx="0">
+            <a:schemeClr val="accent1"/>
+          </a:fillRef>
+          <a:effectRef idx="0">
+            <a:schemeClr val="accent1"/>
+          </a:effectRef>
+          <a:fontRef idx="minor">
+            <a:schemeClr val="tx1"/>
+          </a:fontRef>
+        </p:style>
+      </p:cxnSp>
+      <p:cxnSp>
+        <p:nvCxnSpPr>
           <p:cNvPr id="250" name="Straight Arrow Connector 249">
             <a:extLst>
               <a:ext uri="{FF2B5EF4-FFF2-40B4-BE49-F238E27FC236}">
@@ -3580,8 +5267,8 @@
         </p:nvCxnSpPr>
         <p:spPr>
           <a:xfrm>
-            <a:off x="7484933" y="4508844"/>
-            <a:ext cx="5493329" cy="0"/>
+            <a:off x="7489393" y="7833760"/>
+            <a:ext cx="5276488" cy="0"/>
           </a:xfrm>
           <a:prstGeom prst="straightConnector1">
             <a:avLst/>
@@ -3624,7 +5311,7 @@
         </p:nvCxnSpPr>
         <p:spPr>
           <a:xfrm>
-            <a:off x="9743270" y="3967385"/>
+            <a:off x="9831436" y="7292301"/>
             <a:ext cx="1488227" cy="1"/>
           </a:xfrm>
           <a:prstGeom prst="straightConnector1">
@@ -3655,73 +5342,30 @@
           </a:fontRef>
         </p:style>
       </p:cxnSp>
-      <p:cxnSp>
-        <p:nvCxnSpPr>
-          <p:cNvPr id="85" name="Straight Connector 84">
-            <a:extLst>
-              <a:ext uri="{FF2B5EF4-FFF2-40B4-BE49-F238E27FC236}">
-                <a16:creationId xmlns:a16="http://schemas.microsoft.com/office/drawing/2014/main" id="{F5D40B4E-6F99-47B3-8A21-87ADCD716B5B}"/>
-              </a:ext>
-            </a:extLst>
-          </p:cNvPr>
-          <p:cNvCxnSpPr>
-            <a:cxnSpLocks/>
-            <a:stCxn id="73" idx="2"/>
-            <a:endCxn id="94" idx="0"/>
-          </p:cNvCxnSpPr>
-          <p:nvPr/>
-        </p:nvCxnSpPr>
-        <p:spPr>
-          <a:xfrm flipH="1">
-            <a:off x="7411447" y="2634381"/>
-            <a:ext cx="1077" cy="3238662"/>
-          </a:xfrm>
-          <a:prstGeom prst="line">
-            <a:avLst/>
-          </a:prstGeom>
-          <a:ln w="19050">
-            <a:solidFill>
-              <a:srgbClr val="0070C0"/>
-            </a:solidFill>
-            <a:prstDash val="sysDash"/>
-          </a:ln>
-          <a:effectLst/>
-        </p:spPr>
-        <p:style>
-          <a:lnRef idx="1">
-            <a:schemeClr val="accent1"/>
-          </a:lnRef>
-          <a:fillRef idx="2">
-            <a:schemeClr val="accent1"/>
-          </a:fillRef>
-          <a:effectRef idx="1">
-            <a:schemeClr val="accent1"/>
-          </a:effectRef>
-          <a:fontRef idx="minor">
-            <a:schemeClr val="dk1"/>
-          </a:fontRef>
-        </p:style>
-      </p:cxnSp>
-      <p:sp>
-        <p:nvSpPr>
-          <p:cNvPr id="2" name="Rectangle 62"/>
+      <p:sp>
+        <p:nvSpPr>
+          <p:cNvPr id="84" name="Rectangle 62"/>
           <p:cNvSpPr/>
           <p:nvPr/>
         </p:nvSpPr>
         <p:spPr>
           <a:xfrm>
-            <a:off x="902709" y="679193"/>
-            <a:ext cx="1455628" cy="346760"/>
+            <a:off x="10969456" y="6009360"/>
+            <a:ext cx="805824" cy="335427"/>
           </a:xfrm>
           <a:prstGeom prst="rect">
             <a:avLst/>
           </a:prstGeom>
           <a:solidFill>
-            <a:srgbClr val="0070C0"/>
+            <a:schemeClr val="bg1">
+              <a:lumMod val="75000"/>
+            </a:schemeClr>
           </a:solidFill>
           <a:ln w="19050">
             <a:solidFill>
-              <a:srgbClr val="0070C0"/>
+              <a:schemeClr val="bg1">
+                <a:lumMod val="75000"/>
+              </a:schemeClr>
             </a:solidFill>
           </a:ln>
           <a:effectLst/>
@@ -3748,725 +5392,6 @@
             <a:r>
               <a:rPr lang="en-US" sz="1600" dirty="0">
                 <a:solidFill>
-                  <a:schemeClr val="bg1"/>
-                </a:solidFill>
-              </a:rPr>
-              <a:t>:LogicManager</a:t>
-            </a:r>
-            <a:endParaRPr lang="en-SG" sz="1600" dirty="0">
-              <a:solidFill>
-                <a:schemeClr val="bg1"/>
-              </a:solidFill>
-            </a:endParaRPr>
-          </a:p>
-        </p:txBody>
-      </p:sp>
-      <p:cxnSp>
-        <p:nvCxnSpPr>
-          <p:cNvPr id="5" name="Straight Connector 4"/>
-          <p:cNvCxnSpPr>
-            <a:cxnSpLocks/>
-          </p:cNvCxnSpPr>
-          <p:nvPr/>
-        </p:nvCxnSpPr>
-        <p:spPr>
-          <a:xfrm>
-            <a:off x="1630515" y="1042869"/>
-            <a:ext cx="0" cy="5149910"/>
-          </a:xfrm>
-          <a:prstGeom prst="line">
-            <a:avLst/>
-          </a:prstGeom>
-          <a:ln w="19050">
-            <a:solidFill>
-              <a:srgbClr val="0070C0"/>
-            </a:solidFill>
-            <a:prstDash val="sysDash"/>
-          </a:ln>
-          <a:effectLst/>
-        </p:spPr>
-        <p:style>
-          <a:lnRef idx="1">
-            <a:schemeClr val="accent1"/>
-          </a:lnRef>
-          <a:fillRef idx="2">
-            <a:schemeClr val="accent1"/>
-          </a:fillRef>
-          <a:effectRef idx="1">
-            <a:schemeClr val="accent1"/>
-          </a:effectRef>
-          <a:fontRef idx="minor">
-            <a:schemeClr val="dk1"/>
-          </a:fontRef>
-        </p:style>
-      </p:cxnSp>
-      <p:sp>
-        <p:nvSpPr>
-          <p:cNvPr id="6" name="Rectangle 5"/>
-          <p:cNvSpPr/>
-          <p:nvPr/>
-        </p:nvSpPr>
-        <p:spPr>
-          <a:xfrm>
-            <a:off x="1558507" y="1393564"/>
-            <a:ext cx="152400" cy="4418214"/>
-          </a:xfrm>
-          <a:prstGeom prst="rect">
-            <a:avLst/>
-          </a:prstGeom>
-          <a:solidFill>
-            <a:srgbClr val="0070C0"/>
-          </a:solidFill>
-          <a:ln>
-            <a:solidFill>
-              <a:srgbClr val="0070C0"/>
-            </a:solidFill>
-          </a:ln>
-          <a:effectLst/>
-        </p:spPr>
-        <p:style>
-          <a:lnRef idx="1">
-            <a:schemeClr val="accent3"/>
-          </a:lnRef>
-          <a:fillRef idx="2">
-            <a:schemeClr val="accent3"/>
-          </a:fillRef>
-          <a:effectRef idx="1">
-            <a:schemeClr val="accent3"/>
-          </a:effectRef>
-          <a:fontRef idx="minor">
-            <a:schemeClr val="dk1"/>
-          </a:fontRef>
-        </p:style>
-        <p:txBody>
-          <a:bodyPr rtlCol="0" anchor="ctr"/>
-          <a:lstStyle/>
-          <a:p>
-            <a:pPr algn="ctr"/>
-            <a:endParaRPr lang="en-SG" sz="1400"/>
-          </a:p>
-        </p:txBody>
-      </p:sp>
-      <p:sp>
-        <p:nvSpPr>
-          <p:cNvPr id="16" name="Rectangle 62"/>
-          <p:cNvSpPr/>
-          <p:nvPr/>
-        </p:nvSpPr>
-        <p:spPr>
-          <a:xfrm>
-            <a:off x="3456747" y="558268"/>
-            <a:ext cx="1155721" cy="467684"/>
-          </a:xfrm>
-          <a:prstGeom prst="rect">
-            <a:avLst/>
-          </a:prstGeom>
-          <a:solidFill>
-            <a:srgbClr val="0070C0"/>
-          </a:solidFill>
-          <a:ln w="19050">
-            <a:solidFill>
-              <a:srgbClr val="0070C0"/>
-            </a:solidFill>
-          </a:ln>
-          <a:effectLst/>
-        </p:spPr>
-        <p:style>
-          <a:lnRef idx="1">
-            <a:schemeClr val="accent2"/>
-          </a:lnRef>
-          <a:fillRef idx="2">
-            <a:schemeClr val="accent2"/>
-          </a:fillRef>
-          <a:effectRef idx="1">
-            <a:schemeClr val="accent2"/>
-          </a:effectRef>
-          <a:fontRef idx="minor">
-            <a:schemeClr val="dk1"/>
-          </a:fontRef>
-        </p:style>
-        <p:txBody>
-          <a:bodyPr rtlCol="0" anchor="ctr"/>
-          <a:lstStyle/>
-          <a:p>
-            <a:pPr algn="ctr"/>
-            <a:r>
-              <a:rPr lang="en-US" sz="1600">
-                <a:solidFill>
-                  <a:schemeClr val="bg1"/>
-                </a:solidFill>
-              </a:rPr>
-              <a:t>:BattleshipParser</a:t>
-            </a:r>
-            <a:endParaRPr lang="en-SG" sz="1600" dirty="0">
-              <a:solidFill>
-                <a:schemeClr val="bg1"/>
-              </a:solidFill>
-            </a:endParaRPr>
-          </a:p>
-        </p:txBody>
-      </p:sp>
-      <p:cxnSp>
-        <p:nvCxnSpPr>
-          <p:cNvPr id="17" name="Straight Connector 16"/>
-          <p:cNvCxnSpPr>
-            <a:cxnSpLocks/>
-          </p:cNvCxnSpPr>
-          <p:nvPr/>
-        </p:nvCxnSpPr>
-        <p:spPr>
-          <a:xfrm>
-            <a:off x="4070143" y="1042867"/>
-            <a:ext cx="0" cy="2160660"/>
-          </a:xfrm>
-          <a:prstGeom prst="line">
-            <a:avLst/>
-          </a:prstGeom>
-          <a:ln w="19050">
-            <a:solidFill>
-              <a:srgbClr val="0070C0"/>
-            </a:solidFill>
-            <a:prstDash val="sysDash"/>
-          </a:ln>
-          <a:effectLst/>
-        </p:spPr>
-        <p:style>
-          <a:lnRef idx="1">
-            <a:schemeClr val="accent1"/>
-          </a:lnRef>
-          <a:fillRef idx="2">
-            <a:schemeClr val="accent1"/>
-          </a:fillRef>
-          <a:effectRef idx="1">
-            <a:schemeClr val="accent1"/>
-          </a:effectRef>
-          <a:fontRef idx="minor">
-            <a:schemeClr val="dk1"/>
-          </a:fontRef>
-        </p:style>
-      </p:cxnSp>
-      <p:sp>
-        <p:nvSpPr>
-          <p:cNvPr id="18" name="Rectangle 17"/>
-          <p:cNvSpPr/>
-          <p:nvPr/>
-        </p:nvSpPr>
-        <p:spPr>
-          <a:xfrm>
-            <a:off x="3998138" y="1501064"/>
-            <a:ext cx="154408" cy="1434579"/>
-          </a:xfrm>
-          <a:prstGeom prst="rect">
-            <a:avLst/>
-          </a:prstGeom>
-          <a:solidFill>
-            <a:srgbClr val="0070C0"/>
-          </a:solidFill>
-          <a:ln>
-            <a:solidFill>
-              <a:srgbClr val="0070C0"/>
-            </a:solidFill>
-          </a:ln>
-          <a:effectLst/>
-        </p:spPr>
-        <p:style>
-          <a:lnRef idx="1">
-            <a:schemeClr val="accent3"/>
-          </a:lnRef>
-          <a:fillRef idx="2">
-            <a:schemeClr val="accent3"/>
-          </a:fillRef>
-          <a:effectRef idx="1">
-            <a:schemeClr val="accent3"/>
-          </a:effectRef>
-          <a:fontRef idx="minor">
-            <a:schemeClr val="dk1"/>
-          </a:fontRef>
-        </p:style>
-        <p:txBody>
-          <a:bodyPr rtlCol="0" anchor="ctr"/>
-          <a:lstStyle/>
-          <a:p>
-            <a:pPr algn="ctr"/>
-            <a:endParaRPr lang="en-SG" sz="1400"/>
-          </a:p>
-        </p:txBody>
-      </p:sp>
-      <p:cxnSp>
-        <p:nvCxnSpPr>
-          <p:cNvPr id="20" name="Straight Connector 19"/>
-          <p:cNvCxnSpPr>
-            <a:cxnSpLocks/>
-            <a:stCxn id="21" idx="0"/>
-          </p:cNvCxnSpPr>
-          <p:nvPr/>
-        </p:nvCxnSpPr>
-        <p:spPr>
-          <a:xfrm>
-            <a:off x="5621639" y="1748891"/>
-            <a:ext cx="0" cy="1389503"/>
-          </a:xfrm>
-          <a:prstGeom prst="line">
-            <a:avLst/>
-          </a:prstGeom>
-          <a:ln w="19050">
-            <a:solidFill>
-              <a:srgbClr val="0070C0"/>
-            </a:solidFill>
-            <a:prstDash val="sysDash"/>
-          </a:ln>
-          <a:effectLst/>
-        </p:spPr>
-        <p:style>
-          <a:lnRef idx="1">
-            <a:schemeClr val="accent1"/>
-          </a:lnRef>
-          <a:fillRef idx="2">
-            <a:schemeClr val="accent1"/>
-          </a:fillRef>
-          <a:effectRef idx="1">
-            <a:schemeClr val="accent1"/>
-          </a:effectRef>
-          <a:fontRef idx="minor">
-            <a:schemeClr val="dk1"/>
-          </a:fontRef>
-        </p:style>
-      </p:cxnSp>
-      <p:sp>
-        <p:nvSpPr>
-          <p:cNvPr id="21" name="Rectangle 20"/>
-          <p:cNvSpPr/>
-          <p:nvPr/>
-        </p:nvSpPr>
-        <p:spPr>
-          <a:xfrm>
-            <a:off x="5545439" y="1748892"/>
-            <a:ext cx="152400" cy="276003"/>
-          </a:xfrm>
-          <a:prstGeom prst="rect">
-            <a:avLst/>
-          </a:prstGeom>
-          <a:solidFill>
-            <a:srgbClr val="0070C0"/>
-          </a:solidFill>
-          <a:ln>
-            <a:solidFill>
-              <a:srgbClr val="0070C0"/>
-            </a:solidFill>
-          </a:ln>
-          <a:effectLst/>
-        </p:spPr>
-        <p:style>
-          <a:lnRef idx="1">
-            <a:schemeClr val="accent3"/>
-          </a:lnRef>
-          <a:fillRef idx="2">
-            <a:schemeClr val="accent3"/>
-          </a:fillRef>
-          <a:effectRef idx="1">
-            <a:schemeClr val="accent3"/>
-          </a:effectRef>
-          <a:fontRef idx="minor">
-            <a:schemeClr val="dk1"/>
-          </a:fontRef>
-        </p:style>
-        <p:txBody>
-          <a:bodyPr rtlCol="0" anchor="ctr"/>
-          <a:lstStyle/>
-          <a:p>
-            <a:pPr algn="ctr"/>
-            <a:endParaRPr lang="en-SG" sz="1400"/>
-          </a:p>
-        </p:txBody>
-      </p:sp>
-      <p:cxnSp>
-        <p:nvCxnSpPr>
-          <p:cNvPr id="23" name="Straight Arrow Connector 22"/>
-          <p:cNvCxnSpPr>
-            <a:cxnSpLocks/>
-          </p:cNvCxnSpPr>
-          <p:nvPr/>
-        </p:nvCxnSpPr>
-        <p:spPr>
-          <a:xfrm>
-            <a:off x="438669" y="1397245"/>
-            <a:ext cx="1119851" cy="0"/>
-          </a:xfrm>
-          <a:prstGeom prst="straightConnector1">
-            <a:avLst/>
-          </a:prstGeom>
-          <a:ln w="19050">
-            <a:solidFill>
-              <a:srgbClr val="0070C0"/>
-            </a:solidFill>
-            <a:tailEnd type="arrow"/>
-          </a:ln>
-        </p:spPr>
-        <p:style>
-          <a:lnRef idx="1">
-            <a:schemeClr val="accent1"/>
-          </a:lnRef>
-          <a:fillRef idx="0">
-            <a:schemeClr val="accent1"/>
-          </a:fillRef>
-          <a:effectRef idx="0">
-            <a:schemeClr val="accent1"/>
-          </a:effectRef>
-          <a:fontRef idx="minor">
-            <a:schemeClr val="tx1"/>
-          </a:fontRef>
-        </p:style>
-      </p:cxnSp>
-      <p:sp>
-        <p:nvSpPr>
-          <p:cNvPr id="26" name="TextBox 25"/>
-          <p:cNvSpPr txBox="1"/>
-          <p:nvPr/>
-        </p:nvSpPr>
-        <p:spPr>
-          <a:xfrm>
-            <a:off x="159441" y="1125847"/>
-            <a:ext cx="1323065" cy="215444"/>
-          </a:xfrm>
-          <a:prstGeom prst="rect">
-            <a:avLst/>
-          </a:prstGeom>
-          <a:noFill/>
-        </p:spPr>
-        <p:txBody>
-          <a:bodyPr wrap="square" lIns="0" tIns="0" rIns="0" bIns="0" rtlCol="0">
-            <a:spAutoFit/>
-          </a:bodyPr>
-          <a:lstStyle/>
-          <a:p>
-            <a:pPr algn="r"/>
-            <a:r>
-              <a:rPr lang="en-US" sz="1400" dirty="0">
-                <a:solidFill>
-                  <a:srgbClr val="0070C0"/>
-                </a:solidFill>
-              </a:rPr>
-              <a:t>execute(“</a:t>
-            </a:r>
-            <a:r>
-              <a:rPr lang="en-US" sz="1400" dirty="0" err="1">
-                <a:solidFill>
-                  <a:srgbClr val="0070C0"/>
-                </a:solidFill>
-              </a:rPr>
-              <a:t>init</a:t>
-            </a:r>
-            <a:r>
-              <a:rPr lang="en-US" sz="1400" dirty="0">
-                <a:solidFill>
-                  <a:srgbClr val="0070C0"/>
-                </a:solidFill>
-              </a:rPr>
-              <a:t> 10”)</a:t>
-            </a:r>
-          </a:p>
-        </p:txBody>
-      </p:sp>
-      <p:cxnSp>
-        <p:nvCxnSpPr>
-          <p:cNvPr id="28" name="Straight Arrow Connector 27"/>
-          <p:cNvCxnSpPr>
-            <a:cxnSpLocks/>
-          </p:cNvCxnSpPr>
-          <p:nvPr/>
-        </p:nvCxnSpPr>
-        <p:spPr>
-          <a:xfrm flipV="1">
-            <a:off x="4162647" y="1620293"/>
-            <a:ext cx="668888" cy="1"/>
-          </a:xfrm>
-          <a:prstGeom prst="straightConnector1">
-            <a:avLst/>
-          </a:prstGeom>
-          <a:ln w="19050">
-            <a:solidFill>
-              <a:srgbClr val="0070C0"/>
-            </a:solidFill>
-            <a:tailEnd type="arrow"/>
-          </a:ln>
-        </p:spPr>
-        <p:style>
-          <a:lnRef idx="1">
-            <a:schemeClr val="accent1"/>
-          </a:lnRef>
-          <a:fillRef idx="0">
-            <a:schemeClr val="accent1"/>
-          </a:fillRef>
-          <a:effectRef idx="0">
-            <a:schemeClr val="accent1"/>
-          </a:effectRef>
-          <a:fontRef idx="minor">
-            <a:schemeClr val="tx1"/>
-          </a:fontRef>
-        </p:style>
-      </p:cxnSp>
-      <p:sp>
-        <p:nvSpPr>
-          <p:cNvPr id="29" name="TextBox 28"/>
-          <p:cNvSpPr txBox="1"/>
-          <p:nvPr/>
-        </p:nvSpPr>
-        <p:spPr>
-          <a:xfrm>
-            <a:off x="4243526" y="3110757"/>
-            <a:ext cx="855808" cy="215444"/>
-          </a:xfrm>
-          <a:prstGeom prst="rect">
-            <a:avLst/>
-          </a:prstGeom>
-          <a:noFill/>
-        </p:spPr>
-        <p:txBody>
-          <a:bodyPr wrap="square" lIns="0" tIns="0" rIns="0" bIns="0" rtlCol="0">
-            <a:spAutoFit/>
-          </a:bodyPr>
-          <a:lstStyle>
-            <a:defPPr>
-              <a:defRPr lang="en-US"/>
-            </a:defPPr>
-            <a:lvl1pPr algn="r">
-              <a:defRPr sz="1400">
-                <a:solidFill>
-                  <a:srgbClr val="0070C0"/>
-                </a:solidFill>
-              </a:defRPr>
-            </a:lvl1pPr>
-          </a:lstStyle>
-          <a:p>
-            <a:r>
-              <a:rPr lang="en-US" dirty="0"/>
-              <a:t>execute()</a:t>
-            </a:r>
-          </a:p>
-        </p:txBody>
-      </p:sp>
-      <p:cxnSp>
-        <p:nvCxnSpPr>
-          <p:cNvPr id="34" name="Straight Arrow Connector 33"/>
-          <p:cNvCxnSpPr>
-            <a:cxnSpLocks/>
-          </p:cNvCxnSpPr>
-          <p:nvPr/>
-        </p:nvCxnSpPr>
-        <p:spPr>
-          <a:xfrm>
-            <a:off x="4138477" y="2024895"/>
-            <a:ext cx="1414408" cy="0"/>
-          </a:xfrm>
-          <a:prstGeom prst="straightConnector1">
-            <a:avLst/>
-          </a:prstGeom>
-          <a:ln w="19050">
-            <a:solidFill>
-              <a:srgbClr val="0070C0"/>
-            </a:solidFill>
-            <a:prstDash val="sysDash"/>
-            <a:headEnd type="arrow" w="med" len="med"/>
-            <a:tailEnd type="none" w="med" len="med"/>
-          </a:ln>
-        </p:spPr>
-        <p:style>
-          <a:lnRef idx="1">
-            <a:schemeClr val="accent1"/>
-          </a:lnRef>
-          <a:fillRef idx="0">
-            <a:schemeClr val="accent1"/>
-          </a:fillRef>
-          <a:effectRef idx="0">
-            <a:schemeClr val="accent1"/>
-          </a:effectRef>
-          <a:fontRef idx="minor">
-            <a:schemeClr val="tx1"/>
-          </a:fontRef>
-        </p:style>
-      </p:cxnSp>
-      <p:cxnSp>
-        <p:nvCxnSpPr>
-          <p:cNvPr id="35" name="Straight Arrow Connector 34"/>
-          <p:cNvCxnSpPr>
-            <a:cxnSpLocks/>
-          </p:cNvCxnSpPr>
-          <p:nvPr/>
-        </p:nvCxnSpPr>
-        <p:spPr>
-          <a:xfrm>
-            <a:off x="1710907" y="2938013"/>
-            <a:ext cx="2287233" cy="0"/>
-          </a:xfrm>
-          <a:prstGeom prst="straightConnector1">
-            <a:avLst/>
-          </a:prstGeom>
-          <a:ln w="19050">
-            <a:solidFill>
-              <a:srgbClr val="0070C0"/>
-            </a:solidFill>
-            <a:prstDash val="sysDash"/>
-            <a:headEnd type="arrow" w="med" len="med"/>
-            <a:tailEnd type="none" w="med" len="med"/>
-          </a:ln>
-        </p:spPr>
-        <p:style>
-          <a:lnRef idx="1">
-            <a:schemeClr val="accent1"/>
-          </a:lnRef>
-          <a:fillRef idx="0">
-            <a:schemeClr val="accent1"/>
-          </a:fillRef>
-          <a:effectRef idx="0">
-            <a:schemeClr val="accent1"/>
-          </a:effectRef>
-          <a:fontRef idx="minor">
-            <a:schemeClr val="tx1"/>
-          </a:fontRef>
-        </p:style>
-      </p:cxnSp>
-      <p:cxnSp>
-        <p:nvCxnSpPr>
-          <p:cNvPr id="37" name="Straight Arrow Connector 36"/>
-          <p:cNvCxnSpPr>
-            <a:cxnSpLocks/>
-          </p:cNvCxnSpPr>
-          <p:nvPr/>
-        </p:nvCxnSpPr>
-        <p:spPr>
-          <a:xfrm>
-            <a:off x="362459" y="5811776"/>
-            <a:ext cx="1196051" cy="0"/>
-          </a:xfrm>
-          <a:prstGeom prst="straightConnector1">
-            <a:avLst/>
-          </a:prstGeom>
-          <a:ln w="19050">
-            <a:solidFill>
-              <a:schemeClr val="accent1"/>
-            </a:solidFill>
-            <a:prstDash val="sysDash"/>
-            <a:headEnd type="arrow" w="med" len="med"/>
-            <a:tailEnd type="none" w="med" len="med"/>
-          </a:ln>
-        </p:spPr>
-        <p:style>
-          <a:lnRef idx="1">
-            <a:schemeClr val="accent1"/>
-          </a:lnRef>
-          <a:fillRef idx="0">
-            <a:schemeClr val="accent1"/>
-          </a:fillRef>
-          <a:effectRef idx="0">
-            <a:schemeClr val="accent1"/>
-          </a:effectRef>
-          <a:fontRef idx="minor">
-            <a:schemeClr val="tx1"/>
-          </a:fontRef>
-        </p:style>
-      </p:cxnSp>
-      <p:sp>
-        <p:nvSpPr>
-          <p:cNvPr id="80" name="TextBox 79"/>
-          <p:cNvSpPr txBox="1"/>
-          <p:nvPr/>
-        </p:nvSpPr>
-        <p:spPr>
-          <a:xfrm>
-            <a:off x="1904756" y="1241398"/>
-            <a:ext cx="1899551" cy="215444"/>
-          </a:xfrm>
-          <a:prstGeom prst="rect">
-            <a:avLst/>
-          </a:prstGeom>
-          <a:noFill/>
-        </p:spPr>
-        <p:txBody>
-          <a:bodyPr wrap="square" lIns="0" tIns="0" rIns="0" bIns="0" rtlCol="0">
-            <a:spAutoFit/>
-          </a:bodyPr>
-          <a:lstStyle>
-            <a:defPPr>
-              <a:defRPr lang="en-US"/>
-            </a:defPPr>
-            <a:lvl1pPr algn="r">
-              <a:defRPr sz="1400">
-                <a:solidFill>
-                  <a:srgbClr val="0070C0"/>
-                </a:solidFill>
-              </a:defRPr>
-            </a:lvl1pPr>
-          </a:lstStyle>
-          <a:p>
-            <a:r>
-              <a:rPr lang="en-US" dirty="0" err="1"/>
-              <a:t>parseCommand</a:t>
-            </a:r>
-            <a:r>
-              <a:rPr lang="en-US" dirty="0"/>
-              <a:t>(“</a:t>
-            </a:r>
-            <a:r>
-              <a:rPr lang="en-US" dirty="0" err="1"/>
-              <a:t>init</a:t>
-            </a:r>
-            <a:r>
-              <a:rPr lang="en-US" dirty="0"/>
-              <a:t> 10”)</a:t>
-            </a:r>
-          </a:p>
-        </p:txBody>
-      </p:sp>
-      <p:sp>
-        <p:nvSpPr>
-          <p:cNvPr id="84" name="Rectangle 62"/>
-          <p:cNvSpPr/>
-          <p:nvPr/>
-        </p:nvSpPr>
-        <p:spPr>
-          <a:xfrm>
-            <a:off x="10546264" y="2684444"/>
-            <a:ext cx="1475876" cy="335427"/>
-          </a:xfrm>
-          <a:prstGeom prst="rect">
-            <a:avLst/>
-          </a:prstGeom>
-          <a:solidFill>
-            <a:schemeClr val="bg1">
-              <a:lumMod val="75000"/>
-            </a:schemeClr>
-          </a:solidFill>
-          <a:ln w="19050">
-            <a:solidFill>
-              <a:schemeClr val="bg1">
-                <a:lumMod val="75000"/>
-              </a:schemeClr>
-            </a:solidFill>
-          </a:ln>
-          <a:effectLst/>
-        </p:spPr>
-        <p:style>
-          <a:lnRef idx="1">
-            <a:schemeClr val="accent2"/>
-          </a:lnRef>
-          <a:fillRef idx="2">
-            <a:schemeClr val="accent2"/>
-          </a:fillRef>
-          <a:effectRef idx="1">
-            <a:schemeClr val="accent2"/>
-          </a:effectRef>
-          <a:fontRef idx="minor">
-            <a:schemeClr val="dk1"/>
-          </a:fontRef>
-        </p:style>
-        <p:txBody>
-          <a:bodyPr rtlCol="0" anchor="ctr"/>
-          <a:lstStyle/>
-          <a:p>
-            <a:pPr algn="ctr"/>
-            <a:r>
-              <a:rPr lang="en-US" sz="1600" dirty="0">
-                <a:solidFill>
                   <a:schemeClr val="tx1"/>
                 </a:solidFill>
               </a:rPr>
@@ -4488,7 +5413,7 @@
         </p:nvSpPr>
         <p:spPr>
           <a:xfrm>
-            <a:off x="11224312" y="3961413"/>
+            <a:off x="11312478" y="7286329"/>
             <a:ext cx="129933" cy="299071"/>
           </a:xfrm>
           <a:prstGeom prst="rect">
@@ -4541,7 +5466,7 @@
         </p:nvSpPr>
         <p:spPr>
           <a:xfrm>
-            <a:off x="9245922" y="2528950"/>
+            <a:off x="9334088" y="5853866"/>
             <a:ext cx="841636" cy="300181"/>
           </a:xfrm>
           <a:prstGeom prst="rect">
@@ -4602,8 +5527,8 @@
         </p:nvCxnSpPr>
         <p:spPr>
           <a:xfrm flipH="1">
-            <a:off x="9686620" y="2820057"/>
-            <a:ext cx="1" cy="3371739"/>
+            <a:off x="9774787" y="6144973"/>
+            <a:ext cx="1" cy="3492829"/>
           </a:xfrm>
           <a:prstGeom prst="line">
             <a:avLst/>
@@ -4639,7 +5564,7 @@
         </p:nvSpPr>
         <p:spPr>
           <a:xfrm>
-            <a:off x="9600337" y="3401742"/>
+            <a:off x="9688503" y="6726658"/>
             <a:ext cx="168896" cy="934257"/>
           </a:xfrm>
           <a:prstGeom prst="rect">
@@ -4688,8 +5613,8 @@
         </p:nvCxnSpPr>
         <p:spPr>
           <a:xfrm>
-            <a:off x="7498795" y="3413501"/>
-            <a:ext cx="2104644" cy="0"/>
+            <a:off x="7505828" y="6738417"/>
+            <a:ext cx="2185777" cy="0"/>
           </a:xfrm>
           <a:prstGeom prst="straightConnector1">
             <a:avLst/>
@@ -4699,210 +5624,6 @@
               <a:srgbClr val="7030A0"/>
             </a:solidFill>
             <a:tailEnd type="arrow"/>
-          </a:ln>
-        </p:spPr>
-        <p:style>
-          <a:lnRef idx="1">
-            <a:schemeClr val="accent1"/>
-          </a:lnRef>
-          <a:fillRef idx="0">
-            <a:schemeClr val="accent1"/>
-          </a:fillRef>
-          <a:effectRef idx="0">
-            <a:schemeClr val="accent1"/>
-          </a:effectRef>
-          <a:fontRef idx="minor">
-            <a:schemeClr val="tx1"/>
-          </a:fontRef>
-        </p:style>
-      </p:cxnSp>
-      <p:sp>
-        <p:nvSpPr>
-          <p:cNvPr id="19" name="Rectangle 62"/>
-          <p:cNvSpPr/>
-          <p:nvPr/>
-        </p:nvSpPr>
-        <p:spPr>
-          <a:xfrm>
-            <a:off x="4824421" y="1195494"/>
-            <a:ext cx="1609838" cy="578958"/>
-          </a:xfrm>
-          <a:prstGeom prst="rect">
-            <a:avLst/>
-          </a:prstGeom>
-          <a:solidFill>
-            <a:srgbClr val="0070C0"/>
-          </a:solidFill>
-          <a:ln w="19050">
-            <a:solidFill>
-              <a:srgbClr val="0070C0"/>
-            </a:solidFill>
-          </a:ln>
-          <a:effectLst/>
-        </p:spPr>
-        <p:style>
-          <a:lnRef idx="1">
-            <a:schemeClr val="accent2"/>
-          </a:lnRef>
-          <a:fillRef idx="2">
-            <a:schemeClr val="accent2"/>
-          </a:fillRef>
-          <a:effectRef idx="1">
-            <a:schemeClr val="accent2"/>
-          </a:effectRef>
-          <a:fontRef idx="minor">
-            <a:schemeClr val="dk1"/>
-          </a:fontRef>
-        </p:style>
-        <p:txBody>
-          <a:bodyPr rtlCol="0" anchor="ctr"/>
-          <a:lstStyle/>
-          <a:p>
-            <a:pPr algn="ctr"/>
-            <a:r>
-              <a:rPr lang="en-US" sz="1600" dirty="0">
-                <a:solidFill>
-                  <a:schemeClr val="bg1"/>
-                </a:solidFill>
-              </a:rPr>
-              <a:t>:InitialiseMap</a:t>
-            </a:r>
-          </a:p>
-          <a:p>
-            <a:pPr algn="ctr"/>
-            <a:r>
-              <a:rPr lang="en-US" sz="1600" dirty="0" err="1">
-                <a:solidFill>
-                  <a:schemeClr val="bg1"/>
-                </a:solidFill>
-              </a:rPr>
-              <a:t>CommandParser</a:t>
-            </a:r>
-            <a:endParaRPr lang="en-SG" sz="1600" dirty="0">
-              <a:solidFill>
-                <a:schemeClr val="bg1"/>
-              </a:solidFill>
-            </a:endParaRPr>
-          </a:p>
-        </p:txBody>
-      </p:sp>
-      <p:cxnSp>
-        <p:nvCxnSpPr>
-          <p:cNvPr id="66" name="Straight Arrow Connector 65">
-            <a:extLst>
-              <a:ext uri="{FF2B5EF4-FFF2-40B4-BE49-F238E27FC236}">
-                <a16:creationId xmlns:a16="http://schemas.microsoft.com/office/drawing/2014/main" id="{39916E2E-195A-4DC8-B025-B05FA87E6796}"/>
-              </a:ext>
-            </a:extLst>
-          </p:cNvPr>
-          <p:cNvCxnSpPr>
-            <a:cxnSpLocks/>
-          </p:cNvCxnSpPr>
-          <p:nvPr/>
-        </p:nvCxnSpPr>
-        <p:spPr>
-          <a:xfrm>
-            <a:off x="1736228" y="3327542"/>
-            <a:ext cx="5600765" cy="0"/>
-          </a:xfrm>
-          <a:prstGeom prst="straightConnector1">
-            <a:avLst/>
-          </a:prstGeom>
-          <a:ln w="19050">
-            <a:solidFill>
-              <a:srgbClr val="0070C0"/>
-            </a:solidFill>
-            <a:tailEnd type="arrow"/>
-          </a:ln>
-        </p:spPr>
-        <p:style>
-          <a:lnRef idx="1">
-            <a:schemeClr val="accent1"/>
-          </a:lnRef>
-          <a:fillRef idx="0">
-            <a:schemeClr val="accent1"/>
-          </a:fillRef>
-          <a:effectRef idx="0">
-            <a:schemeClr val="accent1"/>
-          </a:effectRef>
-          <a:fontRef idx="minor">
-            <a:schemeClr val="tx1"/>
-          </a:fontRef>
-        </p:style>
-      </p:cxnSp>
-      <p:cxnSp>
-        <p:nvCxnSpPr>
-          <p:cNvPr id="67" name="Straight Arrow Connector 66">
-            <a:extLst>
-              <a:ext uri="{FF2B5EF4-FFF2-40B4-BE49-F238E27FC236}">
-                <a16:creationId xmlns:a16="http://schemas.microsoft.com/office/drawing/2014/main" id="{D881596E-177C-4FDC-8E60-CAB90B3D5FAB}"/>
-              </a:ext>
-            </a:extLst>
-          </p:cNvPr>
-          <p:cNvCxnSpPr>
-            <a:cxnSpLocks/>
-          </p:cNvCxnSpPr>
-          <p:nvPr/>
-        </p:nvCxnSpPr>
-        <p:spPr>
-          <a:xfrm>
-            <a:off x="1640681" y="1501064"/>
-            <a:ext cx="2362200" cy="0"/>
-          </a:xfrm>
-          <a:prstGeom prst="straightConnector1">
-            <a:avLst/>
-          </a:prstGeom>
-          <a:ln w="19050">
-            <a:solidFill>
-              <a:srgbClr val="0070C0"/>
-            </a:solidFill>
-            <a:tailEnd type="arrow"/>
-          </a:ln>
-        </p:spPr>
-        <p:style>
-          <a:lnRef idx="1">
-            <a:schemeClr val="accent1"/>
-          </a:lnRef>
-          <a:fillRef idx="0">
-            <a:schemeClr val="accent1"/>
-          </a:fillRef>
-          <a:effectRef idx="0">
-            <a:schemeClr val="accent1"/>
-          </a:effectRef>
-          <a:fontRef idx="minor">
-            <a:schemeClr val="tx1"/>
-          </a:fontRef>
-        </p:style>
-      </p:cxnSp>
-      <p:cxnSp>
-        <p:nvCxnSpPr>
-          <p:cNvPr id="69" name="Straight Arrow Connector 68">
-            <a:extLst>
-              <a:ext uri="{FF2B5EF4-FFF2-40B4-BE49-F238E27FC236}">
-                <a16:creationId xmlns:a16="http://schemas.microsoft.com/office/drawing/2014/main" id="{7C9F21BC-13A9-471F-825A-2621FD36355F}"/>
-              </a:ext>
-            </a:extLst>
-          </p:cNvPr>
-          <p:cNvCxnSpPr>
-            <a:cxnSpLocks/>
-          </p:cNvCxnSpPr>
-          <p:nvPr/>
-        </p:nvCxnSpPr>
-        <p:spPr>
-          <a:xfrm>
-            <a:off x="1710911" y="5670047"/>
-            <a:ext cx="5609190" cy="0"/>
-          </a:xfrm>
-          <a:prstGeom prst="straightConnector1">
-            <a:avLst/>
-          </a:prstGeom>
-          <a:ln w="19050">
-            <a:solidFill>
-              <a:srgbClr val="0070C0"/>
-            </a:solidFill>
-            <a:prstDash val="sysDash"/>
-            <a:headEnd type="arrow" w="med" len="med"/>
-            <a:tailEnd type="none" w="med" len="med"/>
           </a:ln>
         </p:spPr>
         <p:style>
@@ -4937,8 +5658,8 @@
         </p:nvCxnSpPr>
         <p:spPr>
           <a:xfrm>
-            <a:off x="11284201" y="3019862"/>
-            <a:ext cx="0" cy="3171928"/>
+            <a:off x="11372368" y="6344787"/>
+            <a:ext cx="0" cy="3293015"/>
           </a:xfrm>
           <a:prstGeom prst="line">
             <a:avLst/>
@@ -4977,7 +5698,7 @@
         </p:nvSpPr>
         <p:spPr>
           <a:xfrm>
-            <a:off x="9829122" y="3289794"/>
+            <a:off x="9917288" y="6614710"/>
             <a:ext cx="1326064" cy="184666"/>
           </a:xfrm>
           <a:prstGeom prst="rect">
@@ -5036,7 +5757,7 @@
         </p:nvCxnSpPr>
         <p:spPr>
           <a:xfrm>
-            <a:off x="9758643" y="3438390"/>
+            <a:off x="9846809" y="6763306"/>
             <a:ext cx="72937" cy="109922"/>
           </a:xfrm>
           <a:prstGeom prst="curvedConnector3">
@@ -5082,7 +5803,7 @@
         </p:nvCxnSpPr>
         <p:spPr>
           <a:xfrm>
-            <a:off x="9780570" y="4252724"/>
+            <a:off x="9868736" y="7577640"/>
             <a:ext cx="1450927" cy="0"/>
           </a:xfrm>
           <a:prstGeom prst="straightConnector1">
@@ -5115,109 +5836,12 @@
           </a:fontRef>
         </p:style>
       </p:cxnSp>
-      <p:cxnSp>
-        <p:nvCxnSpPr>
-          <p:cNvPr id="70" name="Straight Arrow Connector 69">
+      <p:sp>
+        <p:nvSpPr>
+          <p:cNvPr id="112" name="TextBox 111">
             <a:extLst>
               <a:ext uri="{FF2B5EF4-FFF2-40B4-BE49-F238E27FC236}">
-                <a16:creationId xmlns:a16="http://schemas.microsoft.com/office/drawing/2014/main" id="{51A78A03-963D-41D5-A96D-D610AC186B7D}"/>
-              </a:ext>
-            </a:extLst>
-          </p:cNvPr>
-          <p:cNvCxnSpPr>
-            <a:cxnSpLocks/>
-          </p:cNvCxnSpPr>
-          <p:nvPr/>
-        </p:nvCxnSpPr>
-        <p:spPr>
-          <a:xfrm flipV="1">
-            <a:off x="4139692" y="2300840"/>
-            <a:ext cx="1413193" cy="1"/>
-          </a:xfrm>
-          <a:prstGeom prst="straightConnector1">
-            <a:avLst/>
-          </a:prstGeom>
-          <a:ln w="19050">
-            <a:solidFill>
-              <a:srgbClr val="0070C0"/>
-            </a:solidFill>
-            <a:tailEnd type="arrow"/>
-          </a:ln>
-        </p:spPr>
-        <p:style>
-          <a:lnRef idx="1">
-            <a:schemeClr val="accent1"/>
-          </a:lnRef>
-          <a:fillRef idx="0">
-            <a:schemeClr val="accent1"/>
-          </a:fillRef>
-          <a:effectRef idx="0">
-            <a:schemeClr val="accent1"/>
-          </a:effectRef>
-          <a:fontRef idx="minor">
-            <a:schemeClr val="tx1"/>
-          </a:fontRef>
-        </p:style>
-      </p:cxnSp>
-      <p:sp>
-        <p:nvSpPr>
-          <p:cNvPr id="71" name="Rectangle 70">
-            <a:extLst>
-              <a:ext uri="{FF2B5EF4-FFF2-40B4-BE49-F238E27FC236}">
-                <a16:creationId xmlns:a16="http://schemas.microsoft.com/office/drawing/2014/main" id="{3A29E65C-0A9E-4AB5-8BF2-6F2BF1DB76DF}"/>
-              </a:ext>
-            </a:extLst>
-          </p:cNvPr>
-          <p:cNvSpPr/>
-          <p:nvPr/>
-        </p:nvSpPr>
-        <p:spPr>
-          <a:xfrm>
-            <a:off x="5541292" y="2292163"/>
-            <a:ext cx="156546" cy="578956"/>
-          </a:xfrm>
-          <a:prstGeom prst="rect">
-            <a:avLst/>
-          </a:prstGeom>
-          <a:solidFill>
-            <a:srgbClr val="0070C0"/>
-          </a:solidFill>
-          <a:ln>
-            <a:solidFill>
-              <a:srgbClr val="0070C0"/>
-            </a:solidFill>
-          </a:ln>
-          <a:effectLst/>
-        </p:spPr>
-        <p:style>
-          <a:lnRef idx="1">
-            <a:schemeClr val="accent3"/>
-          </a:lnRef>
-          <a:fillRef idx="2">
-            <a:schemeClr val="accent3"/>
-          </a:fillRef>
-          <a:effectRef idx="1">
-            <a:schemeClr val="accent3"/>
-          </a:effectRef>
-          <a:fontRef idx="minor">
-            <a:schemeClr val="dk1"/>
-          </a:fontRef>
-        </p:style>
-        <p:txBody>
-          <a:bodyPr rtlCol="0" anchor="ctr"/>
-          <a:lstStyle/>
-          <a:p>
-            <a:pPr algn="ctr"/>
-            <a:endParaRPr lang="en-SG" sz="1400"/>
-          </a:p>
-        </p:txBody>
-      </p:sp>
-      <p:sp>
-        <p:nvSpPr>
-          <p:cNvPr id="72" name="TextBox 71">
-            <a:extLst>
-              <a:ext uri="{FF2B5EF4-FFF2-40B4-BE49-F238E27FC236}">
-                <a16:creationId xmlns:a16="http://schemas.microsoft.com/office/drawing/2014/main" id="{DA9798D2-A662-4296-8252-843468198535}"/>
+                <a16:creationId xmlns:a16="http://schemas.microsoft.com/office/drawing/2014/main" id="{DDE66C97-94DE-4F8A-8BB3-F9C3A351E7D5}"/>
               </a:ext>
             </a:extLst>
           </p:cNvPr>
@@ -5226,13 +5850,16 @@
         </p:nvSpPr>
         <p:spPr>
           <a:xfrm>
-            <a:off x="4261655" y="2076715"/>
-            <a:ext cx="1150445" cy="215444"/>
+            <a:off x="7853467" y="6470317"/>
+            <a:ext cx="1541418" cy="215444"/>
           </a:xfrm>
           <a:prstGeom prst="rect">
             <a:avLst/>
           </a:prstGeom>
           <a:noFill/>
+          <a:ln>
+            <a:noFill/>
+          </a:ln>
         </p:spPr>
         <p:txBody>
           <a:bodyPr wrap="square" lIns="0" tIns="0" rIns="0" bIns="0" rtlCol="0">
@@ -5252,331 +5879,30 @@
           </a:lstStyle>
           <a:p>
             <a:r>
-              <a:rPr lang="en-US" dirty="0"/>
-              <a:t>parse(“10”)</a:t>
-            </a:r>
-          </a:p>
-        </p:txBody>
-      </p:sp>
-      <p:cxnSp>
-        <p:nvCxnSpPr>
-          <p:cNvPr id="76" name="Straight Arrow Connector 75">
+              <a:rPr lang="en-US" dirty="0" err="1">
+                <a:solidFill>
+                  <a:srgbClr val="7030A0"/>
+                </a:solidFill>
+              </a:rPr>
+              <a:t>getHumanMapGrid</a:t>
+            </a:r>
+            <a:r>
+              <a:rPr lang="en-US" dirty="0">
+                <a:solidFill>
+                  <a:srgbClr val="7030A0"/>
+                </a:solidFill>
+              </a:rPr>
+              <a:t>()</a:t>
+            </a:r>
+          </a:p>
+        </p:txBody>
+      </p:sp>
+      <p:sp>
+        <p:nvSpPr>
+          <p:cNvPr id="115" name="TextBox 114">
             <a:extLst>
               <a:ext uri="{FF2B5EF4-FFF2-40B4-BE49-F238E27FC236}">
-                <a16:creationId xmlns:a16="http://schemas.microsoft.com/office/drawing/2014/main" id="{9171ECEE-D4A7-464C-B327-CDF3489B27FC}"/>
-              </a:ext>
-            </a:extLst>
-          </p:cNvPr>
-          <p:cNvCxnSpPr>
-            <a:cxnSpLocks/>
-            <a:endCxn id="73" idx="1"/>
-          </p:cNvCxnSpPr>
-          <p:nvPr/>
-        </p:nvCxnSpPr>
-        <p:spPr>
-          <a:xfrm>
-            <a:off x="5697838" y="2403695"/>
-            <a:ext cx="909763" cy="0"/>
-          </a:xfrm>
-          <a:prstGeom prst="straightConnector1">
-            <a:avLst/>
-          </a:prstGeom>
-          <a:ln w="19050">
-            <a:solidFill>
-              <a:srgbClr val="0070C0"/>
-            </a:solidFill>
-            <a:tailEnd type="arrow"/>
-          </a:ln>
-        </p:spPr>
-        <p:style>
-          <a:lnRef idx="1">
-            <a:schemeClr val="accent1"/>
-          </a:lnRef>
-          <a:fillRef idx="0">
-            <a:schemeClr val="accent1"/>
-          </a:fillRef>
-          <a:effectRef idx="0">
-            <a:schemeClr val="accent1"/>
-          </a:effectRef>
-          <a:fontRef idx="minor">
-            <a:schemeClr val="tx1"/>
-          </a:fontRef>
-        </p:style>
-      </p:cxnSp>
-      <p:cxnSp>
-        <p:nvCxnSpPr>
-          <p:cNvPr id="87" name="Straight Arrow Connector 86">
-            <a:extLst>
-              <a:ext uri="{FF2B5EF4-FFF2-40B4-BE49-F238E27FC236}">
-                <a16:creationId xmlns:a16="http://schemas.microsoft.com/office/drawing/2014/main" id="{25C585B1-9B63-40DC-A033-F1940D483812}"/>
-              </a:ext>
-            </a:extLst>
-          </p:cNvPr>
-          <p:cNvCxnSpPr>
-            <a:cxnSpLocks/>
-          </p:cNvCxnSpPr>
-          <p:nvPr/>
-        </p:nvCxnSpPr>
-        <p:spPr>
-          <a:xfrm>
-            <a:off x="5697838" y="2806945"/>
-            <a:ext cx="1630730" cy="0"/>
-          </a:xfrm>
-          <a:prstGeom prst="straightConnector1">
-            <a:avLst/>
-          </a:prstGeom>
-          <a:ln w="19050">
-            <a:solidFill>
-              <a:srgbClr val="0070C0"/>
-            </a:solidFill>
-            <a:prstDash val="sysDash"/>
-            <a:headEnd type="arrow" w="med" len="med"/>
-            <a:tailEnd type="none" w="med" len="med"/>
-          </a:ln>
-        </p:spPr>
-        <p:style>
-          <a:lnRef idx="1">
-            <a:schemeClr val="accent1"/>
-          </a:lnRef>
-          <a:fillRef idx="0">
-            <a:schemeClr val="accent1"/>
-          </a:fillRef>
-          <a:effectRef idx="0">
-            <a:schemeClr val="accent1"/>
-          </a:effectRef>
-          <a:fontRef idx="minor">
-            <a:schemeClr val="tx1"/>
-          </a:fontRef>
-        </p:style>
-      </p:cxnSp>
-      <p:cxnSp>
-        <p:nvCxnSpPr>
-          <p:cNvPr id="90" name="Straight Arrow Connector 89">
-            <a:extLst>
-              <a:ext uri="{FF2B5EF4-FFF2-40B4-BE49-F238E27FC236}">
-                <a16:creationId xmlns:a16="http://schemas.microsoft.com/office/drawing/2014/main" id="{0B2D6059-0E2F-4405-AA86-2158EDEA20DD}"/>
-              </a:ext>
-            </a:extLst>
-          </p:cNvPr>
-          <p:cNvCxnSpPr>
-            <a:cxnSpLocks/>
-          </p:cNvCxnSpPr>
-          <p:nvPr/>
-        </p:nvCxnSpPr>
-        <p:spPr>
-          <a:xfrm>
-            <a:off x="4152546" y="2871119"/>
-            <a:ext cx="1390528" cy="0"/>
-          </a:xfrm>
-          <a:prstGeom prst="straightConnector1">
-            <a:avLst/>
-          </a:prstGeom>
-          <a:ln w="19050">
-            <a:solidFill>
-              <a:srgbClr val="0070C0"/>
-            </a:solidFill>
-            <a:prstDash val="sysDash"/>
-            <a:headEnd type="arrow" w="med" len="med"/>
-            <a:tailEnd type="none" w="med" len="med"/>
-          </a:ln>
-        </p:spPr>
-        <p:style>
-          <a:lnRef idx="1">
-            <a:schemeClr val="accent1"/>
-          </a:lnRef>
-          <a:fillRef idx="0">
-            <a:schemeClr val="accent1"/>
-          </a:fillRef>
-          <a:effectRef idx="0">
-            <a:schemeClr val="accent1"/>
-          </a:effectRef>
-          <a:fontRef idx="minor">
-            <a:schemeClr val="tx1"/>
-          </a:fontRef>
-        </p:style>
-      </p:cxnSp>
-      <p:sp>
-        <p:nvSpPr>
-          <p:cNvPr id="65" name="Rectangle 64"/>
-          <p:cNvSpPr/>
-          <p:nvPr/>
-        </p:nvSpPr>
-        <p:spPr>
-          <a:xfrm>
-            <a:off x="7330787" y="3329730"/>
-            <a:ext cx="161321" cy="2339975"/>
-          </a:xfrm>
-          <a:prstGeom prst="rect">
-            <a:avLst/>
-          </a:prstGeom>
-          <a:solidFill>
-            <a:srgbClr val="0070C0"/>
-          </a:solidFill>
-          <a:ln>
-            <a:solidFill>
-              <a:srgbClr val="0070C0"/>
-            </a:solidFill>
-          </a:ln>
-          <a:effectLst/>
-        </p:spPr>
-        <p:style>
-          <a:lnRef idx="1">
-            <a:schemeClr val="accent3"/>
-          </a:lnRef>
-          <a:fillRef idx="2">
-            <a:schemeClr val="accent3"/>
-          </a:fillRef>
-          <a:effectRef idx="1">
-            <a:schemeClr val="accent3"/>
-          </a:effectRef>
-          <a:fontRef idx="minor">
-            <a:schemeClr val="dk1"/>
-          </a:fontRef>
-        </p:style>
-        <p:txBody>
-          <a:bodyPr rtlCol="0" anchor="ctr"/>
-          <a:lstStyle/>
-          <a:p>
-            <a:pPr algn="ctr"/>
-            <a:endParaRPr lang="en-SG" sz="1400"/>
-          </a:p>
-        </p:txBody>
-      </p:sp>
-      <p:sp>
-        <p:nvSpPr>
-          <p:cNvPr id="78" name="Rectangle 77">
-            <a:extLst>
-              <a:ext uri="{FF2B5EF4-FFF2-40B4-BE49-F238E27FC236}">
-                <a16:creationId xmlns:a16="http://schemas.microsoft.com/office/drawing/2014/main" id="{4819499D-51D3-4A4D-80BE-A6C45E053497}"/>
-              </a:ext>
-            </a:extLst>
-          </p:cNvPr>
-          <p:cNvSpPr/>
-          <p:nvPr/>
-        </p:nvSpPr>
-        <p:spPr>
-          <a:xfrm>
-            <a:off x="7336993" y="2637312"/>
-            <a:ext cx="152400" cy="169639"/>
-          </a:xfrm>
-          <a:prstGeom prst="rect">
-            <a:avLst/>
-          </a:prstGeom>
-          <a:solidFill>
-            <a:srgbClr val="0070C0"/>
-          </a:solidFill>
-          <a:ln>
-            <a:solidFill>
-              <a:srgbClr val="0070C0"/>
-            </a:solidFill>
-          </a:ln>
-          <a:effectLst/>
-        </p:spPr>
-        <p:style>
-          <a:lnRef idx="1">
-            <a:schemeClr val="accent3"/>
-          </a:lnRef>
-          <a:fillRef idx="2">
-            <a:schemeClr val="accent3"/>
-          </a:fillRef>
-          <a:effectRef idx="1">
-            <a:schemeClr val="accent3"/>
-          </a:effectRef>
-          <a:fontRef idx="minor">
-            <a:schemeClr val="dk1"/>
-          </a:fontRef>
-        </p:style>
-        <p:txBody>
-          <a:bodyPr rtlCol="0" anchor="ctr"/>
-          <a:lstStyle/>
-          <a:p>
-            <a:pPr algn="ctr"/>
-            <a:endParaRPr lang="en-SG" sz="1400"/>
-          </a:p>
-        </p:txBody>
-      </p:sp>
-      <p:sp>
-        <p:nvSpPr>
-          <p:cNvPr id="73" name="Rectangle 62">
-            <a:extLst>
-              <a:ext uri="{FF2B5EF4-FFF2-40B4-BE49-F238E27FC236}">
-                <a16:creationId xmlns:a16="http://schemas.microsoft.com/office/drawing/2014/main" id="{6BE0EE90-E7A8-43C8-A9B8-904835775906}"/>
-              </a:ext>
-            </a:extLst>
-          </p:cNvPr>
-          <p:cNvSpPr/>
-          <p:nvPr/>
-        </p:nvSpPr>
-        <p:spPr>
-          <a:xfrm>
-            <a:off x="6607601" y="2173009"/>
-            <a:ext cx="1609838" cy="461372"/>
-          </a:xfrm>
-          <a:prstGeom prst="rect">
-            <a:avLst/>
-          </a:prstGeom>
-          <a:solidFill>
-            <a:srgbClr val="0070C0"/>
-          </a:solidFill>
-          <a:ln w="19050">
-            <a:solidFill>
-              <a:srgbClr val="0070C0"/>
-            </a:solidFill>
-          </a:ln>
-          <a:effectLst/>
-        </p:spPr>
-        <p:style>
-          <a:lnRef idx="1">
-            <a:schemeClr val="accent2"/>
-          </a:lnRef>
-          <a:fillRef idx="2">
-            <a:schemeClr val="accent2"/>
-          </a:fillRef>
-          <a:effectRef idx="1">
-            <a:schemeClr val="accent2"/>
-          </a:effectRef>
-          <a:fontRef idx="minor">
-            <a:schemeClr val="dk1"/>
-          </a:fontRef>
-        </p:style>
-        <p:txBody>
-          <a:bodyPr rtlCol="0" anchor="ctr"/>
-          <a:lstStyle/>
-          <a:p>
-            <a:pPr algn="ctr"/>
-            <a:r>
-              <a:rPr lang="en-US" sz="1600" dirty="0">
-                <a:solidFill>
-                  <a:schemeClr val="bg1"/>
-                </a:solidFill>
-              </a:rPr>
-              <a:t>:InitialiseMap</a:t>
-            </a:r>
-          </a:p>
-          <a:p>
-            <a:pPr algn="ctr"/>
-            <a:r>
-              <a:rPr lang="en-US" sz="1600" dirty="0">
-                <a:solidFill>
-                  <a:schemeClr val="bg1"/>
-                </a:solidFill>
-              </a:rPr>
-              <a:t>Command</a:t>
-            </a:r>
-            <a:endParaRPr lang="en-SG" sz="1600" dirty="0">
-              <a:solidFill>
-                <a:schemeClr val="bg1"/>
-              </a:solidFill>
-            </a:endParaRPr>
-          </a:p>
-        </p:txBody>
-      </p:sp>
-      <p:sp>
-        <p:nvSpPr>
-          <p:cNvPr id="94" name="TextBox 93">
-            <a:extLst>
-              <a:ext uri="{FF2B5EF4-FFF2-40B4-BE49-F238E27FC236}">
-                <a16:creationId xmlns:a16="http://schemas.microsoft.com/office/drawing/2014/main" id="{BBF0726A-3E70-488A-9417-D9F80DCD7B1A}"/>
+                <a16:creationId xmlns:a16="http://schemas.microsoft.com/office/drawing/2014/main" id="{A888AC27-8326-4037-A9D6-949620624BC5}"/>
               </a:ext>
             </a:extLst>
           </p:cNvPr>
@@ -5585,47 +5911,8 @@
         </p:nvSpPr>
         <p:spPr>
           <a:xfrm>
-            <a:off x="7282242" y="5873043"/>
-            <a:ext cx="258402" cy="261482"/>
-          </a:xfrm>
-          <a:prstGeom prst="rect">
-            <a:avLst/>
-          </a:prstGeom>
-          <a:noFill/>
-        </p:spPr>
-        <p:txBody>
-          <a:bodyPr wrap="square" rtlCol="0">
-            <a:spAutoFit/>
-          </a:bodyPr>
-          <a:lstStyle/>
-          <a:p>
-            <a:r>
-              <a:rPr lang="en-SG" sz="1099" dirty="0">
-                <a:solidFill>
-                  <a:srgbClr val="002060"/>
-                </a:solidFill>
-              </a:rPr>
-              <a:t>X</a:t>
-            </a:r>
-          </a:p>
-        </p:txBody>
-      </p:sp>
-      <p:sp>
-        <p:nvSpPr>
-          <p:cNvPr id="112" name="TextBox 111">
-            <a:extLst>
-              <a:ext uri="{FF2B5EF4-FFF2-40B4-BE49-F238E27FC236}">
-                <a16:creationId xmlns:a16="http://schemas.microsoft.com/office/drawing/2014/main" id="{DDE66C97-94DE-4F8A-8BB3-F9C3A351E7D5}"/>
-              </a:ext>
-            </a:extLst>
-          </p:cNvPr>
-          <p:cNvSpPr txBox="1"/>
-          <p:nvPr/>
-        </p:nvSpPr>
-        <p:spPr>
-          <a:xfrm>
-            <a:off x="7765301" y="3145401"/>
-            <a:ext cx="1541418" cy="215444"/>
+            <a:off x="10154266" y="7055722"/>
+            <a:ext cx="1034931" cy="184666"/>
           </a:xfrm>
           <a:prstGeom prst="rect">
             <a:avLst/>
@@ -5653,17 +5940,23 @@
           </a:lstStyle>
           <a:p>
             <a:r>
-              <a:rPr lang="en-US" dirty="0" err="1">
+              <a:rPr lang="en-US" sz="1200" dirty="0" err="1">
                 <a:solidFill>
-                  <a:srgbClr val="7030A0"/>
+                  <a:schemeClr val="tx1">
+                    <a:lumMod val="65000"/>
+                    <a:lumOff val="35000"/>
+                  </a:schemeClr>
                 </a:solidFill>
               </a:rPr>
-              <a:t>getHumanMapGrid</a:t>
-            </a:r>
-            <a:r>
-              <a:rPr lang="en-US" dirty="0">
+              <a:t>getMapGrid</a:t>
+            </a:r>
+            <a:r>
+              <a:rPr lang="en-US" sz="1200" dirty="0">
                 <a:solidFill>
-                  <a:srgbClr val="7030A0"/>
+                  <a:schemeClr val="tx1">
+                    <a:lumMod val="65000"/>
+                    <a:lumOff val="35000"/>
+                  </a:schemeClr>
                 </a:solidFill>
               </a:rPr>
               <a:t>()</a:t>
@@ -5673,10 +5966,282 @@
       </p:sp>
       <p:sp>
         <p:nvSpPr>
-          <p:cNvPr id="115" name="TextBox 114">
+          <p:cNvPr id="118" name="Rectangle 117">
             <a:extLst>
               <a:ext uri="{FF2B5EF4-FFF2-40B4-BE49-F238E27FC236}">
-                <a16:creationId xmlns:a16="http://schemas.microsoft.com/office/drawing/2014/main" id="{A888AC27-8326-4037-A9D6-949620624BC5}"/>
+                <a16:creationId xmlns:a16="http://schemas.microsoft.com/office/drawing/2014/main" id="{4ACA60A2-2A0C-47AA-BA1F-7C416670135D}"/>
+              </a:ext>
+            </a:extLst>
+          </p:cNvPr>
+          <p:cNvSpPr/>
+          <p:nvPr/>
+        </p:nvSpPr>
+        <p:spPr>
+          <a:xfrm>
+            <a:off x="9797174" y="6868103"/>
+            <a:ext cx="129933" cy="169204"/>
+          </a:xfrm>
+          <a:prstGeom prst="rect">
+            <a:avLst/>
+          </a:prstGeom>
+          <a:solidFill>
+            <a:srgbClr val="7030A0"/>
+          </a:solidFill>
+          <a:ln>
+            <a:solidFill>
+              <a:srgbClr val="7030A0"/>
+            </a:solidFill>
+          </a:ln>
+          <a:effectLst/>
+        </p:spPr>
+        <p:style>
+          <a:lnRef idx="1">
+            <a:schemeClr val="accent3"/>
+          </a:lnRef>
+          <a:fillRef idx="2">
+            <a:schemeClr val="accent3"/>
+          </a:fillRef>
+          <a:effectRef idx="1">
+            <a:schemeClr val="accent3"/>
+          </a:effectRef>
+          <a:fontRef idx="minor">
+            <a:schemeClr val="dk1"/>
+          </a:fontRef>
+        </p:style>
+        <p:txBody>
+          <a:bodyPr rtlCol="0" anchor="ctr"/>
+          <a:lstStyle/>
+          <a:p>
+            <a:pPr algn="ctr"/>
+            <a:endParaRPr lang="en-SG" sz="1400"/>
+          </a:p>
+        </p:txBody>
+      </p:sp>
+      <p:cxnSp>
+        <p:nvCxnSpPr>
+          <p:cNvPr id="166" name="Curved Connector 12">
+            <a:extLst>
+              <a:ext uri="{FF2B5EF4-FFF2-40B4-BE49-F238E27FC236}">
+                <a16:creationId xmlns:a16="http://schemas.microsoft.com/office/drawing/2014/main" id="{20564365-3E4F-4EBD-914E-158225A41DAC}"/>
+              </a:ext>
+            </a:extLst>
+          </p:cNvPr>
+          <p:cNvCxnSpPr>
+            <a:cxnSpLocks/>
+          </p:cNvCxnSpPr>
+          <p:nvPr/>
+        </p:nvCxnSpPr>
+        <p:spPr>
+          <a:xfrm flipH="1">
+            <a:off x="9845139" y="7032531"/>
+            <a:ext cx="72953" cy="132809"/>
+          </a:xfrm>
+          <a:prstGeom prst="curvedConnector3">
+            <a:avLst>
+              <a:gd name="adj1" fmla="val -313352"/>
+            </a:avLst>
+          </a:prstGeom>
+          <a:ln>
+            <a:solidFill>
+              <a:srgbClr val="7030A0"/>
+            </a:solidFill>
+            <a:prstDash val="sysDash"/>
+            <a:tailEnd type="triangle"/>
+          </a:ln>
+        </p:spPr>
+        <p:style>
+          <a:lnRef idx="1">
+            <a:schemeClr val="accent1"/>
+          </a:lnRef>
+          <a:fillRef idx="0">
+            <a:schemeClr val="accent1"/>
+          </a:fillRef>
+          <a:effectRef idx="0">
+            <a:schemeClr val="accent1"/>
+          </a:effectRef>
+          <a:fontRef idx="minor">
+            <a:schemeClr val="tx1"/>
+          </a:fontRef>
+        </p:style>
+      </p:cxnSp>
+      <p:sp>
+        <p:nvSpPr>
+          <p:cNvPr id="186" name="Rectangle 62">
+            <a:extLst>
+              <a:ext uri="{FF2B5EF4-FFF2-40B4-BE49-F238E27FC236}">
+                <a16:creationId xmlns:a16="http://schemas.microsoft.com/office/drawing/2014/main" id="{ED894C81-4B95-4AAC-AEB1-37FB58E82CB3}"/>
+              </a:ext>
+            </a:extLst>
+          </p:cNvPr>
+          <p:cNvSpPr/>
+          <p:nvPr/>
+        </p:nvSpPr>
+        <p:spPr>
+          <a:xfrm>
+            <a:off x="12339704" y="6177073"/>
+            <a:ext cx="980860" cy="335427"/>
+          </a:xfrm>
+          <a:prstGeom prst="rect">
+            <a:avLst/>
+          </a:prstGeom>
+          <a:solidFill>
+            <a:srgbClr val="FF6699"/>
+          </a:solidFill>
+          <a:ln w="19050">
+            <a:solidFill>
+              <a:srgbClr val="FF6699"/>
+            </a:solidFill>
+          </a:ln>
+          <a:effectLst/>
+        </p:spPr>
+        <p:style>
+          <a:lnRef idx="1">
+            <a:schemeClr val="accent2"/>
+          </a:lnRef>
+          <a:fillRef idx="2">
+            <a:schemeClr val="accent2"/>
+          </a:fillRef>
+          <a:effectRef idx="1">
+            <a:schemeClr val="accent2"/>
+          </a:effectRef>
+          <a:fontRef idx="minor">
+            <a:schemeClr val="dk1"/>
+          </a:fontRef>
+        </p:style>
+        <p:txBody>
+          <a:bodyPr rtlCol="0" anchor="ctr"/>
+          <a:lstStyle/>
+          <a:p>
+            <a:pPr algn="ctr"/>
+            <a:r>
+              <a:rPr lang="en-US" sz="1600" dirty="0">
+                <a:solidFill>
+                  <a:schemeClr val="tx1"/>
+                </a:solidFill>
+              </a:rPr>
+              <a:t>:</a:t>
+            </a:r>
+            <a:r>
+              <a:rPr lang="en-US" sz="1600" dirty="0" err="1">
+                <a:solidFill>
+                  <a:schemeClr val="tx1"/>
+                </a:solidFill>
+              </a:rPr>
+              <a:t>MapGrid</a:t>
+            </a:r>
+            <a:endParaRPr lang="en-SG" sz="1600" dirty="0">
+              <a:solidFill>
+                <a:schemeClr val="tx1"/>
+              </a:solidFill>
+            </a:endParaRPr>
+          </a:p>
+        </p:txBody>
+      </p:sp>
+      <p:sp>
+        <p:nvSpPr>
+          <p:cNvPr id="187" name="Rectangle 186">
+            <a:extLst>
+              <a:ext uri="{FF2B5EF4-FFF2-40B4-BE49-F238E27FC236}">
+                <a16:creationId xmlns:a16="http://schemas.microsoft.com/office/drawing/2014/main" id="{09B0E711-DA47-4651-8AB4-F1BD8D990B22}"/>
+              </a:ext>
+            </a:extLst>
+          </p:cNvPr>
+          <p:cNvSpPr/>
+          <p:nvPr/>
+        </p:nvSpPr>
+        <p:spPr>
+          <a:xfrm>
+            <a:off x="12761724" y="7826254"/>
+            <a:ext cx="129933" cy="228598"/>
+          </a:xfrm>
+          <a:prstGeom prst="rect">
+            <a:avLst/>
+          </a:prstGeom>
+          <a:solidFill>
+            <a:srgbClr val="FF6699"/>
+          </a:solidFill>
+          <a:ln>
+            <a:solidFill>
+              <a:srgbClr val="FF6699"/>
+            </a:solidFill>
+          </a:ln>
+          <a:effectLst/>
+        </p:spPr>
+        <p:style>
+          <a:lnRef idx="1">
+            <a:schemeClr val="accent3"/>
+          </a:lnRef>
+          <a:fillRef idx="2">
+            <a:schemeClr val="accent3"/>
+          </a:fillRef>
+          <a:effectRef idx="1">
+            <a:schemeClr val="accent3"/>
+          </a:effectRef>
+          <a:fontRef idx="minor">
+            <a:schemeClr val="dk1"/>
+          </a:fontRef>
+        </p:style>
+        <p:txBody>
+          <a:bodyPr rtlCol="0" anchor="ctr"/>
+          <a:lstStyle/>
+          <a:p>
+            <a:pPr algn="ctr"/>
+            <a:endParaRPr lang="en-SG" sz="1400"/>
+          </a:p>
+        </p:txBody>
+      </p:sp>
+      <p:cxnSp>
+        <p:nvCxnSpPr>
+          <p:cNvPr id="188" name="Straight Connector 187">
+            <a:extLst>
+              <a:ext uri="{FF2B5EF4-FFF2-40B4-BE49-F238E27FC236}">
+                <a16:creationId xmlns:a16="http://schemas.microsoft.com/office/drawing/2014/main" id="{44EF094F-1339-4CA4-88DB-FE36777A1A62}"/>
+              </a:ext>
+            </a:extLst>
+          </p:cNvPr>
+          <p:cNvCxnSpPr>
+            <a:cxnSpLocks/>
+            <a:stCxn id="186" idx="2"/>
+          </p:cNvCxnSpPr>
+          <p:nvPr/>
+        </p:nvCxnSpPr>
+        <p:spPr>
+          <a:xfrm flipH="1">
+            <a:off x="12830132" y="6512500"/>
+            <a:ext cx="2" cy="3118784"/>
+          </a:xfrm>
+          <a:prstGeom prst="line">
+            <a:avLst/>
+          </a:prstGeom>
+          <a:ln w="19050">
+            <a:solidFill>
+              <a:srgbClr val="FF6699"/>
+            </a:solidFill>
+            <a:prstDash val="sysDash"/>
+          </a:ln>
+          <a:effectLst/>
+        </p:spPr>
+        <p:style>
+          <a:lnRef idx="1">
+            <a:schemeClr val="accent1"/>
+          </a:lnRef>
+          <a:fillRef idx="2">
+            <a:schemeClr val="accent1"/>
+          </a:fillRef>
+          <a:effectRef idx="1">
+            <a:schemeClr val="accent1"/>
+          </a:effectRef>
+          <a:fontRef idx="minor">
+            <a:schemeClr val="dk1"/>
+          </a:fontRef>
+        </p:style>
+      </p:cxnSp>
+      <p:sp>
+        <p:nvSpPr>
+          <p:cNvPr id="200" name="TextBox 199">
+            <a:extLst>
+              <a:ext uri="{FF2B5EF4-FFF2-40B4-BE49-F238E27FC236}">
+                <a16:creationId xmlns:a16="http://schemas.microsoft.com/office/drawing/2014/main" id="{50837DB6-4B6D-48F4-8D5B-B6A0A834466D}"/>
               </a:ext>
             </a:extLst>
           </p:cNvPr>
@@ -5685,8 +6250,8 @@
         </p:nvSpPr>
         <p:spPr>
           <a:xfrm>
-            <a:off x="10066100" y="3730806"/>
-            <a:ext cx="1034931" cy="184666"/>
+            <a:off x="10754546" y="7627055"/>
+            <a:ext cx="1608066" cy="184666"/>
           </a:xfrm>
           <a:prstGeom prst="rect">
             <a:avLst/>
@@ -5716,345 +6281,6 @@
             <a:r>
               <a:rPr lang="en-US" sz="1200" dirty="0" err="1">
                 <a:solidFill>
-                  <a:schemeClr val="tx1">
-                    <a:lumMod val="65000"/>
-                    <a:lumOff val="35000"/>
-                  </a:schemeClr>
-                </a:solidFill>
-              </a:rPr>
-              <a:t>getMapGrid</a:t>
-            </a:r>
-            <a:r>
-              <a:rPr lang="en-US" sz="1200" dirty="0">
-                <a:solidFill>
-                  <a:schemeClr val="tx1">
-                    <a:lumMod val="65000"/>
-                    <a:lumOff val="35000"/>
-                  </a:schemeClr>
-                </a:solidFill>
-              </a:rPr>
-              <a:t>()</a:t>
-            </a:r>
-          </a:p>
-        </p:txBody>
-      </p:sp>
-      <p:sp>
-        <p:nvSpPr>
-          <p:cNvPr id="118" name="Rectangle 117">
-            <a:extLst>
-              <a:ext uri="{FF2B5EF4-FFF2-40B4-BE49-F238E27FC236}">
-                <a16:creationId xmlns:a16="http://schemas.microsoft.com/office/drawing/2014/main" id="{4ACA60A2-2A0C-47AA-BA1F-7C416670135D}"/>
-              </a:ext>
-            </a:extLst>
-          </p:cNvPr>
-          <p:cNvSpPr/>
-          <p:nvPr/>
-        </p:nvSpPr>
-        <p:spPr>
-          <a:xfrm>
-            <a:off x="9709008" y="3543187"/>
-            <a:ext cx="129933" cy="169204"/>
-          </a:xfrm>
-          <a:prstGeom prst="rect">
-            <a:avLst/>
-          </a:prstGeom>
-          <a:solidFill>
-            <a:srgbClr val="7030A0"/>
-          </a:solidFill>
-          <a:ln>
-            <a:solidFill>
-              <a:srgbClr val="7030A0"/>
-            </a:solidFill>
-          </a:ln>
-          <a:effectLst/>
-        </p:spPr>
-        <p:style>
-          <a:lnRef idx="1">
-            <a:schemeClr val="accent3"/>
-          </a:lnRef>
-          <a:fillRef idx="2">
-            <a:schemeClr val="accent3"/>
-          </a:fillRef>
-          <a:effectRef idx="1">
-            <a:schemeClr val="accent3"/>
-          </a:effectRef>
-          <a:fontRef idx="minor">
-            <a:schemeClr val="dk1"/>
-          </a:fontRef>
-        </p:style>
-        <p:txBody>
-          <a:bodyPr rtlCol="0" anchor="ctr"/>
-          <a:lstStyle/>
-          <a:p>
-            <a:pPr algn="ctr"/>
-            <a:endParaRPr lang="en-SG" sz="1400"/>
-          </a:p>
-        </p:txBody>
-      </p:sp>
-      <p:cxnSp>
-        <p:nvCxnSpPr>
-          <p:cNvPr id="166" name="Curved Connector 12">
-            <a:extLst>
-              <a:ext uri="{FF2B5EF4-FFF2-40B4-BE49-F238E27FC236}">
-                <a16:creationId xmlns:a16="http://schemas.microsoft.com/office/drawing/2014/main" id="{20564365-3E4F-4EBD-914E-158225A41DAC}"/>
-              </a:ext>
-            </a:extLst>
-          </p:cNvPr>
-          <p:cNvCxnSpPr>
-            <a:cxnSpLocks/>
-          </p:cNvCxnSpPr>
-          <p:nvPr/>
-        </p:nvCxnSpPr>
-        <p:spPr>
-          <a:xfrm flipH="1">
-            <a:off x="9756973" y="3707615"/>
-            <a:ext cx="72953" cy="132809"/>
-          </a:xfrm>
-          <a:prstGeom prst="curvedConnector3">
-            <a:avLst>
-              <a:gd name="adj1" fmla="val -313352"/>
-            </a:avLst>
-          </a:prstGeom>
-          <a:ln>
-            <a:solidFill>
-              <a:srgbClr val="7030A0"/>
-            </a:solidFill>
-            <a:prstDash val="sysDash"/>
-            <a:tailEnd type="triangle"/>
-          </a:ln>
-        </p:spPr>
-        <p:style>
-          <a:lnRef idx="1">
-            <a:schemeClr val="accent1"/>
-          </a:lnRef>
-          <a:fillRef idx="0">
-            <a:schemeClr val="accent1"/>
-          </a:fillRef>
-          <a:effectRef idx="0">
-            <a:schemeClr val="accent1"/>
-          </a:effectRef>
-          <a:fontRef idx="minor">
-            <a:schemeClr val="tx1"/>
-          </a:fontRef>
-        </p:style>
-      </p:cxnSp>
-      <p:sp>
-        <p:nvSpPr>
-          <p:cNvPr id="186" name="Rectangle 62">
-            <a:extLst>
-              <a:ext uri="{FF2B5EF4-FFF2-40B4-BE49-F238E27FC236}">
-                <a16:creationId xmlns:a16="http://schemas.microsoft.com/office/drawing/2014/main" id="{ED894C81-4B95-4AAC-AEB1-37FB58E82CB3}"/>
-              </a:ext>
-            </a:extLst>
-          </p:cNvPr>
-          <p:cNvSpPr/>
-          <p:nvPr/>
-        </p:nvSpPr>
-        <p:spPr>
-          <a:xfrm>
-            <a:off x="12308734" y="2858675"/>
-            <a:ext cx="1475876" cy="335427"/>
-          </a:xfrm>
-          <a:prstGeom prst="rect">
-            <a:avLst/>
-          </a:prstGeom>
-          <a:solidFill>
-            <a:srgbClr val="FF6699"/>
-          </a:solidFill>
-          <a:ln w="19050">
-            <a:solidFill>
-              <a:srgbClr val="FF6699"/>
-            </a:solidFill>
-          </a:ln>
-          <a:effectLst/>
-        </p:spPr>
-        <p:style>
-          <a:lnRef idx="1">
-            <a:schemeClr val="accent2"/>
-          </a:lnRef>
-          <a:fillRef idx="2">
-            <a:schemeClr val="accent2"/>
-          </a:fillRef>
-          <a:effectRef idx="1">
-            <a:schemeClr val="accent2"/>
-          </a:effectRef>
-          <a:fontRef idx="minor">
-            <a:schemeClr val="dk1"/>
-          </a:fontRef>
-        </p:style>
-        <p:txBody>
-          <a:bodyPr rtlCol="0" anchor="ctr"/>
-          <a:lstStyle/>
-          <a:p>
-            <a:pPr algn="ctr"/>
-            <a:r>
-              <a:rPr lang="en-US" sz="1600" dirty="0">
-                <a:solidFill>
-                  <a:schemeClr val="tx1"/>
-                </a:solidFill>
-              </a:rPr>
-              <a:t>:</a:t>
-            </a:r>
-            <a:r>
-              <a:rPr lang="en-US" sz="1600" dirty="0" err="1">
-                <a:solidFill>
-                  <a:schemeClr val="tx1"/>
-                </a:solidFill>
-              </a:rPr>
-              <a:t>MapGrid</a:t>
-            </a:r>
-            <a:endParaRPr lang="en-SG" sz="1600" dirty="0">
-              <a:solidFill>
-                <a:schemeClr val="tx1"/>
-              </a:solidFill>
-            </a:endParaRPr>
-          </a:p>
-        </p:txBody>
-      </p:sp>
-      <p:sp>
-        <p:nvSpPr>
-          <p:cNvPr id="187" name="Rectangle 186">
-            <a:extLst>
-              <a:ext uri="{FF2B5EF4-FFF2-40B4-BE49-F238E27FC236}">
-                <a16:creationId xmlns:a16="http://schemas.microsoft.com/office/drawing/2014/main" id="{09B0E711-DA47-4651-8AB4-F1BD8D990B22}"/>
-              </a:ext>
-            </a:extLst>
-          </p:cNvPr>
-          <p:cNvSpPr/>
-          <p:nvPr/>
-        </p:nvSpPr>
-        <p:spPr>
-          <a:xfrm>
-            <a:off x="12978262" y="4507856"/>
-            <a:ext cx="129933" cy="228598"/>
-          </a:xfrm>
-          <a:prstGeom prst="rect">
-            <a:avLst/>
-          </a:prstGeom>
-          <a:solidFill>
-            <a:srgbClr val="FF6699"/>
-          </a:solidFill>
-          <a:ln>
-            <a:solidFill>
-              <a:srgbClr val="FF6699"/>
-            </a:solidFill>
-          </a:ln>
-          <a:effectLst/>
-        </p:spPr>
-        <p:style>
-          <a:lnRef idx="1">
-            <a:schemeClr val="accent3"/>
-          </a:lnRef>
-          <a:fillRef idx="2">
-            <a:schemeClr val="accent3"/>
-          </a:fillRef>
-          <a:effectRef idx="1">
-            <a:schemeClr val="accent3"/>
-          </a:effectRef>
-          <a:fontRef idx="minor">
-            <a:schemeClr val="dk1"/>
-          </a:fontRef>
-        </p:style>
-        <p:txBody>
-          <a:bodyPr rtlCol="0" anchor="ctr"/>
-          <a:lstStyle/>
-          <a:p>
-            <a:pPr algn="ctr"/>
-            <a:endParaRPr lang="en-SG" sz="1400"/>
-          </a:p>
-        </p:txBody>
-      </p:sp>
-      <p:cxnSp>
-        <p:nvCxnSpPr>
-          <p:cNvPr id="188" name="Straight Connector 187">
-            <a:extLst>
-              <a:ext uri="{FF2B5EF4-FFF2-40B4-BE49-F238E27FC236}">
-                <a16:creationId xmlns:a16="http://schemas.microsoft.com/office/drawing/2014/main" id="{44EF094F-1339-4CA4-88DB-FE36777A1A62}"/>
-              </a:ext>
-            </a:extLst>
-          </p:cNvPr>
-          <p:cNvCxnSpPr>
-            <a:cxnSpLocks/>
-            <a:stCxn id="186" idx="2"/>
-          </p:cNvCxnSpPr>
-          <p:nvPr/>
-        </p:nvCxnSpPr>
-        <p:spPr>
-          <a:xfrm>
-            <a:off x="13046670" y="3194096"/>
-            <a:ext cx="0" cy="2997694"/>
-          </a:xfrm>
-          <a:prstGeom prst="line">
-            <a:avLst/>
-          </a:prstGeom>
-          <a:ln w="19050">
-            <a:solidFill>
-              <a:srgbClr val="FF6699"/>
-            </a:solidFill>
-            <a:prstDash val="sysDash"/>
-          </a:ln>
-          <a:effectLst/>
-        </p:spPr>
-        <p:style>
-          <a:lnRef idx="1">
-            <a:schemeClr val="accent1"/>
-          </a:lnRef>
-          <a:fillRef idx="2">
-            <a:schemeClr val="accent1"/>
-          </a:fillRef>
-          <a:effectRef idx="1">
-            <a:schemeClr val="accent1"/>
-          </a:effectRef>
-          <a:fontRef idx="minor">
-            <a:schemeClr val="dk1"/>
-          </a:fontRef>
-        </p:style>
-      </p:cxnSp>
-      <p:sp>
-        <p:nvSpPr>
-          <p:cNvPr id="200" name="TextBox 199">
-            <a:extLst>
-              <a:ext uri="{FF2B5EF4-FFF2-40B4-BE49-F238E27FC236}">
-                <a16:creationId xmlns:a16="http://schemas.microsoft.com/office/drawing/2014/main" id="{50837DB6-4B6D-48F4-8D5B-B6A0A834466D}"/>
-              </a:ext>
-            </a:extLst>
-          </p:cNvPr>
-          <p:cNvSpPr txBox="1"/>
-          <p:nvPr/>
-        </p:nvSpPr>
-        <p:spPr>
-          <a:xfrm>
-            <a:off x="11266826" y="4297353"/>
-            <a:ext cx="1608066" cy="184666"/>
-          </a:xfrm>
-          <a:prstGeom prst="rect">
-            <a:avLst/>
-          </a:prstGeom>
-          <a:noFill/>
-          <a:ln>
-            <a:noFill/>
-          </a:ln>
-        </p:spPr>
-        <p:txBody>
-          <a:bodyPr wrap="square" lIns="0" tIns="0" rIns="0" bIns="0" rtlCol="0">
-            <a:spAutoFit/>
-          </a:bodyPr>
-          <a:lstStyle>
-            <a:defPPr>
-              <a:defRPr lang="en-US"/>
-            </a:defPPr>
-            <a:lvl1pPr algn="r">
-              <a:defRPr sz="1400">
-                <a:solidFill>
-                  <a:srgbClr val="0070C0"/>
-                </a:solidFill>
-              </a:defRPr>
-            </a:lvl1pPr>
-          </a:lstStyle>
-          <a:p>
-            <a:r>
-              <a:rPr lang="en-US" sz="1200" dirty="0" err="1">
-                <a:solidFill>
                   <a:srgbClr val="FF6699"/>
                 </a:solidFill>
               </a:rPr>
@@ -6103,8 +6329,8 @@
         </p:nvCxnSpPr>
         <p:spPr>
           <a:xfrm>
-            <a:off x="7492109" y="4737440"/>
-            <a:ext cx="5486153" cy="0"/>
+            <a:off x="7489393" y="8062356"/>
+            <a:ext cx="5276488" cy="0"/>
           </a:xfrm>
           <a:prstGeom prst="straightConnector1">
             <a:avLst/>
@@ -6149,8 +6375,8 @@
         </p:nvCxnSpPr>
         <p:spPr>
           <a:xfrm>
-            <a:off x="7484933" y="4339758"/>
-            <a:ext cx="2115404" cy="0"/>
+            <a:off x="7489393" y="7664674"/>
+            <a:ext cx="2199110" cy="0"/>
           </a:xfrm>
           <a:prstGeom prst="straightConnector1">
             <a:avLst/>
@@ -6193,9 +6419,9 @@
         </p:nvGrpSpPr>
         <p:grpSpPr>
           <a:xfrm>
-            <a:off x="7928573" y="4842753"/>
+            <a:off x="7824725" y="8151421"/>
             <a:ext cx="1635104" cy="826953"/>
-            <a:chOff x="14256889" y="4659447"/>
+            <a:chOff x="14064875" y="4643199"/>
             <a:chExt cx="1635104" cy="826953"/>
           </a:xfrm>
         </p:grpSpPr>
@@ -6213,7 +6439,7 @@
           </p:nvSpPr>
           <p:spPr>
             <a:xfrm>
-              <a:off x="14256889" y="4659447"/>
+              <a:off x="14064875" y="4643199"/>
               <a:ext cx="1635104" cy="516104"/>
             </a:xfrm>
             <a:prstGeom prst="rect">
@@ -6294,7 +6520,7 @@
           </p:nvSpPr>
           <p:spPr>
             <a:xfrm>
-              <a:off x="14998241" y="5188149"/>
+              <a:off x="14806227" y="5171901"/>
               <a:ext cx="152400" cy="169639"/>
             </a:xfrm>
             <a:prstGeom prst="rect">
@@ -6350,7 +6576,7 @@
           </p:nvCxnSpPr>
           <p:spPr>
             <a:xfrm>
-              <a:off x="15074441" y="5188149"/>
+              <a:off x="14882427" y="5171901"/>
               <a:ext cx="0" cy="298251"/>
             </a:xfrm>
             <a:prstGeom prst="line">
@@ -6382,50 +6608,6 @@
       </p:grpSp>
       <p:cxnSp>
         <p:nvCxnSpPr>
-          <p:cNvPr id="229" name="Straight Arrow Connector 228">
-            <a:extLst>
-              <a:ext uri="{FF2B5EF4-FFF2-40B4-BE49-F238E27FC236}">
-                <a16:creationId xmlns:a16="http://schemas.microsoft.com/office/drawing/2014/main" id="{674D795D-BE64-4C23-AB6B-8581B1948790}"/>
-              </a:ext>
-            </a:extLst>
-          </p:cNvPr>
-          <p:cNvCxnSpPr>
-            <a:cxnSpLocks/>
-          </p:cNvCxnSpPr>
-          <p:nvPr/>
-        </p:nvCxnSpPr>
-        <p:spPr>
-          <a:xfrm>
-            <a:off x="7424337" y="5087117"/>
-            <a:ext cx="504238" cy="0"/>
-          </a:xfrm>
-          <a:prstGeom prst="straightConnector1">
-            <a:avLst/>
-          </a:prstGeom>
-          <a:ln w="19050">
-            <a:solidFill>
-              <a:srgbClr val="0070C0"/>
-            </a:solidFill>
-            <a:tailEnd type="arrow"/>
-          </a:ln>
-        </p:spPr>
-        <p:style>
-          <a:lnRef idx="1">
-            <a:schemeClr val="accent1"/>
-          </a:lnRef>
-          <a:fillRef idx="0">
-            <a:schemeClr val="accent1"/>
-          </a:fillRef>
-          <a:effectRef idx="0">
-            <a:schemeClr val="accent1"/>
-          </a:effectRef>
-          <a:fontRef idx="minor">
-            <a:schemeClr val="tx1"/>
-          </a:fontRef>
-        </p:style>
-      </p:cxnSp>
-      <p:cxnSp>
-        <p:nvCxnSpPr>
           <p:cNvPr id="232" name="Straight Arrow Connector 231">
             <a:extLst>
               <a:ext uri="{FF2B5EF4-FFF2-40B4-BE49-F238E27FC236}">
@@ -6440,8 +6622,8 @@
         </p:nvCxnSpPr>
         <p:spPr>
           <a:xfrm>
-            <a:off x="7484939" y="5541086"/>
-            <a:ext cx="1181317" cy="0"/>
+            <a:off x="7489393" y="8849754"/>
+            <a:ext cx="1073015" cy="0"/>
           </a:xfrm>
           <a:prstGeom prst="straightConnector1">
             <a:avLst/>
@@ -6472,10 +6654,10 @@
       </p:cxnSp>
       <p:sp>
         <p:nvSpPr>
-          <p:cNvPr id="64" name="TextBox 63">
+          <p:cNvPr id="74" name="TextBox 73">
             <a:extLst>
               <a:ext uri="{FF2B5EF4-FFF2-40B4-BE49-F238E27FC236}">
-                <a16:creationId xmlns:a16="http://schemas.microsoft.com/office/drawing/2014/main" id="{72581E6E-B196-4E61-B3F9-1D80B9018707}"/>
+                <a16:creationId xmlns:a16="http://schemas.microsoft.com/office/drawing/2014/main" id="{EBE9EF11-75E1-468F-B4A2-BBDAAADEE274}"/>
               </a:ext>
             </a:extLst>
           </p:cNvPr>
@@ -6484,13 +6666,16 @@
         </p:nvSpPr>
         <p:spPr>
           <a:xfrm>
-            <a:off x="4051398" y="5426983"/>
-            <a:ext cx="855808" cy="215444"/>
+            <a:off x="9996327" y="7376623"/>
+            <a:ext cx="1175496" cy="184666"/>
           </a:xfrm>
           <a:prstGeom prst="rect">
             <a:avLst/>
           </a:prstGeom>
           <a:noFill/>
+          <a:ln>
+            <a:noFill/>
+          </a:ln>
         </p:spPr>
         <p:txBody>
           <a:bodyPr wrap="square" lIns="0" tIns="0" rIns="0" bIns="0" rtlCol="0">
@@ -6509,20 +6694,34 @@
             </a:lvl1pPr>
           </a:lstStyle>
           <a:p>
-            <a:pPr algn="ctr"/>
-            <a:r>
-              <a:rPr lang="en-US" dirty="0"/>
-              <a:t>res</a:t>
-            </a:r>
-          </a:p>
-        </p:txBody>
-      </p:sp>
-      <p:sp>
-        <p:nvSpPr>
-          <p:cNvPr id="68" name="TextBox 67">
+            <a:r>
+              <a:rPr lang="en-US" sz="1200" dirty="0" err="1">
+                <a:solidFill>
+                  <a:schemeClr val="tx1">
+                    <a:lumMod val="65000"/>
+                    <a:lumOff val="35000"/>
+                  </a:schemeClr>
+                </a:solidFill>
+              </a:rPr>
+              <a:t>playerMapGrid</a:t>
+            </a:r>
+            <a:endParaRPr lang="en-US" sz="1100" dirty="0">
+              <a:solidFill>
+                <a:schemeClr val="tx1">
+                  <a:lumMod val="65000"/>
+                  <a:lumOff val="35000"/>
+                </a:schemeClr>
+              </a:solidFill>
+            </a:endParaRPr>
+          </a:p>
+        </p:txBody>
+      </p:sp>
+      <p:sp>
+        <p:nvSpPr>
+          <p:cNvPr id="75" name="TextBox 74">
             <a:extLst>
               <a:ext uri="{FF2B5EF4-FFF2-40B4-BE49-F238E27FC236}">
-                <a16:creationId xmlns:a16="http://schemas.microsoft.com/office/drawing/2014/main" id="{75B411DE-4C2C-402A-8133-D10A8A09881C}"/>
+                <a16:creationId xmlns:a16="http://schemas.microsoft.com/office/drawing/2014/main" id="{BFB93399-D68C-488F-8B97-789304D31CBC}"/>
               </a:ext>
             </a:extLst>
           </p:cNvPr>
@@ -6531,13 +6730,16 @@
         </p:nvSpPr>
         <p:spPr>
           <a:xfrm>
-            <a:off x="576409" y="5561983"/>
-            <a:ext cx="855808" cy="215444"/>
+            <a:off x="8069644" y="7444879"/>
+            <a:ext cx="1022666" cy="184666"/>
           </a:xfrm>
           <a:prstGeom prst="rect">
             <a:avLst/>
           </a:prstGeom>
           <a:noFill/>
+          <a:ln>
+            <a:noFill/>
+          </a:ln>
         </p:spPr>
         <p:txBody>
           <a:bodyPr wrap="square" lIns="0" tIns="0" rIns="0" bIns="0" rtlCol="0">
@@ -6556,56 +6758,6 @@
             </a:lvl1pPr>
           </a:lstStyle>
           <a:p>
-            <a:pPr algn="ctr"/>
-            <a:r>
-              <a:rPr lang="en-US" dirty="0"/>
-              <a:t>res</a:t>
-            </a:r>
-          </a:p>
-        </p:txBody>
-      </p:sp>
-      <p:sp>
-        <p:nvSpPr>
-          <p:cNvPr id="74" name="TextBox 73">
-            <a:extLst>
-              <a:ext uri="{FF2B5EF4-FFF2-40B4-BE49-F238E27FC236}">
-                <a16:creationId xmlns:a16="http://schemas.microsoft.com/office/drawing/2014/main" id="{EBE9EF11-75E1-468F-B4A2-BBDAAADEE274}"/>
-              </a:ext>
-            </a:extLst>
-          </p:cNvPr>
-          <p:cNvSpPr txBox="1"/>
-          <p:nvPr/>
-        </p:nvSpPr>
-        <p:spPr>
-          <a:xfrm>
-            <a:off x="9908161" y="4051707"/>
-            <a:ext cx="1175496" cy="184666"/>
-          </a:xfrm>
-          <a:prstGeom prst="rect">
-            <a:avLst/>
-          </a:prstGeom>
-          <a:noFill/>
-          <a:ln>
-            <a:noFill/>
-          </a:ln>
-        </p:spPr>
-        <p:txBody>
-          <a:bodyPr wrap="square" lIns="0" tIns="0" rIns="0" bIns="0" rtlCol="0">
-            <a:spAutoFit/>
-          </a:bodyPr>
-          <a:lstStyle>
-            <a:defPPr>
-              <a:defRPr lang="en-US"/>
-            </a:defPPr>
-            <a:lvl1pPr algn="r">
-              <a:defRPr sz="1400">
-                <a:solidFill>
-                  <a:srgbClr val="0070C0"/>
-                </a:solidFill>
-              </a:defRPr>
-            </a:lvl1pPr>
-          </a:lstStyle>
-          <a:p>
             <a:r>
               <a:rPr lang="en-US" sz="1200" dirty="0" err="1">
                 <a:solidFill>
@@ -6630,10 +6782,325 @@
       </p:sp>
       <p:sp>
         <p:nvSpPr>
-          <p:cNvPr id="75" name="TextBox 74">
+          <p:cNvPr id="77" name="Rectangle 62">
             <a:extLst>
               <a:ext uri="{FF2B5EF4-FFF2-40B4-BE49-F238E27FC236}">
-                <a16:creationId xmlns:a16="http://schemas.microsoft.com/office/drawing/2014/main" id="{BFB93399-D68C-488F-8B97-789304D31CBC}"/>
+                <a16:creationId xmlns:a16="http://schemas.microsoft.com/office/drawing/2014/main" id="{7C7F1897-1B1F-4121-854A-FF6E5A4E5265}"/>
+              </a:ext>
+            </a:extLst>
+          </p:cNvPr>
+          <p:cNvSpPr/>
+          <p:nvPr/>
+        </p:nvSpPr>
+        <p:spPr>
+          <a:xfrm>
+            <a:off x="8549347" y="5643677"/>
+            <a:ext cx="560134" cy="302662"/>
+          </a:xfrm>
+          <a:prstGeom prst="rect">
+            <a:avLst/>
+          </a:prstGeom>
+          <a:solidFill>
+            <a:srgbClr val="FF6699"/>
+          </a:solidFill>
+          <a:ln w="19050">
+            <a:solidFill>
+              <a:srgbClr val="FF6699"/>
+            </a:solidFill>
+          </a:ln>
+          <a:effectLst/>
+        </p:spPr>
+        <p:style>
+          <a:lnRef idx="1">
+            <a:schemeClr val="accent2"/>
+          </a:lnRef>
+          <a:fillRef idx="2">
+            <a:schemeClr val="accent2"/>
+          </a:fillRef>
+          <a:effectRef idx="1">
+            <a:schemeClr val="accent2"/>
+          </a:effectRef>
+          <a:fontRef idx="minor">
+            <a:schemeClr val="dk1"/>
+          </a:fontRef>
+        </p:style>
+        <p:txBody>
+          <a:bodyPr rtlCol="0" anchor="ctr"/>
+          <a:lstStyle/>
+          <a:p>
+            <a:pPr algn="ctr"/>
+            <a:r>
+              <a:rPr lang="en-US" sz="1600" dirty="0">
+                <a:solidFill>
+                  <a:schemeClr val="tx1"/>
+                </a:solidFill>
+              </a:rPr>
+              <a:t>:Cell</a:t>
+            </a:r>
+            <a:endParaRPr lang="en-SG" sz="1600" dirty="0">
+              <a:solidFill>
+                <a:schemeClr val="tx1"/>
+              </a:solidFill>
+            </a:endParaRPr>
+          </a:p>
+        </p:txBody>
+      </p:sp>
+      <p:sp>
+        <p:nvSpPr>
+          <p:cNvPr id="79" name="Rectangle 78">
+            <a:extLst>
+              <a:ext uri="{FF2B5EF4-FFF2-40B4-BE49-F238E27FC236}">
+                <a16:creationId xmlns:a16="http://schemas.microsoft.com/office/drawing/2014/main" id="{EF94EA4A-0C91-47B0-9343-3CAD7341EEC6}"/>
+              </a:ext>
+            </a:extLst>
+          </p:cNvPr>
+          <p:cNvSpPr/>
+          <p:nvPr/>
+        </p:nvSpPr>
+        <p:spPr>
+          <a:xfrm>
+            <a:off x="8767390" y="5889049"/>
+            <a:ext cx="129933" cy="228598"/>
+          </a:xfrm>
+          <a:prstGeom prst="rect">
+            <a:avLst/>
+          </a:prstGeom>
+          <a:solidFill>
+            <a:srgbClr val="FF6699"/>
+          </a:solidFill>
+          <a:ln>
+            <a:solidFill>
+              <a:srgbClr val="FF6699"/>
+            </a:solidFill>
+          </a:ln>
+          <a:effectLst/>
+        </p:spPr>
+        <p:style>
+          <a:lnRef idx="1">
+            <a:schemeClr val="accent3"/>
+          </a:lnRef>
+          <a:fillRef idx="2">
+            <a:schemeClr val="accent3"/>
+          </a:fillRef>
+          <a:effectRef idx="1">
+            <a:schemeClr val="accent3"/>
+          </a:effectRef>
+          <a:fontRef idx="minor">
+            <a:schemeClr val="dk1"/>
+          </a:fontRef>
+        </p:style>
+        <p:txBody>
+          <a:bodyPr rtlCol="0" anchor="ctr"/>
+          <a:lstStyle/>
+          <a:p>
+            <a:pPr algn="ctr"/>
+            <a:endParaRPr lang="en-SG" sz="1400"/>
+          </a:p>
+        </p:txBody>
+      </p:sp>
+      <p:cxnSp>
+        <p:nvCxnSpPr>
+          <p:cNvPr id="91" name="Straight Arrow Connector 90">
+            <a:extLst>
+              <a:ext uri="{FF2B5EF4-FFF2-40B4-BE49-F238E27FC236}">
+                <a16:creationId xmlns:a16="http://schemas.microsoft.com/office/drawing/2014/main" id="{11967632-27BE-4A9C-8AA9-07EFD5FAC8E8}"/>
+              </a:ext>
+            </a:extLst>
+          </p:cNvPr>
+          <p:cNvCxnSpPr>
+            <a:cxnSpLocks/>
+          </p:cNvCxnSpPr>
+          <p:nvPr/>
+        </p:nvCxnSpPr>
+        <p:spPr>
+          <a:xfrm>
+            <a:off x="7490221" y="5761966"/>
+            <a:ext cx="1048792" cy="0"/>
+          </a:xfrm>
+          <a:prstGeom prst="straightConnector1">
+            <a:avLst/>
+          </a:prstGeom>
+          <a:ln w="19050">
+            <a:solidFill>
+              <a:srgbClr val="FF6699"/>
+            </a:solidFill>
+            <a:tailEnd type="arrow"/>
+          </a:ln>
+        </p:spPr>
+        <p:style>
+          <a:lnRef idx="1">
+            <a:schemeClr val="accent1"/>
+          </a:lnRef>
+          <a:fillRef idx="0">
+            <a:schemeClr val="accent1"/>
+          </a:fillRef>
+          <a:effectRef idx="0">
+            <a:schemeClr val="accent1"/>
+          </a:effectRef>
+          <a:fontRef idx="minor">
+            <a:schemeClr val="tx1"/>
+          </a:fontRef>
+        </p:style>
+      </p:cxnSp>
+      <p:sp>
+        <p:nvSpPr>
+          <p:cNvPr id="65" name="Rectangle 64"/>
+          <p:cNvSpPr/>
+          <p:nvPr/>
+        </p:nvSpPr>
+        <p:spPr>
+          <a:xfrm>
+            <a:off x="7330788" y="5246418"/>
+            <a:ext cx="161321" cy="3811056"/>
+          </a:xfrm>
+          <a:prstGeom prst="rect">
+            <a:avLst/>
+          </a:prstGeom>
+          <a:solidFill>
+            <a:srgbClr val="0070C0"/>
+          </a:solidFill>
+          <a:ln>
+            <a:solidFill>
+              <a:srgbClr val="0070C0"/>
+            </a:solidFill>
+          </a:ln>
+          <a:effectLst/>
+        </p:spPr>
+        <p:style>
+          <a:lnRef idx="1">
+            <a:schemeClr val="accent3"/>
+          </a:lnRef>
+          <a:fillRef idx="2">
+            <a:schemeClr val="accent3"/>
+          </a:fillRef>
+          <a:effectRef idx="1">
+            <a:schemeClr val="accent3"/>
+          </a:effectRef>
+          <a:fontRef idx="minor">
+            <a:schemeClr val="dk1"/>
+          </a:fontRef>
+        </p:style>
+        <p:txBody>
+          <a:bodyPr rtlCol="0" anchor="ctr"/>
+          <a:lstStyle/>
+          <a:p>
+            <a:pPr algn="ctr"/>
+            <a:endParaRPr lang="en-SG" sz="1400"/>
+          </a:p>
+        </p:txBody>
+      </p:sp>
+      <p:sp>
+        <p:nvSpPr>
+          <p:cNvPr id="30" name="Rectangle 29">
+            <a:extLst>
+              <a:ext uri="{FF2B5EF4-FFF2-40B4-BE49-F238E27FC236}">
+                <a16:creationId xmlns:a16="http://schemas.microsoft.com/office/drawing/2014/main" id="{9C03C097-F1DC-4B6C-A00B-FE3F780B0711}"/>
+              </a:ext>
+            </a:extLst>
+          </p:cNvPr>
+          <p:cNvSpPr/>
+          <p:nvPr/>
+        </p:nvSpPr>
+        <p:spPr>
+          <a:xfrm>
+            <a:off x="7223227" y="5384494"/>
+            <a:ext cx="1967219" cy="829486"/>
+          </a:xfrm>
+          <a:prstGeom prst="rect">
+            <a:avLst/>
+          </a:prstGeom>
+          <a:noFill/>
+        </p:spPr>
+        <p:style>
+          <a:lnRef idx="2">
+            <a:schemeClr val="accent1">
+              <a:shade val="50000"/>
+            </a:schemeClr>
+          </a:lnRef>
+          <a:fillRef idx="1">
+            <a:schemeClr val="accent1"/>
+          </a:fillRef>
+          <a:effectRef idx="0">
+            <a:schemeClr val="accent1"/>
+          </a:effectRef>
+          <a:fontRef idx="minor">
+            <a:schemeClr val="lt1"/>
+          </a:fontRef>
+        </p:style>
+        <p:txBody>
+          <a:bodyPr rot="0" spcFirstLastPara="0" vertOverflow="overflow" horzOverflow="overflow" vert="horz" wrap="square" lIns="91440" tIns="45720" rIns="91440" bIns="45720" numCol="1" spcCol="0" rtlCol="0" fromWordArt="0" anchor="ctr" anchorCtr="0" forceAA="0" compatLnSpc="1">
+            <a:prstTxWarp prst="textNoShape">
+              <a:avLst/>
+            </a:prstTxWarp>
+            <a:noAutofit/>
+          </a:bodyPr>
+          <a:lstStyle/>
+          <a:p>
+            <a:pPr algn="ctr"/>
+            <a:endParaRPr lang="en-SG"/>
+          </a:p>
+        </p:txBody>
+      </p:sp>
+      <p:sp>
+        <p:nvSpPr>
+          <p:cNvPr id="31" name="Rectangle: Single Corner Snipped 30">
+            <a:extLst>
+              <a:ext uri="{FF2B5EF4-FFF2-40B4-BE49-F238E27FC236}">
+                <a16:creationId xmlns:a16="http://schemas.microsoft.com/office/drawing/2014/main" id="{1FAE80EE-EAB0-4E8D-8F27-444C8F148A41}"/>
+              </a:ext>
+            </a:extLst>
+          </p:cNvPr>
+          <p:cNvSpPr/>
+          <p:nvPr/>
+        </p:nvSpPr>
+        <p:spPr>
+          <a:xfrm rot="10800000" flipH="1">
+            <a:off x="7223226" y="5386842"/>
+            <a:ext cx="492651" cy="239870"/>
+          </a:xfrm>
+          <a:prstGeom prst="snip1Rect">
+            <a:avLst/>
+          </a:prstGeom>
+          <a:solidFill>
+            <a:schemeClr val="bg1"/>
+          </a:solidFill>
+        </p:spPr>
+        <p:style>
+          <a:lnRef idx="2">
+            <a:schemeClr val="accent1">
+              <a:shade val="50000"/>
+            </a:schemeClr>
+          </a:lnRef>
+          <a:fillRef idx="1">
+            <a:schemeClr val="accent1"/>
+          </a:fillRef>
+          <a:effectRef idx="0">
+            <a:schemeClr val="accent1"/>
+          </a:effectRef>
+          <a:fontRef idx="minor">
+            <a:schemeClr val="lt1"/>
+          </a:fontRef>
+        </p:style>
+        <p:txBody>
+          <a:bodyPr rot="0" spcFirstLastPara="0" vertOverflow="overflow" horzOverflow="overflow" vert="horz" wrap="square" lIns="91440" tIns="45720" rIns="91440" bIns="45720" numCol="1" spcCol="0" rtlCol="0" fromWordArt="0" anchor="ctr" anchorCtr="0" forceAA="0" compatLnSpc="1">
+            <a:prstTxWarp prst="textNoShape">
+              <a:avLst/>
+            </a:prstTxWarp>
+            <a:noAutofit/>
+          </a:bodyPr>
+          <a:lstStyle/>
+          <a:p>
+            <a:pPr algn="ctr"/>
+            <a:endParaRPr lang="en-SG" dirty="0"/>
+          </a:p>
+        </p:txBody>
+      </p:sp>
+      <p:sp>
+        <p:nvSpPr>
+          <p:cNvPr id="224" name="TextBox 223">
+            <a:extLst>
+              <a:ext uri="{FF2B5EF4-FFF2-40B4-BE49-F238E27FC236}">
+                <a16:creationId xmlns:a16="http://schemas.microsoft.com/office/drawing/2014/main" id="{44CB997B-B110-4D3F-8BE6-42989D8B0F36}"/>
               </a:ext>
             </a:extLst>
           </p:cNvPr>
@@ -6642,56 +7109,109 @@
         </p:nvSpPr>
         <p:spPr>
           <a:xfrm>
-            <a:off x="7981478" y="4119963"/>
-            <a:ext cx="1022666" cy="184666"/>
+            <a:off x="7216030" y="5357409"/>
+            <a:ext cx="579597" cy="276999"/>
           </a:xfrm>
           <a:prstGeom prst="rect">
             <a:avLst/>
           </a:prstGeom>
           <a:noFill/>
-          <a:ln>
-            <a:noFill/>
-          </a:ln>
-        </p:spPr>
-        <p:txBody>
-          <a:bodyPr wrap="square" lIns="0" tIns="0" rIns="0" bIns="0" rtlCol="0">
+        </p:spPr>
+        <p:txBody>
+          <a:bodyPr wrap="square" rtlCol="0">
             <a:spAutoFit/>
           </a:bodyPr>
-          <a:lstStyle>
-            <a:defPPr>
-              <a:defRPr lang="en-US"/>
-            </a:defPPr>
-            <a:lvl1pPr algn="r">
-              <a:defRPr sz="1400">
-                <a:solidFill>
-                  <a:srgbClr val="0070C0"/>
-                </a:solidFill>
-              </a:defRPr>
-            </a:lvl1pPr>
-          </a:lstStyle>
-          <a:p>
-            <a:r>
-              <a:rPr lang="en-US" sz="1200" dirty="0" err="1">
-                <a:solidFill>
-                  <a:schemeClr val="tx1">
-                    <a:lumMod val="65000"/>
-                    <a:lumOff val="35000"/>
-                  </a:schemeClr>
-                </a:solidFill>
-              </a:rPr>
-              <a:t>playerMapGrid</a:t>
-            </a:r>
-            <a:endParaRPr lang="en-US" sz="1100" dirty="0">
-              <a:solidFill>
-                <a:schemeClr val="tx1">
-                  <a:lumMod val="65000"/>
-                  <a:lumOff val="35000"/>
-                </a:schemeClr>
-              </a:solidFill>
-            </a:endParaRPr>
-          </a:p>
-        </p:txBody>
-      </p:sp>
+          <a:lstStyle/>
+          <a:p>
+            <a:r>
+              <a:rPr lang="en-SG" sz="1200" dirty="0"/>
+              <a:t>loop</a:t>
+            </a:r>
+            <a:endParaRPr lang="en-SG" dirty="0"/>
+          </a:p>
+        </p:txBody>
+      </p:sp>
+      <p:sp>
+        <p:nvSpPr>
+          <p:cNvPr id="225" name="TextBox 224">
+            <a:extLst>
+              <a:ext uri="{FF2B5EF4-FFF2-40B4-BE49-F238E27FC236}">
+                <a16:creationId xmlns:a16="http://schemas.microsoft.com/office/drawing/2014/main" id="{4633A6AD-105E-4251-A88C-7CEBE972D889}"/>
+              </a:ext>
+            </a:extLst>
+          </p:cNvPr>
+          <p:cNvSpPr txBox="1"/>
+          <p:nvPr/>
+        </p:nvSpPr>
+        <p:spPr>
+          <a:xfrm>
+            <a:off x="7681008" y="5370372"/>
+            <a:ext cx="1405048" cy="246221"/>
+          </a:xfrm>
+          <a:prstGeom prst="rect">
+            <a:avLst/>
+          </a:prstGeom>
+          <a:noFill/>
+        </p:spPr>
+        <p:txBody>
+          <a:bodyPr wrap="square" rtlCol="0">
+            <a:spAutoFit/>
+          </a:bodyPr>
+          <a:lstStyle/>
+          <a:p>
+            <a:r>
+              <a:rPr lang="en-SG" sz="1000" dirty="0"/>
+              <a:t>[until 100 cells created]</a:t>
+            </a:r>
+          </a:p>
+        </p:txBody>
+      </p:sp>
+      <p:cxnSp>
+        <p:nvCxnSpPr>
+          <p:cNvPr id="95" name="Straight Arrow Connector 94">
+            <a:extLst>
+              <a:ext uri="{FF2B5EF4-FFF2-40B4-BE49-F238E27FC236}">
+                <a16:creationId xmlns:a16="http://schemas.microsoft.com/office/drawing/2014/main" id="{169ECC4A-2D01-416C-AD30-B9EF34BE61E9}"/>
+              </a:ext>
+            </a:extLst>
+          </p:cNvPr>
+          <p:cNvCxnSpPr>
+            <a:cxnSpLocks/>
+          </p:cNvCxnSpPr>
+          <p:nvPr/>
+        </p:nvCxnSpPr>
+        <p:spPr>
+          <a:xfrm>
+            <a:off x="7489395" y="6117647"/>
+            <a:ext cx="1277995" cy="0"/>
+          </a:xfrm>
+          <a:prstGeom prst="straightConnector1">
+            <a:avLst/>
+          </a:prstGeom>
+          <a:ln w="19050">
+            <a:solidFill>
+              <a:srgbClr val="FF6699"/>
+            </a:solidFill>
+            <a:prstDash val="sysDash"/>
+            <a:headEnd type="arrow" w="med" len="med"/>
+            <a:tailEnd type="none" w="med" len="med"/>
+          </a:ln>
+        </p:spPr>
+        <p:style>
+          <a:lnRef idx="1">
+            <a:schemeClr val="accent1"/>
+          </a:lnRef>
+          <a:fillRef idx="0">
+            <a:schemeClr val="accent1"/>
+          </a:fillRef>
+          <a:effectRef idx="0">
+            <a:schemeClr val="accent1"/>
+          </a:effectRef>
+          <a:fontRef idx="minor">
+            <a:schemeClr val="tx1"/>
+          </a:fontRef>
+        </p:style>
+      </p:cxnSp>
     </p:spTree>
     <p:extLst>
       <p:ext uri="{BB962C8B-B14F-4D97-AF65-F5344CB8AC3E}">

--- a/docs/diagrams/InitialiseMapSequenceDiagram.pptx
+++ b/docs/diagrams/InitialiseMapSequenceDiagram.pptx
@@ -7003,8 +7003,8 @@
         </p:nvSpPr>
         <p:spPr>
           <a:xfrm>
-            <a:off x="7223227" y="5384494"/>
-            <a:ext cx="1967219" cy="829486"/>
+            <a:off x="7223228" y="5384494"/>
+            <a:ext cx="2054212" cy="829486"/>
           </a:xfrm>
           <a:prstGeom prst="rect">
             <a:avLst/>
@@ -7145,8 +7145,8 @@
         </p:nvSpPr>
         <p:spPr>
           <a:xfrm>
-            <a:off x="7681008" y="5370372"/>
-            <a:ext cx="1405048" cy="246221"/>
+            <a:off x="7681007" y="5370372"/>
+            <a:ext cx="1725633" cy="276999"/>
           </a:xfrm>
           <a:prstGeom prst="rect">
             <a:avLst/>
@@ -7160,7 +7160,7 @@
           <a:lstStyle/>
           <a:p>
             <a:r>
-              <a:rPr lang="en-SG" sz="1000" dirty="0"/>
+              <a:rPr lang="en-SG" sz="1200" dirty="0"/>
               <a:t>[until 100 cells created]</a:t>
             </a:r>
           </a:p>
